--- a/docs/slides.pptx
+++ b/docs/slides.pptx
@@ -4,14 +4,27 @@
   <p:sldMasterIdLst>
     <p:sldMasterId id="2147483648" r:id="rId1"/>
   </p:sldMasterIdLst>
+  <p:notesMasterIdLst>
+    <p:notesMasterId r:id="rId19"/>
+  </p:notesMasterIdLst>
   <p:sldIdLst>
     <p:sldId id="256" r:id="rId2"/>
     <p:sldId id="257" r:id="rId3"/>
     <p:sldId id="258" r:id="rId4"/>
     <p:sldId id="259" r:id="rId5"/>
     <p:sldId id="260" r:id="rId6"/>
-    <p:sldId id="261" r:id="rId7"/>
-    <p:sldId id="262" r:id="rId8"/>
+    <p:sldId id="272" r:id="rId7"/>
+    <p:sldId id="261" r:id="rId8"/>
+    <p:sldId id="262" r:id="rId9"/>
+    <p:sldId id="267" r:id="rId10"/>
+    <p:sldId id="263" r:id="rId11"/>
+    <p:sldId id="264" r:id="rId12"/>
+    <p:sldId id="268" r:id="rId13"/>
+    <p:sldId id="265" r:id="rId14"/>
+    <p:sldId id="266" r:id="rId15"/>
+    <p:sldId id="269" r:id="rId16"/>
+    <p:sldId id="271" r:id="rId17"/>
+    <p:sldId id="270" r:id="rId18"/>
   </p:sldIdLst>
   <p:sldSz cx="9144000" cy="6858000" type="screen4x3"/>
   <p:notesSz cx="6858000" cy="9144000"/>
@@ -113,6 +126,1441 @@
 </p:presentation>
 </file>
 
+<file path=ppt/charts/chart1.xml><?xml version="1.0" encoding="utf-8"?>
+<c:chartSpace xmlns:c="http://schemas.openxmlformats.org/drawingml/2006/chart" xmlns:a="http://schemas.openxmlformats.org/drawingml/2006/main" xmlns:r="http://schemas.openxmlformats.org/officeDocument/2006/relationships">
+  <c:date1904 val="0"/>
+  <c:lang val="en-US"/>
+  <c:roundedCorners val="0"/>
+  <mc:AlternateContent xmlns:mc="http://schemas.openxmlformats.org/markup-compatibility/2006">
+    <mc:Choice xmlns:c14="http://schemas.microsoft.com/office/drawing/2007/8/2/chart" Requires="c14">
+      <c14:style val="118"/>
+    </mc:Choice>
+    <mc:Fallback>
+      <c:style val="18"/>
+    </mc:Fallback>
+  </mc:AlternateContent>
+  <c:chart>
+    <c:title>
+      <c:tx>
+        <c:rich>
+          <a:bodyPr/>
+          <a:lstStyle/>
+          <a:p>
+            <a:pPr>
+              <a:defRPr/>
+            </a:pPr>
+            <a:r>
+              <a:rPr lang="en-US"/>
+              <a:t>Mean RSS vs k</a:t>
+            </a:r>
+          </a:p>
+        </c:rich>
+      </c:tx>
+      <c:layout/>
+      <c:overlay val="0"/>
+    </c:title>
+    <c:autoTitleDeleted val="0"/>
+    <c:plotArea>
+      <c:layout/>
+      <c:lineChart>
+        <c:grouping val="standard"/>
+        <c:varyColors val="0"/>
+        <c:ser>
+          <c:idx val="0"/>
+          <c:order val="0"/>
+          <c:tx>
+            <c:strRef>
+              <c:f>Sheet1!$B$1</c:f>
+              <c:strCache>
+                <c:ptCount val="1"/>
+                <c:pt idx="0">
+                  <c:v>Mean RSS</c:v>
+                </c:pt>
+              </c:strCache>
+            </c:strRef>
+          </c:tx>
+          <c:marker>
+            <c:symbol val="none"/>
+          </c:marker>
+          <c:cat>
+            <c:numRef>
+              <c:f>Sheet1!$A$2:$A$41</c:f>
+              <c:numCache>
+                <c:formatCode>General</c:formatCode>
+                <c:ptCount val="40"/>
+                <c:pt idx="0">
+                  <c:v>2</c:v>
+                </c:pt>
+                <c:pt idx="1">
+                  <c:v>4</c:v>
+                </c:pt>
+                <c:pt idx="2">
+                  <c:v>6</c:v>
+                </c:pt>
+                <c:pt idx="3">
+                  <c:v>8</c:v>
+                </c:pt>
+                <c:pt idx="4">
+                  <c:v>10</c:v>
+                </c:pt>
+                <c:pt idx="5">
+                  <c:v>12</c:v>
+                </c:pt>
+                <c:pt idx="6">
+                  <c:v>14</c:v>
+                </c:pt>
+                <c:pt idx="7">
+                  <c:v>16</c:v>
+                </c:pt>
+                <c:pt idx="8">
+                  <c:v>18</c:v>
+                </c:pt>
+                <c:pt idx="9">
+                  <c:v>20</c:v>
+                </c:pt>
+                <c:pt idx="10">
+                  <c:v>22</c:v>
+                </c:pt>
+                <c:pt idx="11">
+                  <c:v>24</c:v>
+                </c:pt>
+                <c:pt idx="12">
+                  <c:v>26</c:v>
+                </c:pt>
+                <c:pt idx="13">
+                  <c:v>28</c:v>
+                </c:pt>
+                <c:pt idx="14">
+                  <c:v>30</c:v>
+                </c:pt>
+                <c:pt idx="15">
+                  <c:v>32</c:v>
+                </c:pt>
+                <c:pt idx="16">
+                  <c:v>34</c:v>
+                </c:pt>
+                <c:pt idx="17">
+                  <c:v>36</c:v>
+                </c:pt>
+                <c:pt idx="18">
+                  <c:v>38</c:v>
+                </c:pt>
+                <c:pt idx="19">
+                  <c:v>40</c:v>
+                </c:pt>
+                <c:pt idx="20">
+                  <c:v>42</c:v>
+                </c:pt>
+                <c:pt idx="21">
+                  <c:v>44</c:v>
+                </c:pt>
+                <c:pt idx="22">
+                  <c:v>46</c:v>
+                </c:pt>
+                <c:pt idx="23">
+                  <c:v>48</c:v>
+                </c:pt>
+                <c:pt idx="24">
+                  <c:v>50</c:v>
+                </c:pt>
+                <c:pt idx="25">
+                  <c:v>52</c:v>
+                </c:pt>
+                <c:pt idx="26">
+                  <c:v>54</c:v>
+                </c:pt>
+                <c:pt idx="27">
+                  <c:v>56</c:v>
+                </c:pt>
+                <c:pt idx="28">
+                  <c:v>58</c:v>
+                </c:pt>
+                <c:pt idx="29">
+                  <c:v>60</c:v>
+                </c:pt>
+                <c:pt idx="30">
+                  <c:v>62</c:v>
+                </c:pt>
+                <c:pt idx="31">
+                  <c:v>64</c:v>
+                </c:pt>
+                <c:pt idx="32">
+                  <c:v>66</c:v>
+                </c:pt>
+                <c:pt idx="33">
+                  <c:v>68</c:v>
+                </c:pt>
+                <c:pt idx="34">
+                  <c:v>70</c:v>
+                </c:pt>
+                <c:pt idx="35">
+                  <c:v>72</c:v>
+                </c:pt>
+                <c:pt idx="36">
+                  <c:v>74</c:v>
+                </c:pt>
+                <c:pt idx="37">
+                  <c:v>76</c:v>
+                </c:pt>
+                <c:pt idx="38">
+                  <c:v>78</c:v>
+                </c:pt>
+                <c:pt idx="39">
+                  <c:v>80</c:v>
+                </c:pt>
+              </c:numCache>
+            </c:numRef>
+          </c:cat>
+          <c:val>
+            <c:numRef>
+              <c:f>Sheet1!$B$2:$B$41</c:f>
+              <c:numCache>
+                <c:formatCode>General</c:formatCode>
+                <c:ptCount val="40"/>
+                <c:pt idx="0">
+                  <c:v>2.8052000000000001</c:v>
+                </c:pt>
+                <c:pt idx="1">
+                  <c:v>2.8117000000000001</c:v>
+                </c:pt>
+                <c:pt idx="2">
+                  <c:v>2.6857000000000002</c:v>
+                </c:pt>
+                <c:pt idx="3">
+                  <c:v>2.5173999999999999</c:v>
+                </c:pt>
+                <c:pt idx="4">
+                  <c:v>2.4001999999999999</c:v>
+                </c:pt>
+                <c:pt idx="5">
+                  <c:v>2.3330000000000002</c:v>
+                </c:pt>
+                <c:pt idx="6">
+                  <c:v>2.2513000000000001</c:v>
+                </c:pt>
+                <c:pt idx="7">
+                  <c:v>2.2069000000000001</c:v>
+                </c:pt>
+                <c:pt idx="8">
+                  <c:v>2.1682999999999999</c:v>
+                </c:pt>
+                <c:pt idx="9">
+                  <c:v>2.1478999999999999</c:v>
+                </c:pt>
+                <c:pt idx="10">
+                  <c:v>2.1221999999999999</c:v>
+                </c:pt>
+                <c:pt idx="11">
+                  <c:v>2.1255999999999999</c:v>
+                </c:pt>
+                <c:pt idx="12">
+                  <c:v>2.1252</c:v>
+                </c:pt>
+                <c:pt idx="13">
+                  <c:v>2.1110000000000002</c:v>
+                </c:pt>
+                <c:pt idx="14">
+                  <c:v>2.0992999999999999</c:v>
+                </c:pt>
+                <c:pt idx="15">
+                  <c:v>2.1101000000000001</c:v>
+                </c:pt>
+                <c:pt idx="16">
+                  <c:v>2.1088</c:v>
+                </c:pt>
+                <c:pt idx="17">
+                  <c:v>2.1208999999999998</c:v>
+                </c:pt>
+                <c:pt idx="18">
+                  <c:v>2.1120999999999999</c:v>
+                </c:pt>
+                <c:pt idx="19">
+                  <c:v>2.1095000000000002</c:v>
+                </c:pt>
+                <c:pt idx="20">
+                  <c:v>2.1244999999999998</c:v>
+                </c:pt>
+                <c:pt idx="21">
+                  <c:v>2.117</c:v>
+                </c:pt>
+                <c:pt idx="22">
+                  <c:v>2.1444000000000001</c:v>
+                </c:pt>
+                <c:pt idx="23">
+                  <c:v>2.1600999999999999</c:v>
+                </c:pt>
+                <c:pt idx="24">
+                  <c:v>2.1602000000000001</c:v>
+                </c:pt>
+                <c:pt idx="25">
+                  <c:v>2.1621999999999999</c:v>
+                </c:pt>
+                <c:pt idx="26">
+                  <c:v>2.1623000000000001</c:v>
+                </c:pt>
+                <c:pt idx="27">
+                  <c:v>2.1850999999999998</c:v>
+                </c:pt>
+                <c:pt idx="28">
+                  <c:v>2.1943999999999999</c:v>
+                </c:pt>
+                <c:pt idx="29">
+                  <c:v>2.2029999999999998</c:v>
+                </c:pt>
+                <c:pt idx="30">
+                  <c:v>2.202</c:v>
+                </c:pt>
+                <c:pt idx="31">
+                  <c:v>2.2349999999999999</c:v>
+                </c:pt>
+                <c:pt idx="32">
+                  <c:v>2.2313000000000001</c:v>
+                </c:pt>
+                <c:pt idx="33">
+                  <c:v>2.2322000000000002</c:v>
+                </c:pt>
+                <c:pt idx="34">
+                  <c:v>2.2581000000000002</c:v>
+                </c:pt>
+                <c:pt idx="35">
+                  <c:v>2.2660999999999998</c:v>
+                </c:pt>
+                <c:pt idx="36">
+                  <c:v>2.2991000000000001</c:v>
+                </c:pt>
+                <c:pt idx="37">
+                  <c:v>2.3008999999999999</c:v>
+                </c:pt>
+                <c:pt idx="38">
+                  <c:v>2.2957000000000001</c:v>
+                </c:pt>
+                <c:pt idx="39">
+                  <c:v>2.3067000000000002</c:v>
+                </c:pt>
+              </c:numCache>
+            </c:numRef>
+          </c:val>
+          <c:smooth val="0"/>
+        </c:ser>
+        <c:dLbls>
+          <c:showLegendKey val="0"/>
+          <c:showVal val="0"/>
+          <c:showCatName val="0"/>
+          <c:showSerName val="0"/>
+          <c:showPercent val="0"/>
+          <c:showBubbleSize val="0"/>
+        </c:dLbls>
+        <c:marker val="1"/>
+        <c:smooth val="0"/>
+        <c:axId val="69456896"/>
+        <c:axId val="100328000"/>
+      </c:lineChart>
+      <c:catAx>
+        <c:axId val="69456896"/>
+        <c:scaling>
+          <c:orientation val="minMax"/>
+        </c:scaling>
+        <c:delete val="0"/>
+        <c:axPos val="b"/>
+        <c:numFmt formatCode="General" sourceLinked="1"/>
+        <c:majorTickMark val="out"/>
+        <c:minorTickMark val="none"/>
+        <c:tickLblPos val="nextTo"/>
+        <c:crossAx val="100328000"/>
+        <c:crosses val="autoZero"/>
+        <c:auto val="1"/>
+        <c:lblAlgn val="ctr"/>
+        <c:lblOffset val="100"/>
+        <c:noMultiLvlLbl val="0"/>
+      </c:catAx>
+      <c:valAx>
+        <c:axId val="100328000"/>
+        <c:scaling>
+          <c:orientation val="minMax"/>
+          <c:min val="2"/>
+        </c:scaling>
+        <c:delete val="0"/>
+        <c:axPos val="l"/>
+        <c:majorGridlines/>
+        <c:numFmt formatCode="General" sourceLinked="1"/>
+        <c:majorTickMark val="out"/>
+        <c:minorTickMark val="none"/>
+        <c:tickLblPos val="nextTo"/>
+        <c:crossAx val="69456896"/>
+        <c:crosses val="autoZero"/>
+        <c:crossBetween val="between"/>
+      </c:valAx>
+    </c:plotArea>
+    <c:plotVisOnly val="1"/>
+    <c:dispBlanksAs val="gap"/>
+    <c:showDLblsOverMax val="0"/>
+  </c:chart>
+  <c:externalData r:id="rId1">
+    <c:autoUpdate val="0"/>
+  </c:externalData>
+</c:chartSpace>
+</file>
+
+<file path=ppt/charts/chart2.xml><?xml version="1.0" encoding="utf-8"?>
+<c:chartSpace xmlns:c="http://schemas.openxmlformats.org/drawingml/2006/chart" xmlns:a="http://schemas.openxmlformats.org/drawingml/2006/main" xmlns:r="http://schemas.openxmlformats.org/officeDocument/2006/relationships">
+  <c:date1904 val="0"/>
+  <c:lang val="en-US"/>
+  <c:roundedCorners val="0"/>
+  <mc:AlternateContent xmlns:mc="http://schemas.openxmlformats.org/markup-compatibility/2006">
+    <mc:Choice xmlns:c14="http://schemas.microsoft.com/office/drawing/2007/8/2/chart" Requires="c14">
+      <c14:style val="118"/>
+    </mc:Choice>
+    <mc:Fallback>
+      <c:style val="18"/>
+    </mc:Fallback>
+  </mc:AlternateContent>
+  <c:chart>
+    <c:title>
+      <c:tx>
+        <c:rich>
+          <a:bodyPr/>
+          <a:lstStyle/>
+          <a:p>
+            <a:pPr>
+              <a:defRPr/>
+            </a:pPr>
+            <a:r>
+              <a:rPr lang="en-US"/>
+              <a:t>Mean Distance vs k</a:t>
+            </a:r>
+          </a:p>
+        </c:rich>
+      </c:tx>
+      <c:layout/>
+      <c:overlay val="0"/>
+    </c:title>
+    <c:autoTitleDeleted val="0"/>
+    <c:plotArea>
+      <c:layout/>
+      <c:lineChart>
+        <c:grouping val="standard"/>
+        <c:varyColors val="0"/>
+        <c:ser>
+          <c:idx val="0"/>
+          <c:order val="0"/>
+          <c:tx>
+            <c:strRef>
+              <c:f>Sheet1!$C$1</c:f>
+              <c:strCache>
+                <c:ptCount val="1"/>
+                <c:pt idx="0">
+                  <c:v>Mean Distance</c:v>
+                </c:pt>
+              </c:strCache>
+            </c:strRef>
+          </c:tx>
+          <c:marker>
+            <c:symbol val="none"/>
+          </c:marker>
+          <c:cat>
+            <c:numRef>
+              <c:f>Sheet1!$A$2:$A$41</c:f>
+              <c:numCache>
+                <c:formatCode>General</c:formatCode>
+                <c:ptCount val="40"/>
+                <c:pt idx="0">
+                  <c:v>2</c:v>
+                </c:pt>
+                <c:pt idx="1">
+                  <c:v>4</c:v>
+                </c:pt>
+                <c:pt idx="2">
+                  <c:v>6</c:v>
+                </c:pt>
+                <c:pt idx="3">
+                  <c:v>8</c:v>
+                </c:pt>
+                <c:pt idx="4">
+                  <c:v>10</c:v>
+                </c:pt>
+                <c:pt idx="5">
+                  <c:v>12</c:v>
+                </c:pt>
+                <c:pt idx="6">
+                  <c:v>14</c:v>
+                </c:pt>
+                <c:pt idx="7">
+                  <c:v>16</c:v>
+                </c:pt>
+                <c:pt idx="8">
+                  <c:v>18</c:v>
+                </c:pt>
+                <c:pt idx="9">
+                  <c:v>20</c:v>
+                </c:pt>
+                <c:pt idx="10">
+                  <c:v>22</c:v>
+                </c:pt>
+                <c:pt idx="11">
+                  <c:v>24</c:v>
+                </c:pt>
+                <c:pt idx="12">
+                  <c:v>26</c:v>
+                </c:pt>
+                <c:pt idx="13">
+                  <c:v>28</c:v>
+                </c:pt>
+                <c:pt idx="14">
+                  <c:v>30</c:v>
+                </c:pt>
+                <c:pt idx="15">
+                  <c:v>32</c:v>
+                </c:pt>
+                <c:pt idx="16">
+                  <c:v>34</c:v>
+                </c:pt>
+                <c:pt idx="17">
+                  <c:v>36</c:v>
+                </c:pt>
+                <c:pt idx="18">
+                  <c:v>38</c:v>
+                </c:pt>
+                <c:pt idx="19">
+                  <c:v>40</c:v>
+                </c:pt>
+                <c:pt idx="20">
+                  <c:v>42</c:v>
+                </c:pt>
+                <c:pt idx="21">
+                  <c:v>44</c:v>
+                </c:pt>
+                <c:pt idx="22">
+                  <c:v>46</c:v>
+                </c:pt>
+                <c:pt idx="23">
+                  <c:v>48</c:v>
+                </c:pt>
+                <c:pt idx="24">
+                  <c:v>50</c:v>
+                </c:pt>
+                <c:pt idx="25">
+                  <c:v>52</c:v>
+                </c:pt>
+                <c:pt idx="26">
+                  <c:v>54</c:v>
+                </c:pt>
+                <c:pt idx="27">
+                  <c:v>56</c:v>
+                </c:pt>
+                <c:pt idx="28">
+                  <c:v>58</c:v>
+                </c:pt>
+                <c:pt idx="29">
+                  <c:v>60</c:v>
+                </c:pt>
+                <c:pt idx="30">
+                  <c:v>62</c:v>
+                </c:pt>
+                <c:pt idx="31">
+                  <c:v>64</c:v>
+                </c:pt>
+                <c:pt idx="32">
+                  <c:v>66</c:v>
+                </c:pt>
+                <c:pt idx="33">
+                  <c:v>68</c:v>
+                </c:pt>
+                <c:pt idx="34">
+                  <c:v>70</c:v>
+                </c:pt>
+                <c:pt idx="35">
+                  <c:v>72</c:v>
+                </c:pt>
+                <c:pt idx="36">
+                  <c:v>74</c:v>
+                </c:pt>
+                <c:pt idx="37">
+                  <c:v>76</c:v>
+                </c:pt>
+                <c:pt idx="38">
+                  <c:v>78</c:v>
+                </c:pt>
+                <c:pt idx="39">
+                  <c:v>80</c:v>
+                </c:pt>
+              </c:numCache>
+            </c:numRef>
+          </c:cat>
+          <c:val>
+            <c:numRef>
+              <c:f>Sheet1!$C$2:$C$41</c:f>
+              <c:numCache>
+                <c:formatCode>General</c:formatCode>
+                <c:ptCount val="40"/>
+                <c:pt idx="0">
+                  <c:v>1.3052999999999999</c:v>
+                </c:pt>
+                <c:pt idx="1">
+                  <c:v>1.3093999999999999</c:v>
+                </c:pt>
+                <c:pt idx="2">
+                  <c:v>1.2793000000000001</c:v>
+                </c:pt>
+                <c:pt idx="3">
+                  <c:v>1.2351000000000001</c:v>
+                </c:pt>
+                <c:pt idx="4">
+                  <c:v>1.2007000000000001</c:v>
+                </c:pt>
+                <c:pt idx="5">
+                  <c:v>1.1845000000000001</c:v>
+                </c:pt>
+                <c:pt idx="6">
+                  <c:v>1.1598999999999999</c:v>
+                </c:pt>
+                <c:pt idx="7">
+                  <c:v>1.1487000000000001</c:v>
+                </c:pt>
+                <c:pt idx="8">
+                  <c:v>1.1365000000000001</c:v>
+                </c:pt>
+                <c:pt idx="9">
+                  <c:v>1.1301000000000001</c:v>
+                </c:pt>
+                <c:pt idx="10">
+                  <c:v>1.119</c:v>
+                </c:pt>
+                <c:pt idx="11">
+                  <c:v>1.1194999999999999</c:v>
+                </c:pt>
+                <c:pt idx="12">
+                  <c:v>1.1222000000000001</c:v>
+                </c:pt>
+                <c:pt idx="13">
+                  <c:v>1.1173</c:v>
+                </c:pt>
+                <c:pt idx="14">
+                  <c:v>1.1096999999999999</c:v>
+                </c:pt>
+                <c:pt idx="15">
+                  <c:v>1.1137999999999999</c:v>
+                </c:pt>
+                <c:pt idx="16">
+                  <c:v>1.1113999999999999</c:v>
+                </c:pt>
+                <c:pt idx="17">
+                  <c:v>1.1173999999999999</c:v>
+                </c:pt>
+                <c:pt idx="18">
+                  <c:v>1.1095999999999999</c:v>
+                </c:pt>
+                <c:pt idx="19">
+                  <c:v>1.1107</c:v>
+                </c:pt>
+                <c:pt idx="20">
+                  <c:v>1.1151</c:v>
+                </c:pt>
+                <c:pt idx="21">
+                  <c:v>1.1097999999999999</c:v>
+                </c:pt>
+                <c:pt idx="22">
+                  <c:v>1.1192</c:v>
+                </c:pt>
+                <c:pt idx="23">
+                  <c:v>1.1234</c:v>
+                </c:pt>
+                <c:pt idx="24">
+                  <c:v>1.1205000000000001</c:v>
+                </c:pt>
+                <c:pt idx="25">
+                  <c:v>1.1217999999999999</c:v>
+                </c:pt>
+                <c:pt idx="26">
+                  <c:v>1.1218999999999999</c:v>
+                </c:pt>
+                <c:pt idx="27">
+                  <c:v>1.2721</c:v>
+                </c:pt>
+                <c:pt idx="28">
+                  <c:v>1.1307</c:v>
+                </c:pt>
+                <c:pt idx="29">
+                  <c:v>1.1339999999999999</c:v>
+                </c:pt>
+                <c:pt idx="30">
+                  <c:v>1.1319999999999999</c:v>
+                </c:pt>
+                <c:pt idx="31">
+                  <c:v>1.1433</c:v>
+                </c:pt>
+                <c:pt idx="32">
+                  <c:v>1.1400999999999999</c:v>
+                </c:pt>
+                <c:pt idx="33">
+                  <c:v>1.1376999999999999</c:v>
+                </c:pt>
+                <c:pt idx="34">
+                  <c:v>1.1469</c:v>
+                </c:pt>
+                <c:pt idx="35">
+                  <c:v>1.1483000000000001</c:v>
+                </c:pt>
+                <c:pt idx="36">
+                  <c:v>1.1556</c:v>
+                </c:pt>
+                <c:pt idx="37">
+                  <c:v>1.1595</c:v>
+                </c:pt>
+                <c:pt idx="38">
+                  <c:v>1.1571</c:v>
+                </c:pt>
+                <c:pt idx="39">
+                  <c:v>1.1606000000000001</c:v>
+                </c:pt>
+              </c:numCache>
+            </c:numRef>
+          </c:val>
+          <c:smooth val="0"/>
+        </c:ser>
+        <c:dLbls>
+          <c:showLegendKey val="0"/>
+          <c:showVal val="0"/>
+          <c:showCatName val="0"/>
+          <c:showSerName val="0"/>
+          <c:showPercent val="0"/>
+          <c:showBubbleSize val="0"/>
+        </c:dLbls>
+        <c:marker val="1"/>
+        <c:smooth val="0"/>
+        <c:axId val="69430272"/>
+        <c:axId val="35736384"/>
+      </c:lineChart>
+      <c:catAx>
+        <c:axId val="69430272"/>
+        <c:scaling>
+          <c:orientation val="minMax"/>
+        </c:scaling>
+        <c:delete val="0"/>
+        <c:axPos val="b"/>
+        <c:numFmt formatCode="General" sourceLinked="1"/>
+        <c:majorTickMark val="out"/>
+        <c:minorTickMark val="none"/>
+        <c:tickLblPos val="nextTo"/>
+        <c:crossAx val="35736384"/>
+        <c:crosses val="autoZero"/>
+        <c:auto val="1"/>
+        <c:lblAlgn val="ctr"/>
+        <c:lblOffset val="100"/>
+        <c:noMultiLvlLbl val="0"/>
+      </c:catAx>
+      <c:valAx>
+        <c:axId val="35736384"/>
+        <c:scaling>
+          <c:orientation val="minMax"/>
+        </c:scaling>
+        <c:delete val="0"/>
+        <c:axPos val="l"/>
+        <c:majorGridlines/>
+        <c:numFmt formatCode="General" sourceLinked="1"/>
+        <c:majorTickMark val="out"/>
+        <c:minorTickMark val="none"/>
+        <c:tickLblPos val="nextTo"/>
+        <c:crossAx val="69430272"/>
+        <c:crosses val="autoZero"/>
+        <c:crossBetween val="between"/>
+      </c:valAx>
+    </c:plotArea>
+    <c:plotVisOnly val="1"/>
+    <c:dispBlanksAs val="gap"/>
+    <c:showDLblsOverMax val="0"/>
+  </c:chart>
+  <c:externalData r:id="rId1">
+    <c:autoUpdate val="0"/>
+  </c:externalData>
+</c:chartSpace>
+</file>
+
+<file path=ppt/notesMasters/notesMaster1.xml><?xml version="1.0" encoding="utf-8"?>
+<p:notesMaster xmlns:a="http://schemas.openxmlformats.org/drawingml/2006/main" xmlns:r="http://schemas.openxmlformats.org/officeDocument/2006/relationships" xmlns:p="http://schemas.openxmlformats.org/presentationml/2006/main">
+  <p:cSld>
+    <p:bg>
+      <p:bgRef idx="1001">
+        <a:schemeClr val="bg1"/>
+      </p:bgRef>
+    </p:bg>
+    <p:spTree>
+      <p:nvGrpSpPr>
+        <p:cNvPr id="1" name=""/>
+        <p:cNvGrpSpPr/>
+        <p:nvPr/>
+      </p:nvGrpSpPr>
+      <p:grpSpPr>
+        <a:xfrm>
+          <a:off x="0" y="0"/>
+          <a:ext cx="0" cy="0"/>
+          <a:chOff x="0" y="0"/>
+          <a:chExt cx="0" cy="0"/>
+        </a:xfrm>
+      </p:grpSpPr>
+      <p:sp>
+        <p:nvSpPr>
+          <p:cNvPr id="2" name="Header Placeholder 1"/>
+          <p:cNvSpPr>
+            <a:spLocks noGrp="1"/>
+          </p:cNvSpPr>
+          <p:nvPr>
+            <p:ph type="hdr" sz="quarter"/>
+          </p:nvPr>
+        </p:nvSpPr>
+        <p:spPr>
+          <a:xfrm>
+            <a:off x="0" y="0"/>
+            <a:ext cx="2971800" cy="457200"/>
+          </a:xfrm>
+          <a:prstGeom prst="rect">
+            <a:avLst/>
+          </a:prstGeom>
+        </p:spPr>
+        <p:txBody>
+          <a:bodyPr vert="horz" lIns="91440" tIns="45720" rIns="91440" bIns="45720" rtlCol="0"/>
+          <a:lstStyle>
+            <a:lvl1pPr algn="l">
+              <a:defRPr sz="1200"/>
+            </a:lvl1pPr>
+          </a:lstStyle>
+          <a:p>
+            <a:endParaRPr lang="en-US"/>
+          </a:p>
+        </p:txBody>
+      </p:sp>
+      <p:sp>
+        <p:nvSpPr>
+          <p:cNvPr id="3" name="Date Placeholder 2"/>
+          <p:cNvSpPr>
+            <a:spLocks noGrp="1"/>
+          </p:cNvSpPr>
+          <p:nvPr>
+            <p:ph type="dt" idx="1"/>
+          </p:nvPr>
+        </p:nvSpPr>
+        <p:spPr>
+          <a:xfrm>
+            <a:off x="3884613" y="0"/>
+            <a:ext cx="2971800" cy="457200"/>
+          </a:xfrm>
+          <a:prstGeom prst="rect">
+            <a:avLst/>
+          </a:prstGeom>
+        </p:spPr>
+        <p:txBody>
+          <a:bodyPr vert="horz" lIns="91440" tIns="45720" rIns="91440" bIns="45720" rtlCol="0"/>
+          <a:lstStyle>
+            <a:lvl1pPr algn="r">
+              <a:defRPr sz="1200"/>
+            </a:lvl1pPr>
+          </a:lstStyle>
+          <a:p>
+            <a:fld id="{49C9B101-A8F7-448D-89D8-E91CFD18BEDD}" type="datetimeFigureOut">
+              <a:rPr lang="en-US" smtClean="0"/>
+              <a:t>5/7/2012</a:t>
+            </a:fld>
+            <a:endParaRPr lang="en-US"/>
+          </a:p>
+        </p:txBody>
+      </p:sp>
+      <p:sp>
+        <p:nvSpPr>
+          <p:cNvPr id="4" name="Slide Image Placeholder 3"/>
+          <p:cNvSpPr>
+            <a:spLocks noGrp="1" noRot="1" noChangeAspect="1"/>
+          </p:cNvSpPr>
+          <p:nvPr>
+            <p:ph type="sldImg" idx="2"/>
+          </p:nvPr>
+        </p:nvSpPr>
+        <p:spPr>
+          <a:xfrm>
+            <a:off x="1143000" y="685800"/>
+            <a:ext cx="4572000" cy="3429000"/>
+          </a:xfrm>
+          <a:prstGeom prst="rect">
+            <a:avLst/>
+          </a:prstGeom>
+          <a:noFill/>
+          <a:ln w="12700">
+            <a:solidFill>
+              <a:prstClr val="black"/>
+            </a:solidFill>
+          </a:ln>
+        </p:spPr>
+        <p:txBody>
+          <a:bodyPr vert="horz" lIns="91440" tIns="45720" rIns="91440" bIns="45720" rtlCol="0" anchor="ctr"/>
+          <a:lstStyle/>
+          <a:p>
+            <a:endParaRPr lang="en-US"/>
+          </a:p>
+        </p:txBody>
+      </p:sp>
+      <p:sp>
+        <p:nvSpPr>
+          <p:cNvPr id="5" name="Notes Placeholder 4"/>
+          <p:cNvSpPr>
+            <a:spLocks noGrp="1"/>
+          </p:cNvSpPr>
+          <p:nvPr>
+            <p:ph type="body" sz="quarter" idx="3"/>
+          </p:nvPr>
+        </p:nvSpPr>
+        <p:spPr>
+          <a:xfrm>
+            <a:off x="685800" y="4343400"/>
+            <a:ext cx="5486400" cy="4114800"/>
+          </a:xfrm>
+          <a:prstGeom prst="rect">
+            <a:avLst/>
+          </a:prstGeom>
+        </p:spPr>
+        <p:txBody>
+          <a:bodyPr vert="horz" lIns="91440" tIns="45720" rIns="91440" bIns="45720" rtlCol="0"/>
+          <a:lstStyle/>
+          <a:p>
+            <a:pPr lvl="0"/>
+            <a:r>
+              <a:rPr lang="en-US" smtClean="0"/>
+              <a:t>Click to edit Master text styles</a:t>
+            </a:r>
+          </a:p>
+          <a:p>
+            <a:pPr lvl="1"/>
+            <a:r>
+              <a:rPr lang="en-US" smtClean="0"/>
+              <a:t>Second level</a:t>
+            </a:r>
+          </a:p>
+          <a:p>
+            <a:pPr lvl="2"/>
+            <a:r>
+              <a:rPr lang="en-US" smtClean="0"/>
+              <a:t>Third level</a:t>
+            </a:r>
+          </a:p>
+          <a:p>
+            <a:pPr lvl="3"/>
+            <a:r>
+              <a:rPr lang="en-US" smtClean="0"/>
+              <a:t>Fourth level</a:t>
+            </a:r>
+          </a:p>
+          <a:p>
+            <a:pPr lvl="4"/>
+            <a:r>
+              <a:rPr lang="en-US" smtClean="0"/>
+              <a:t>Fifth level</a:t>
+            </a:r>
+            <a:endParaRPr lang="en-US"/>
+          </a:p>
+        </p:txBody>
+      </p:sp>
+      <p:sp>
+        <p:nvSpPr>
+          <p:cNvPr id="6" name="Footer Placeholder 5"/>
+          <p:cNvSpPr>
+            <a:spLocks noGrp="1"/>
+          </p:cNvSpPr>
+          <p:nvPr>
+            <p:ph type="ftr" sz="quarter" idx="4"/>
+          </p:nvPr>
+        </p:nvSpPr>
+        <p:spPr>
+          <a:xfrm>
+            <a:off x="0" y="8685213"/>
+            <a:ext cx="2971800" cy="457200"/>
+          </a:xfrm>
+          <a:prstGeom prst="rect">
+            <a:avLst/>
+          </a:prstGeom>
+        </p:spPr>
+        <p:txBody>
+          <a:bodyPr vert="horz" lIns="91440" tIns="45720" rIns="91440" bIns="45720" rtlCol="0" anchor="b"/>
+          <a:lstStyle>
+            <a:lvl1pPr algn="l">
+              <a:defRPr sz="1200"/>
+            </a:lvl1pPr>
+          </a:lstStyle>
+          <a:p>
+            <a:endParaRPr lang="en-US"/>
+          </a:p>
+        </p:txBody>
+      </p:sp>
+      <p:sp>
+        <p:nvSpPr>
+          <p:cNvPr id="7" name="Slide Number Placeholder 6"/>
+          <p:cNvSpPr>
+            <a:spLocks noGrp="1"/>
+          </p:cNvSpPr>
+          <p:nvPr>
+            <p:ph type="sldNum" sz="quarter" idx="5"/>
+          </p:nvPr>
+        </p:nvSpPr>
+        <p:spPr>
+          <a:xfrm>
+            <a:off x="3884613" y="8685213"/>
+            <a:ext cx="2971800" cy="457200"/>
+          </a:xfrm>
+          <a:prstGeom prst="rect">
+            <a:avLst/>
+          </a:prstGeom>
+        </p:spPr>
+        <p:txBody>
+          <a:bodyPr vert="horz" lIns="91440" tIns="45720" rIns="91440" bIns="45720" rtlCol="0" anchor="b"/>
+          <a:lstStyle>
+            <a:lvl1pPr algn="r">
+              <a:defRPr sz="1200"/>
+            </a:lvl1pPr>
+          </a:lstStyle>
+          <a:p>
+            <a:fld id="{03ECE993-B5A3-4D46-A108-1A605CD11175}" type="slidenum">
+              <a:rPr lang="en-US" smtClean="0"/>
+              <a:t>‹#›</a:t>
+            </a:fld>
+            <a:endParaRPr lang="en-US"/>
+          </a:p>
+        </p:txBody>
+      </p:sp>
+    </p:spTree>
+    <p:extLst>
+      <p:ext uri="{BB962C8B-B14F-4D97-AF65-F5344CB8AC3E}">
+        <p14:creationId xmlns:p14="http://schemas.microsoft.com/office/powerpoint/2010/main" val="3241671059"/>
+      </p:ext>
+    </p:extLst>
+  </p:cSld>
+  <p:clrMap bg1="lt1" tx1="dk1" bg2="lt2" tx2="dk2" accent1="accent1" accent2="accent2" accent3="accent3" accent4="accent4" accent5="accent5" accent6="accent6" hlink="hlink" folHlink="folHlink"/>
+  <p:notesStyle>
+    <a:lvl1pPr marL="0" algn="l" defTabSz="914400" rtl="0" eaLnBrk="1" latinLnBrk="0" hangingPunct="1">
+      <a:defRPr sz="1200" kern="1200">
+        <a:solidFill>
+          <a:schemeClr val="tx1"/>
+        </a:solidFill>
+        <a:latin typeface="+mn-lt"/>
+        <a:ea typeface="+mn-ea"/>
+        <a:cs typeface="+mn-cs"/>
+      </a:defRPr>
+    </a:lvl1pPr>
+    <a:lvl2pPr marL="457200" algn="l" defTabSz="914400" rtl="0" eaLnBrk="1" latinLnBrk="0" hangingPunct="1">
+      <a:defRPr sz="1200" kern="1200">
+        <a:solidFill>
+          <a:schemeClr val="tx1"/>
+        </a:solidFill>
+        <a:latin typeface="+mn-lt"/>
+        <a:ea typeface="+mn-ea"/>
+        <a:cs typeface="+mn-cs"/>
+      </a:defRPr>
+    </a:lvl2pPr>
+    <a:lvl3pPr marL="914400" algn="l" defTabSz="914400" rtl="0" eaLnBrk="1" latinLnBrk="0" hangingPunct="1">
+      <a:defRPr sz="1200" kern="1200">
+        <a:solidFill>
+          <a:schemeClr val="tx1"/>
+        </a:solidFill>
+        <a:latin typeface="+mn-lt"/>
+        <a:ea typeface="+mn-ea"/>
+        <a:cs typeface="+mn-cs"/>
+      </a:defRPr>
+    </a:lvl3pPr>
+    <a:lvl4pPr marL="1371600" algn="l" defTabSz="914400" rtl="0" eaLnBrk="1" latinLnBrk="0" hangingPunct="1">
+      <a:defRPr sz="1200" kern="1200">
+        <a:solidFill>
+          <a:schemeClr val="tx1"/>
+        </a:solidFill>
+        <a:latin typeface="+mn-lt"/>
+        <a:ea typeface="+mn-ea"/>
+        <a:cs typeface="+mn-cs"/>
+      </a:defRPr>
+    </a:lvl4pPr>
+    <a:lvl5pPr marL="1828800" algn="l" defTabSz="914400" rtl="0" eaLnBrk="1" latinLnBrk="0" hangingPunct="1">
+      <a:defRPr sz="1200" kern="1200">
+        <a:solidFill>
+          <a:schemeClr val="tx1"/>
+        </a:solidFill>
+        <a:latin typeface="+mn-lt"/>
+        <a:ea typeface="+mn-ea"/>
+        <a:cs typeface="+mn-cs"/>
+      </a:defRPr>
+    </a:lvl5pPr>
+    <a:lvl6pPr marL="2286000" algn="l" defTabSz="914400" rtl="0" eaLnBrk="1" latinLnBrk="0" hangingPunct="1">
+      <a:defRPr sz="1200" kern="1200">
+        <a:solidFill>
+          <a:schemeClr val="tx1"/>
+        </a:solidFill>
+        <a:latin typeface="+mn-lt"/>
+        <a:ea typeface="+mn-ea"/>
+        <a:cs typeface="+mn-cs"/>
+      </a:defRPr>
+    </a:lvl6pPr>
+    <a:lvl7pPr marL="2743200" algn="l" defTabSz="914400" rtl="0" eaLnBrk="1" latinLnBrk="0" hangingPunct="1">
+      <a:defRPr sz="1200" kern="1200">
+        <a:solidFill>
+          <a:schemeClr val="tx1"/>
+        </a:solidFill>
+        <a:latin typeface="+mn-lt"/>
+        <a:ea typeface="+mn-ea"/>
+        <a:cs typeface="+mn-cs"/>
+      </a:defRPr>
+    </a:lvl7pPr>
+    <a:lvl8pPr marL="3200400" algn="l" defTabSz="914400" rtl="0" eaLnBrk="1" latinLnBrk="0" hangingPunct="1">
+      <a:defRPr sz="1200" kern="1200">
+        <a:solidFill>
+          <a:schemeClr val="tx1"/>
+        </a:solidFill>
+        <a:latin typeface="+mn-lt"/>
+        <a:ea typeface="+mn-ea"/>
+        <a:cs typeface="+mn-cs"/>
+      </a:defRPr>
+    </a:lvl8pPr>
+    <a:lvl9pPr marL="3657600" algn="l" defTabSz="914400" rtl="0" eaLnBrk="1" latinLnBrk="0" hangingPunct="1">
+      <a:defRPr sz="1200" kern="1200">
+        <a:solidFill>
+          <a:schemeClr val="tx1"/>
+        </a:solidFill>
+        <a:latin typeface="+mn-lt"/>
+        <a:ea typeface="+mn-ea"/>
+        <a:cs typeface="+mn-cs"/>
+      </a:defRPr>
+    </a:lvl9pPr>
+  </p:notesStyle>
+</p:notesMaster>
+</file>
+
+<file path=ppt/notesSlides/notesSlide1.xml><?xml version="1.0" encoding="utf-8"?>
+<p:notes xmlns:a="http://schemas.openxmlformats.org/drawingml/2006/main" xmlns:r="http://schemas.openxmlformats.org/officeDocument/2006/relationships" xmlns:p="http://schemas.openxmlformats.org/presentationml/2006/main">
+  <p:cSld>
+    <p:spTree>
+      <p:nvGrpSpPr>
+        <p:cNvPr id="1" name=""/>
+        <p:cNvGrpSpPr/>
+        <p:nvPr/>
+      </p:nvGrpSpPr>
+      <p:grpSpPr>
+        <a:xfrm>
+          <a:off x="0" y="0"/>
+          <a:ext cx="0" cy="0"/>
+          <a:chOff x="0" y="0"/>
+          <a:chExt cx="0" cy="0"/>
+        </a:xfrm>
+      </p:grpSpPr>
+      <p:sp>
+        <p:nvSpPr>
+          <p:cNvPr id="2" name="Slide Image Placeholder 1"/>
+          <p:cNvSpPr>
+            <a:spLocks noGrp="1" noRot="1" noChangeAspect="1"/>
+          </p:cNvSpPr>
+          <p:nvPr>
+            <p:ph type="sldImg"/>
+          </p:nvPr>
+        </p:nvSpPr>
+        <p:spPr/>
+      </p:sp>
+      <p:sp>
+        <p:nvSpPr>
+          <p:cNvPr id="3" name="Notes Placeholder 2"/>
+          <p:cNvSpPr>
+            <a:spLocks noGrp="1"/>
+          </p:cNvSpPr>
+          <p:nvPr>
+            <p:ph type="body" idx="1"/>
+          </p:nvPr>
+        </p:nvSpPr>
+        <p:spPr/>
+        <p:txBody>
+          <a:bodyPr/>
+          <a:lstStyle/>
+          <a:p>
+            <a:r>
+              <a:rPr lang="en-US" dirty="0" smtClean="0"/>
+              <a:t>for both slides 1 and</a:t>
+            </a:r>
+            <a:r>
+              <a:rPr lang="en-US" baseline="0" dirty="0" smtClean="0"/>
+              <a:t> 2, </a:t>
+            </a:r>
+            <a:r>
+              <a:rPr lang="en-US" baseline="0" dirty="0" err="1" smtClean="0"/>
+              <a:t>numUsers</a:t>
+            </a:r>
+            <a:r>
+              <a:rPr lang="en-US" baseline="0" dirty="0" smtClean="0"/>
+              <a:t> = 30133, </a:t>
+            </a:r>
+            <a:r>
+              <a:rPr lang="en-US" baseline="0" dirty="0" err="1" smtClean="0"/>
+              <a:t>numBusinesses</a:t>
+            </a:r>
+            <a:r>
+              <a:rPr lang="en-US" baseline="0" dirty="0" smtClean="0"/>
+              <a:t> = 1431, User Threshold = 25 ratings per user, Business Threshold = 25 ratings per business, </a:t>
+            </a:r>
+            <a:r>
+              <a:rPr lang="en-US" baseline="0" dirty="0" err="1" smtClean="0"/>
+              <a:t>numRatings</a:t>
+            </a:r>
+            <a:r>
+              <a:rPr lang="en-US" baseline="0" dirty="0" smtClean="0"/>
+              <a:t> = 80073, Steps = 1000, alpha = 0.0004</a:t>
+            </a:r>
+            <a:endParaRPr lang="en-US" dirty="0"/>
+          </a:p>
+        </p:txBody>
+      </p:sp>
+      <p:sp>
+        <p:nvSpPr>
+          <p:cNvPr id="4" name="Slide Number Placeholder 3"/>
+          <p:cNvSpPr>
+            <a:spLocks noGrp="1"/>
+          </p:cNvSpPr>
+          <p:nvPr>
+            <p:ph type="sldNum" sz="quarter" idx="10"/>
+          </p:nvPr>
+        </p:nvSpPr>
+        <p:spPr/>
+        <p:txBody>
+          <a:bodyPr/>
+          <a:lstStyle/>
+          <a:p>
+            <a:fld id="{56E4BE4B-6907-9044-9DE2-0CF38CADFAA6}" type="slidenum">
+              <a:rPr lang="en-US" smtClean="0"/>
+              <a:t>10</a:t>
+            </a:fld>
+            <a:endParaRPr lang="en-US"/>
+          </a:p>
+        </p:txBody>
+      </p:sp>
+    </p:spTree>
+    <p:extLst>
+      <p:ext uri="{BB962C8B-B14F-4D97-AF65-F5344CB8AC3E}">
+        <p14:creationId xmlns:p14="http://schemas.microsoft.com/office/powerpoint/2010/main" val="3969100407"/>
+      </p:ext>
+    </p:extLst>
+  </p:cSld>
+  <p:clrMapOvr>
+    <a:masterClrMapping/>
+  </p:clrMapOvr>
+</p:notes>
+</file>
+
+<file path=ppt/notesSlides/notesSlide2.xml><?xml version="1.0" encoding="utf-8"?>
+<p:notes xmlns:a="http://schemas.openxmlformats.org/drawingml/2006/main" xmlns:r="http://schemas.openxmlformats.org/officeDocument/2006/relationships" xmlns:p="http://schemas.openxmlformats.org/presentationml/2006/main">
+  <p:cSld>
+    <p:spTree>
+      <p:nvGrpSpPr>
+        <p:cNvPr id="1" name=""/>
+        <p:cNvGrpSpPr/>
+        <p:nvPr/>
+      </p:nvGrpSpPr>
+      <p:grpSpPr>
+        <a:xfrm>
+          <a:off x="0" y="0"/>
+          <a:ext cx="0" cy="0"/>
+          <a:chOff x="0" y="0"/>
+          <a:chExt cx="0" cy="0"/>
+        </a:xfrm>
+      </p:grpSpPr>
+      <p:sp>
+        <p:nvSpPr>
+          <p:cNvPr id="2" name="Slide Image Placeholder 1"/>
+          <p:cNvSpPr>
+            <a:spLocks noGrp="1" noRot="1" noChangeAspect="1"/>
+          </p:cNvSpPr>
+          <p:nvPr>
+            <p:ph type="sldImg"/>
+          </p:nvPr>
+        </p:nvSpPr>
+        <p:spPr/>
+      </p:sp>
+      <p:sp>
+        <p:nvSpPr>
+          <p:cNvPr id="3" name="Notes Placeholder 2"/>
+          <p:cNvSpPr>
+            <a:spLocks noGrp="1"/>
+          </p:cNvSpPr>
+          <p:nvPr>
+            <p:ph type="body" idx="1"/>
+          </p:nvPr>
+        </p:nvSpPr>
+        <p:spPr/>
+        <p:txBody>
+          <a:bodyPr/>
+          <a:lstStyle/>
+          <a:p>
+            <a:pPr marL="0" marR="0" indent="0" algn="l" defTabSz="457200" rtl="0" eaLnBrk="1" fontAlgn="auto" latinLnBrk="0" hangingPunct="1">
+              <a:lnSpc>
+                <a:spcPct val="100000"/>
+              </a:lnSpc>
+              <a:spcBef>
+                <a:spcPts val="0"/>
+              </a:spcBef>
+              <a:spcAft>
+                <a:spcPts val="0"/>
+              </a:spcAft>
+              <a:buClrTx/>
+              <a:buSzTx/>
+              <a:buFontTx/>
+              <a:buNone/>
+              <a:tabLst/>
+              <a:defRPr/>
+            </a:pPr>
+            <a:r>
+              <a:rPr lang="en-US" dirty="0" smtClean="0"/>
+              <a:t>for both slides 1 and</a:t>
+            </a:r>
+            <a:r>
+              <a:rPr lang="en-US" baseline="0" dirty="0" smtClean="0"/>
+              <a:t> 2, </a:t>
+            </a:r>
+            <a:r>
+              <a:rPr lang="en-US" baseline="0" dirty="0" err="1" smtClean="0"/>
+              <a:t>numUsers</a:t>
+            </a:r>
+            <a:r>
+              <a:rPr lang="en-US" baseline="0" dirty="0" smtClean="0"/>
+              <a:t> = 30133, </a:t>
+            </a:r>
+            <a:r>
+              <a:rPr lang="en-US" baseline="0" dirty="0" err="1" smtClean="0"/>
+              <a:t>numBusinesses</a:t>
+            </a:r>
+            <a:r>
+              <a:rPr lang="en-US" baseline="0" dirty="0" smtClean="0"/>
+              <a:t> = 1431, User Threshold = 25 ratings per user, Business Threshold = 25 ratings per business, </a:t>
+            </a:r>
+            <a:r>
+              <a:rPr lang="en-US" baseline="0" dirty="0" err="1" smtClean="0"/>
+              <a:t>numRatings</a:t>
+            </a:r>
+            <a:r>
+              <a:rPr lang="en-US" baseline="0" dirty="0" smtClean="0"/>
+              <a:t> = 80073, Steps = 1000, alpha = 0.0004</a:t>
+            </a:r>
+            <a:endParaRPr lang="en-US" dirty="0" smtClean="0"/>
+          </a:p>
+          <a:p>
+            <a:endParaRPr lang="en-US" dirty="0"/>
+          </a:p>
+        </p:txBody>
+      </p:sp>
+      <p:sp>
+        <p:nvSpPr>
+          <p:cNvPr id="4" name="Slide Number Placeholder 3"/>
+          <p:cNvSpPr>
+            <a:spLocks noGrp="1"/>
+          </p:cNvSpPr>
+          <p:nvPr>
+            <p:ph type="sldNum" sz="quarter" idx="10"/>
+          </p:nvPr>
+        </p:nvSpPr>
+        <p:spPr/>
+        <p:txBody>
+          <a:bodyPr/>
+          <a:lstStyle/>
+          <a:p>
+            <a:fld id="{56E4BE4B-6907-9044-9DE2-0CF38CADFAA6}" type="slidenum">
+              <a:rPr lang="en-US" smtClean="0"/>
+              <a:t>11</a:t>
+            </a:fld>
+            <a:endParaRPr lang="en-US"/>
+          </a:p>
+        </p:txBody>
+      </p:sp>
+    </p:spTree>
+    <p:extLst>
+      <p:ext uri="{BB962C8B-B14F-4D97-AF65-F5344CB8AC3E}">
+        <p14:creationId xmlns:p14="http://schemas.microsoft.com/office/powerpoint/2010/main" val="2332034810"/>
+      </p:ext>
+    </p:extLst>
+  </p:cSld>
+  <p:clrMapOvr>
+    <a:masterClrMapping/>
+  </p:clrMapOvr>
+</p:notes>
+</file>
+
+<file path=ppt/notesSlides/notesSlide3.xml><?xml version="1.0" encoding="utf-8"?>
+<p:notes xmlns:a="http://schemas.openxmlformats.org/drawingml/2006/main" xmlns:r="http://schemas.openxmlformats.org/officeDocument/2006/relationships" xmlns:p="http://schemas.openxmlformats.org/presentationml/2006/main">
+  <p:cSld>
+    <p:spTree>
+      <p:nvGrpSpPr>
+        <p:cNvPr id="1" name=""/>
+        <p:cNvGrpSpPr/>
+        <p:nvPr/>
+      </p:nvGrpSpPr>
+      <p:grpSpPr>
+        <a:xfrm>
+          <a:off x="0" y="0"/>
+          <a:ext cx="0" cy="0"/>
+          <a:chOff x="0" y="0"/>
+          <a:chExt cx="0" cy="0"/>
+        </a:xfrm>
+      </p:grpSpPr>
+      <p:sp>
+        <p:nvSpPr>
+          <p:cNvPr id="2" name="Slide Image Placeholder 1"/>
+          <p:cNvSpPr>
+            <a:spLocks noGrp="1" noRot="1" noChangeAspect="1"/>
+          </p:cNvSpPr>
+          <p:nvPr>
+            <p:ph type="sldImg"/>
+          </p:nvPr>
+        </p:nvSpPr>
+        <p:spPr/>
+      </p:sp>
+      <p:sp>
+        <p:nvSpPr>
+          <p:cNvPr id="3" name="Notes Placeholder 2"/>
+          <p:cNvSpPr>
+            <a:spLocks noGrp="1"/>
+          </p:cNvSpPr>
+          <p:nvPr>
+            <p:ph type="body" idx="1"/>
+          </p:nvPr>
+        </p:nvSpPr>
+        <p:spPr/>
+        <p:txBody>
+          <a:bodyPr/>
+          <a:lstStyle/>
+          <a:p>
+            <a:endParaRPr lang="en-US" dirty="0"/>
+          </a:p>
+        </p:txBody>
+      </p:sp>
+      <p:sp>
+        <p:nvSpPr>
+          <p:cNvPr id="4" name="Slide Number Placeholder 3"/>
+          <p:cNvSpPr>
+            <a:spLocks noGrp="1"/>
+          </p:cNvSpPr>
+          <p:nvPr>
+            <p:ph type="sldNum" sz="quarter" idx="10"/>
+          </p:nvPr>
+        </p:nvSpPr>
+        <p:spPr/>
+        <p:txBody>
+          <a:bodyPr/>
+          <a:lstStyle/>
+          <a:p>
+            <a:fld id="{56E4BE4B-6907-9044-9DE2-0CF38CADFAA6}" type="slidenum">
+              <a:rPr lang="en-US" smtClean="0"/>
+              <a:t>13</a:t>
+            </a:fld>
+            <a:endParaRPr lang="en-US"/>
+          </a:p>
+        </p:txBody>
+      </p:sp>
+    </p:spTree>
+    <p:extLst>
+      <p:ext uri="{BB962C8B-B14F-4D97-AF65-F5344CB8AC3E}">
+        <p14:creationId xmlns:p14="http://schemas.microsoft.com/office/powerpoint/2010/main" val="2332034810"/>
+      </p:ext>
+    </p:extLst>
+  </p:cSld>
+  <p:clrMapOvr>
+    <a:masterClrMapping/>
+  </p:clrMapOvr>
+</p:notes>
+</file>
+
 <file path=ppt/slideLayouts/slideLayout1.xml><?xml version="1.0" encoding="utf-8"?>
 <p:sldLayout xmlns:a="http://schemas.openxmlformats.org/drawingml/2006/main" xmlns:r="http://schemas.openxmlformats.org/officeDocument/2006/relationships" xmlns:p="http://schemas.openxmlformats.org/presentationml/2006/main" type="title" preserve="1">
   <p:cSld name="Title Slide">
@@ -294,7 +1742,7 @@
           <a:p>
             <a:fld id="{8739B517-A94B-4865-99ED-459C36FAAC9A}" type="datetimeFigureOut">
               <a:rPr lang="en-US" smtClean="0"/>
-              <a:t>5/3/2012</a:t>
+              <a:t>5/7/2012</a:t>
             </a:fld>
             <a:endParaRPr lang="en-US"/>
           </a:p>
@@ -464,7 +1912,7 @@
           <a:p>
             <a:fld id="{8739B517-A94B-4865-99ED-459C36FAAC9A}" type="datetimeFigureOut">
               <a:rPr lang="en-US" smtClean="0"/>
-              <a:t>5/3/2012</a:t>
+              <a:t>5/7/2012</a:t>
             </a:fld>
             <a:endParaRPr lang="en-US"/>
           </a:p>
@@ -644,7 +2092,7 @@
           <a:p>
             <a:fld id="{8739B517-A94B-4865-99ED-459C36FAAC9A}" type="datetimeFigureOut">
               <a:rPr lang="en-US" smtClean="0"/>
-              <a:t>5/3/2012</a:t>
+              <a:t>5/7/2012</a:t>
             </a:fld>
             <a:endParaRPr lang="en-US"/>
           </a:p>
@@ -814,7 +2262,7 @@
           <a:p>
             <a:fld id="{8739B517-A94B-4865-99ED-459C36FAAC9A}" type="datetimeFigureOut">
               <a:rPr lang="en-US" smtClean="0"/>
-              <a:t>5/3/2012</a:t>
+              <a:t>5/7/2012</a:t>
             </a:fld>
             <a:endParaRPr lang="en-US"/>
           </a:p>
@@ -1060,7 +2508,7 @@
           <a:p>
             <a:fld id="{8739B517-A94B-4865-99ED-459C36FAAC9A}" type="datetimeFigureOut">
               <a:rPr lang="en-US" smtClean="0"/>
-              <a:t>5/3/2012</a:t>
+              <a:t>5/7/2012</a:t>
             </a:fld>
             <a:endParaRPr lang="en-US"/>
           </a:p>
@@ -1348,7 +2796,7 @@
           <a:p>
             <a:fld id="{8739B517-A94B-4865-99ED-459C36FAAC9A}" type="datetimeFigureOut">
               <a:rPr lang="en-US" smtClean="0"/>
-              <a:t>5/3/2012</a:t>
+              <a:t>5/7/2012</a:t>
             </a:fld>
             <a:endParaRPr lang="en-US"/>
           </a:p>
@@ -1770,7 +3218,7 @@
           <a:p>
             <a:fld id="{8739B517-A94B-4865-99ED-459C36FAAC9A}" type="datetimeFigureOut">
               <a:rPr lang="en-US" smtClean="0"/>
-              <a:t>5/3/2012</a:t>
+              <a:t>5/7/2012</a:t>
             </a:fld>
             <a:endParaRPr lang="en-US"/>
           </a:p>
@@ -1888,7 +3336,7 @@
           <a:p>
             <a:fld id="{8739B517-A94B-4865-99ED-459C36FAAC9A}" type="datetimeFigureOut">
               <a:rPr lang="en-US" smtClean="0"/>
-              <a:t>5/3/2012</a:t>
+              <a:t>5/7/2012</a:t>
             </a:fld>
             <a:endParaRPr lang="en-US"/>
           </a:p>
@@ -1983,7 +3431,7 @@
           <a:p>
             <a:fld id="{8739B517-A94B-4865-99ED-459C36FAAC9A}" type="datetimeFigureOut">
               <a:rPr lang="en-US" smtClean="0"/>
-              <a:t>5/3/2012</a:t>
+              <a:t>5/7/2012</a:t>
             </a:fld>
             <a:endParaRPr lang="en-US"/>
           </a:p>
@@ -2260,7 +3708,7 @@
           <a:p>
             <a:fld id="{8739B517-A94B-4865-99ED-459C36FAAC9A}" type="datetimeFigureOut">
               <a:rPr lang="en-US" smtClean="0"/>
-              <a:t>5/3/2012</a:t>
+              <a:t>5/7/2012</a:t>
             </a:fld>
             <a:endParaRPr lang="en-US"/>
           </a:p>
@@ -2513,7 +3961,7 @@
           <a:p>
             <a:fld id="{8739B517-A94B-4865-99ED-459C36FAAC9A}" type="datetimeFigureOut">
               <a:rPr lang="en-US" smtClean="0"/>
-              <a:t>5/3/2012</a:t>
+              <a:t>5/7/2012</a:t>
             </a:fld>
             <a:endParaRPr lang="en-US"/>
           </a:p>
@@ -2726,7 +4174,7 @@
           <a:p>
             <a:fld id="{8739B517-A94B-4865-99ED-459C36FAAC9A}" type="datetimeFigureOut">
               <a:rPr lang="en-US" smtClean="0"/>
-              <a:t>5/3/2012</a:t>
+              <a:t>5/7/2012</a:t>
             </a:fld>
             <a:endParaRPr lang="en-US"/>
           </a:p>
@@ -3149,26 +4597,36 @@
           <a:p>
             <a:r>
               <a:rPr lang="en-US" dirty="0" smtClean="0"/>
-              <a:t>Giving recommendations for things to do</a:t>
+              <a:t>We want to recommend things to do from previous user ratings</a:t>
             </a:r>
           </a:p>
           <a:p>
             <a:r>
               <a:rPr lang="en-US" dirty="0" smtClean="0"/>
-              <a:t>Input data will be all user-provided</a:t>
-            </a:r>
-          </a:p>
-          <a:p>
+              <a:t>We will provide </a:t>
+            </a:r>
             <a:r>
               <a:rPr lang="en-US" dirty="0" smtClean="0"/>
-              <a:t>Provide useful recommendations for a user with only a few ratings</a:t>
+              <a:t>useful recommendations for a user with only a few ratings</a:t>
             </a:r>
           </a:p>
           <a:p>
             <a:r>
               <a:rPr lang="en-US" dirty="0" smtClean="0"/>
-              <a:t>Tell users why they will like a business</a:t>
-            </a:r>
+              <a:t>Tell users why they will like a </a:t>
+            </a:r>
+            <a:r>
+              <a:rPr lang="en-US" dirty="0" smtClean="0"/>
+              <a:t>business</a:t>
+            </a:r>
+          </a:p>
+          <a:p>
+            <a:pPr lvl="1"/>
+            <a:r>
+              <a:rPr lang="en-US" dirty="0" smtClean="0"/>
+              <a:t>“We recommend Hoagie Haven because you liked George’s”</a:t>
+            </a:r>
+            <a:endParaRPr lang="en-US" dirty="0" smtClean="0"/>
           </a:p>
           <a:p>
             <a:endParaRPr lang="en-US" dirty="0"/>
@@ -3179,6 +4637,1723 @@
     <p:extLst>
       <p:ext uri="{BB962C8B-B14F-4D97-AF65-F5344CB8AC3E}">
         <p14:creationId xmlns:p14="http://schemas.microsoft.com/office/powerpoint/2010/main" val="377992702"/>
+      </p:ext>
+    </p:extLst>
+  </p:cSld>
+  <p:clrMapOvr>
+    <a:masterClrMapping/>
+  </p:clrMapOvr>
+</p:sld>
+</file>
+
+<file path=ppt/slides/slide10.xml><?xml version="1.0" encoding="utf-8"?>
+<p:sld xmlns:a="http://schemas.openxmlformats.org/drawingml/2006/main" xmlns:r="http://schemas.openxmlformats.org/officeDocument/2006/relationships" xmlns:p="http://schemas.openxmlformats.org/presentationml/2006/main">
+  <p:cSld>
+    <p:spTree>
+      <p:nvGrpSpPr>
+        <p:cNvPr id="1" name=""/>
+        <p:cNvGrpSpPr/>
+        <p:nvPr/>
+      </p:nvGrpSpPr>
+      <p:grpSpPr>
+        <a:xfrm>
+          <a:off x="0" y="0"/>
+          <a:ext cx="0" cy="0"/>
+          <a:chOff x="0" y="0"/>
+          <a:chExt cx="0" cy="0"/>
+        </a:xfrm>
+      </p:grpSpPr>
+      <p:graphicFrame>
+        <p:nvGraphicFramePr>
+          <p:cNvPr id="4" name="Chart 3"/>
+          <p:cNvGraphicFramePr>
+            <a:graphicFrameLocks/>
+          </p:cNvGraphicFramePr>
+          <p:nvPr>
+            <p:extLst>
+              <p:ext uri="{D42A27DB-BD31-4B8C-83A1-F6EECF244321}">
+                <p14:modId xmlns:p14="http://schemas.microsoft.com/office/powerpoint/2010/main" val="993712036"/>
+              </p:ext>
+            </p:extLst>
+          </p:nvPr>
+        </p:nvGraphicFramePr>
+        <p:xfrm>
+          <a:off x="409315" y="335881"/>
+          <a:ext cx="8448689" cy="6035355"/>
+        </p:xfrm>
+        <a:graphic>
+          <a:graphicData uri="http://schemas.openxmlformats.org/drawingml/2006/chart">
+            <c:chart xmlns:c="http://schemas.openxmlformats.org/drawingml/2006/chart" xmlns:r="http://schemas.openxmlformats.org/officeDocument/2006/relationships" r:id="rId3"/>
+          </a:graphicData>
+        </a:graphic>
+      </p:graphicFrame>
+      <p:sp>
+        <p:nvSpPr>
+          <p:cNvPr id="5" name="TextBox 4"/>
+          <p:cNvSpPr txBox="1"/>
+          <p:nvPr/>
+        </p:nvSpPr>
+        <p:spPr>
+          <a:xfrm rot="16200000">
+            <a:off x="-356841" y="3138384"/>
+            <a:ext cx="1120820" cy="369332"/>
+          </a:xfrm>
+          <a:prstGeom prst="rect">
+            <a:avLst/>
+          </a:prstGeom>
+          <a:noFill/>
+        </p:spPr>
+        <p:txBody>
+          <a:bodyPr wrap="none" rtlCol="0">
+            <a:spAutoFit/>
+          </a:bodyPr>
+          <a:lstStyle/>
+          <a:p>
+            <a:r>
+              <a:rPr lang="en-US" dirty="0" smtClean="0"/>
+              <a:t>Mean RSS</a:t>
+            </a:r>
+            <a:endParaRPr lang="en-US" dirty="0"/>
+          </a:p>
+        </p:txBody>
+      </p:sp>
+      <p:sp>
+        <p:nvSpPr>
+          <p:cNvPr id="6" name="TextBox 5"/>
+          <p:cNvSpPr txBox="1"/>
+          <p:nvPr/>
+        </p:nvSpPr>
+        <p:spPr>
+          <a:xfrm>
+            <a:off x="4701879" y="6371236"/>
+            <a:ext cx="289600" cy="369332"/>
+          </a:xfrm>
+          <a:prstGeom prst="rect">
+            <a:avLst/>
+          </a:prstGeom>
+          <a:noFill/>
+        </p:spPr>
+        <p:txBody>
+          <a:bodyPr wrap="none" rtlCol="0">
+            <a:spAutoFit/>
+          </a:bodyPr>
+          <a:lstStyle/>
+          <a:p>
+            <a:r>
+              <a:rPr lang="en-US" dirty="0" smtClean="0"/>
+              <a:t>k</a:t>
+            </a:r>
+            <a:endParaRPr lang="en-US" dirty="0"/>
+          </a:p>
+        </p:txBody>
+      </p:sp>
+    </p:spTree>
+    <p:extLst>
+      <p:ext uri="{BB962C8B-B14F-4D97-AF65-F5344CB8AC3E}">
+        <p14:creationId xmlns:p14="http://schemas.microsoft.com/office/powerpoint/2010/main" val="1564063435"/>
+      </p:ext>
+    </p:extLst>
+  </p:cSld>
+  <p:clrMapOvr>
+    <a:masterClrMapping/>
+  </p:clrMapOvr>
+</p:sld>
+</file>
+
+<file path=ppt/slides/slide11.xml><?xml version="1.0" encoding="utf-8"?>
+<p:sld xmlns:a="http://schemas.openxmlformats.org/drawingml/2006/main" xmlns:r="http://schemas.openxmlformats.org/officeDocument/2006/relationships" xmlns:p="http://schemas.openxmlformats.org/presentationml/2006/main">
+  <p:cSld>
+    <p:spTree>
+      <p:nvGrpSpPr>
+        <p:cNvPr id="1" name=""/>
+        <p:cNvGrpSpPr/>
+        <p:nvPr/>
+      </p:nvGrpSpPr>
+      <p:grpSpPr>
+        <a:xfrm>
+          <a:off x="0" y="0"/>
+          <a:ext cx="0" cy="0"/>
+          <a:chOff x="0" y="0"/>
+          <a:chExt cx="0" cy="0"/>
+        </a:xfrm>
+      </p:grpSpPr>
+      <p:graphicFrame>
+        <p:nvGraphicFramePr>
+          <p:cNvPr id="4" name="Chart 3"/>
+          <p:cNvGraphicFramePr>
+            <a:graphicFrameLocks/>
+          </p:cNvGraphicFramePr>
+          <p:nvPr>
+            <p:extLst>
+              <p:ext uri="{D42A27DB-BD31-4B8C-83A1-F6EECF244321}">
+                <p14:modId xmlns:p14="http://schemas.microsoft.com/office/powerpoint/2010/main" val="1631651063"/>
+              </p:ext>
+            </p:extLst>
+          </p:nvPr>
+        </p:nvGraphicFramePr>
+        <p:xfrm>
+          <a:off x="409315" y="314889"/>
+          <a:ext cx="8406707" cy="6108828"/>
+        </p:xfrm>
+        <a:graphic>
+          <a:graphicData uri="http://schemas.openxmlformats.org/drawingml/2006/chart">
+            <c:chart xmlns:c="http://schemas.openxmlformats.org/drawingml/2006/chart" xmlns:r="http://schemas.openxmlformats.org/officeDocument/2006/relationships" r:id="rId3"/>
+          </a:graphicData>
+        </a:graphic>
+      </p:graphicFrame>
+      <p:sp>
+        <p:nvSpPr>
+          <p:cNvPr id="5" name="TextBox 4"/>
+          <p:cNvSpPr txBox="1"/>
+          <p:nvPr/>
+        </p:nvSpPr>
+        <p:spPr>
+          <a:xfrm rot="16200000">
+            <a:off x="-590333" y="3138384"/>
+            <a:ext cx="1587807" cy="369332"/>
+          </a:xfrm>
+          <a:prstGeom prst="rect">
+            <a:avLst/>
+          </a:prstGeom>
+          <a:noFill/>
+        </p:spPr>
+        <p:txBody>
+          <a:bodyPr wrap="none" rtlCol="0">
+            <a:spAutoFit/>
+          </a:bodyPr>
+          <a:lstStyle/>
+          <a:p>
+            <a:r>
+              <a:rPr lang="en-US" dirty="0" smtClean="0"/>
+              <a:t>Mean Distance</a:t>
+            </a:r>
+            <a:endParaRPr lang="en-US" dirty="0"/>
+          </a:p>
+        </p:txBody>
+      </p:sp>
+      <p:sp>
+        <p:nvSpPr>
+          <p:cNvPr id="6" name="TextBox 5"/>
+          <p:cNvSpPr txBox="1"/>
+          <p:nvPr/>
+        </p:nvSpPr>
+        <p:spPr>
+          <a:xfrm>
+            <a:off x="4701879" y="6371236"/>
+            <a:ext cx="289600" cy="369332"/>
+          </a:xfrm>
+          <a:prstGeom prst="rect">
+            <a:avLst/>
+          </a:prstGeom>
+          <a:noFill/>
+        </p:spPr>
+        <p:txBody>
+          <a:bodyPr wrap="none" rtlCol="0">
+            <a:spAutoFit/>
+          </a:bodyPr>
+          <a:lstStyle/>
+          <a:p>
+            <a:r>
+              <a:rPr lang="en-US" dirty="0" smtClean="0"/>
+              <a:t>k</a:t>
+            </a:r>
+            <a:endParaRPr lang="en-US" dirty="0"/>
+          </a:p>
+        </p:txBody>
+      </p:sp>
+    </p:spTree>
+    <p:extLst>
+      <p:ext uri="{BB962C8B-B14F-4D97-AF65-F5344CB8AC3E}">
+        <p14:creationId xmlns:p14="http://schemas.microsoft.com/office/powerpoint/2010/main" val="1841953297"/>
+      </p:ext>
+    </p:extLst>
+  </p:cSld>
+  <p:clrMapOvr>
+    <a:masterClrMapping/>
+  </p:clrMapOvr>
+</p:sld>
+</file>
+
+<file path=ppt/slides/slide12.xml><?xml version="1.0" encoding="utf-8"?>
+<p:sld xmlns:a="http://schemas.openxmlformats.org/drawingml/2006/main" xmlns:r="http://schemas.openxmlformats.org/officeDocument/2006/relationships" xmlns:p="http://schemas.openxmlformats.org/presentationml/2006/main">
+  <p:cSld>
+    <p:spTree>
+      <p:nvGrpSpPr>
+        <p:cNvPr id="1" name=""/>
+        <p:cNvGrpSpPr/>
+        <p:nvPr/>
+      </p:nvGrpSpPr>
+      <p:grpSpPr>
+        <a:xfrm>
+          <a:off x="0" y="0"/>
+          <a:ext cx="0" cy="0"/>
+          <a:chOff x="0" y="0"/>
+          <a:chExt cx="0" cy="0"/>
+        </a:xfrm>
+      </p:grpSpPr>
+      <p:sp>
+        <p:nvSpPr>
+          <p:cNvPr id="2" name="Title 1"/>
+          <p:cNvSpPr>
+            <a:spLocks noGrp="1"/>
+          </p:cNvSpPr>
+          <p:nvPr>
+            <p:ph type="title"/>
+          </p:nvPr>
+        </p:nvSpPr>
+        <p:spPr/>
+        <p:txBody>
+          <a:bodyPr/>
+          <a:lstStyle/>
+          <a:p>
+            <a:r>
+              <a:rPr lang="en-US" dirty="0" smtClean="0"/>
+              <a:t>Distance Per Rating</a:t>
+            </a:r>
+            <a:endParaRPr lang="en-US" dirty="0"/>
+          </a:p>
+        </p:txBody>
+      </p:sp>
+      <p:sp>
+        <p:nvSpPr>
+          <p:cNvPr id="3" name="Content Placeholder 2"/>
+          <p:cNvSpPr>
+            <a:spLocks noGrp="1"/>
+          </p:cNvSpPr>
+          <p:nvPr>
+            <p:ph idx="1"/>
+          </p:nvPr>
+        </p:nvSpPr>
+        <p:spPr/>
+        <p:txBody>
+          <a:bodyPr>
+            <a:normAutofit fontScale="92500"/>
+          </a:bodyPr>
+          <a:lstStyle/>
+          <a:p>
+            <a:r>
+              <a:rPr lang="en-US" dirty="0" smtClean="0"/>
+              <a:t>We are interested in building a recommendation engine</a:t>
+            </a:r>
+          </a:p>
+          <a:p>
+            <a:r>
+              <a:rPr lang="en-US" dirty="0" smtClean="0"/>
+              <a:t>This means that we wish to predict high ratings correctly, and are less concerned about low</a:t>
+            </a:r>
+          </a:p>
+          <a:p>
+            <a:r>
+              <a:rPr lang="en-US" dirty="0" smtClean="0"/>
+              <a:t>We compare distance from each rating from 1 to 5</a:t>
+            </a:r>
+          </a:p>
+          <a:p>
+            <a:r>
+              <a:rPr lang="en-US" dirty="0" smtClean="0"/>
+              <a:t>These results will be especially interesting when we attempt to normalize global effects (correct for rater inconsistency)</a:t>
+            </a:r>
+          </a:p>
+          <a:p>
+            <a:endParaRPr lang="en-US" dirty="0"/>
+          </a:p>
+        </p:txBody>
+      </p:sp>
+    </p:spTree>
+    <p:extLst>
+      <p:ext uri="{BB962C8B-B14F-4D97-AF65-F5344CB8AC3E}">
+        <p14:creationId xmlns:p14="http://schemas.microsoft.com/office/powerpoint/2010/main" val="763282290"/>
+      </p:ext>
+    </p:extLst>
+  </p:cSld>
+  <p:clrMapOvr>
+    <a:masterClrMapping/>
+  </p:clrMapOvr>
+</p:sld>
+</file>
+
+<file path=ppt/slides/slide13.xml><?xml version="1.0" encoding="utf-8"?>
+<p:sld xmlns:a="http://schemas.openxmlformats.org/drawingml/2006/main" xmlns:r="http://schemas.openxmlformats.org/officeDocument/2006/relationships" xmlns:p="http://schemas.openxmlformats.org/presentationml/2006/main">
+  <p:cSld>
+    <p:spTree>
+      <p:nvGrpSpPr>
+        <p:cNvPr id="1" name=""/>
+        <p:cNvGrpSpPr/>
+        <p:nvPr/>
+      </p:nvGrpSpPr>
+      <p:grpSpPr>
+        <a:xfrm>
+          <a:off x="0" y="0"/>
+          <a:ext cx="0" cy="0"/>
+          <a:chOff x="0" y="0"/>
+          <a:chExt cx="0" cy="0"/>
+        </a:xfrm>
+      </p:grpSpPr>
+      <p:graphicFrame>
+        <p:nvGraphicFramePr>
+          <p:cNvPr id="2" name="Table 1"/>
+          <p:cNvGraphicFramePr>
+            <a:graphicFrameLocks noGrp="1"/>
+          </p:cNvGraphicFramePr>
+          <p:nvPr>
+            <p:extLst>
+              <p:ext uri="{D42A27DB-BD31-4B8C-83A1-F6EECF244321}">
+                <p14:modId xmlns:p14="http://schemas.microsoft.com/office/powerpoint/2010/main" val="4231355454"/>
+              </p:ext>
+            </p:extLst>
+          </p:nvPr>
+        </p:nvGraphicFramePr>
+        <p:xfrm>
+          <a:off x="1524000" y="1397000"/>
+          <a:ext cx="6096000" cy="2494280"/>
+        </p:xfrm>
+        <a:graphic>
+          <a:graphicData uri="http://schemas.openxmlformats.org/drawingml/2006/table">
+            <a:tbl>
+              <a:tblPr firstRow="1" bandRow="1">
+                <a:tableStyleId>{3B4B98B0-60AC-42C2-AFA5-B58CD77FA1E5}</a:tableStyleId>
+              </a:tblPr>
+              <a:tblGrid>
+                <a:gridCol w="1524000"/>
+                <a:gridCol w="1524000"/>
+                <a:gridCol w="1524000"/>
+                <a:gridCol w="1524000"/>
+              </a:tblGrid>
+              <a:tr h="370840">
+                <a:tc>
+                  <a:txBody>
+                    <a:bodyPr/>
+                    <a:lstStyle/>
+                    <a:p>
+                      <a:pPr algn="ctr"/>
+                      <a:r>
+                        <a:rPr lang="en-US" dirty="0" smtClean="0"/>
+                        <a:t>Actual Rating</a:t>
+                      </a:r>
+                      <a:endParaRPr lang="en-US" b="1" dirty="0"/>
+                    </a:p>
+                  </a:txBody>
+                  <a:tcPr/>
+                </a:tc>
+                <a:tc>
+                  <a:txBody>
+                    <a:bodyPr/>
+                    <a:lstStyle/>
+                    <a:p>
+                      <a:pPr algn="ctr"/>
+                      <a:r>
+                        <a:rPr lang="en-US" dirty="0" smtClean="0"/>
+                        <a:t>#</a:t>
+                      </a:r>
+                      <a:r>
+                        <a:rPr lang="en-US" baseline="0" dirty="0" smtClean="0"/>
+                        <a:t> Records</a:t>
+                      </a:r>
+                      <a:endParaRPr lang="en-US" b="1" dirty="0"/>
+                    </a:p>
+                  </a:txBody>
+                  <a:tcPr/>
+                </a:tc>
+                <a:tc>
+                  <a:txBody>
+                    <a:bodyPr/>
+                    <a:lstStyle/>
+                    <a:p>
+                      <a:pPr algn="ctr"/>
+                      <a:r>
+                        <a:rPr lang="en-US" dirty="0" smtClean="0"/>
+                        <a:t>Mean Distance</a:t>
+                      </a:r>
+                      <a:endParaRPr lang="en-US" b="1" dirty="0"/>
+                    </a:p>
+                  </a:txBody>
+                  <a:tcPr/>
+                </a:tc>
+                <a:tc>
+                  <a:txBody>
+                    <a:bodyPr/>
+                    <a:lstStyle/>
+                    <a:p>
+                      <a:pPr algn="ctr"/>
+                      <a:r>
+                        <a:rPr lang="en-US" dirty="0" smtClean="0"/>
+                        <a:t>Mean RSS</a:t>
+                      </a:r>
+                      <a:endParaRPr lang="en-US" b="1" dirty="0"/>
+                    </a:p>
+                  </a:txBody>
+                  <a:tcPr/>
+                </a:tc>
+              </a:tr>
+              <a:tr h="370840">
+                <a:tc>
+                  <a:txBody>
+                    <a:bodyPr/>
+                    <a:lstStyle/>
+                    <a:p>
+                      <a:pPr algn="ctr"/>
+                      <a:r>
+                        <a:rPr lang="en-US" dirty="0" smtClean="0"/>
+                        <a:t>1</a:t>
+                      </a:r>
+                      <a:endParaRPr lang="en-US" dirty="0"/>
+                    </a:p>
+                  </a:txBody>
+                  <a:tcPr/>
+                </a:tc>
+                <a:tc>
+                  <a:txBody>
+                    <a:bodyPr/>
+                    <a:lstStyle/>
+                    <a:p>
+                      <a:pPr algn="ctr"/>
+                      <a:r>
+                        <a:rPr lang="en-US" dirty="0" smtClean="0"/>
+                        <a:t>3870</a:t>
+                      </a:r>
+                      <a:endParaRPr lang="en-US" dirty="0"/>
+                    </a:p>
+                  </a:txBody>
+                  <a:tcPr/>
+                </a:tc>
+                <a:tc>
+                  <a:txBody>
+                    <a:bodyPr/>
+                    <a:lstStyle/>
+                    <a:p>
+                      <a:pPr algn="ctr"/>
+                      <a:r>
+                        <a:rPr lang="en-US" dirty="0" smtClean="0"/>
+                        <a:t>2.319897</a:t>
+                      </a:r>
+                      <a:endParaRPr lang="en-US" dirty="0"/>
+                    </a:p>
+                  </a:txBody>
+                  <a:tcPr/>
+                </a:tc>
+                <a:tc>
+                  <a:txBody>
+                    <a:bodyPr/>
+                    <a:lstStyle/>
+                    <a:p>
+                      <a:pPr algn="ctr"/>
+                      <a:r>
+                        <a:rPr lang="en-US" dirty="0" smtClean="0"/>
+                        <a:t>6.403101</a:t>
+                      </a:r>
+                      <a:endParaRPr lang="en-US" dirty="0"/>
+                    </a:p>
+                  </a:txBody>
+                  <a:tcPr/>
+                </a:tc>
+              </a:tr>
+              <a:tr h="370840">
+                <a:tc>
+                  <a:txBody>
+                    <a:bodyPr/>
+                    <a:lstStyle/>
+                    <a:p>
+                      <a:pPr algn="ctr"/>
+                      <a:r>
+                        <a:rPr lang="en-US" dirty="0" smtClean="0"/>
+                        <a:t>2</a:t>
+                      </a:r>
+                      <a:endParaRPr lang="en-US" dirty="0"/>
+                    </a:p>
+                  </a:txBody>
+                  <a:tcPr/>
+                </a:tc>
+                <a:tc>
+                  <a:txBody>
+                    <a:bodyPr/>
+                    <a:lstStyle/>
+                    <a:p>
+                      <a:pPr algn="ctr"/>
+                      <a:r>
+                        <a:rPr lang="en-US" dirty="0" smtClean="0"/>
+                        <a:t>8322</a:t>
+                      </a:r>
+                      <a:endParaRPr lang="en-US" dirty="0"/>
+                    </a:p>
+                  </a:txBody>
+                  <a:tcPr/>
+                </a:tc>
+                <a:tc>
+                  <a:txBody>
+                    <a:bodyPr/>
+                    <a:lstStyle/>
+                    <a:p>
+                      <a:pPr algn="ctr"/>
+                      <a:r>
+                        <a:rPr lang="en-US" dirty="0" smtClean="0"/>
+                        <a:t>1.370704</a:t>
+                      </a:r>
+                      <a:endParaRPr lang="en-US" dirty="0"/>
+                    </a:p>
+                  </a:txBody>
+                  <a:tcPr/>
+                </a:tc>
+                <a:tc>
+                  <a:txBody>
+                    <a:bodyPr/>
+                    <a:lstStyle/>
+                    <a:p>
+                      <a:pPr algn="ctr"/>
+                      <a:r>
+                        <a:rPr lang="en-US" dirty="0" smtClean="0"/>
+                        <a:t>2.714852</a:t>
+                      </a:r>
+                      <a:endParaRPr lang="en-US" dirty="0"/>
+                    </a:p>
+                  </a:txBody>
+                  <a:tcPr/>
+                </a:tc>
+              </a:tr>
+              <a:tr h="370840">
+                <a:tc>
+                  <a:txBody>
+                    <a:bodyPr/>
+                    <a:lstStyle/>
+                    <a:p>
+                      <a:pPr algn="ctr"/>
+                      <a:r>
+                        <a:rPr lang="en-US" dirty="0" smtClean="0"/>
+                        <a:t>3</a:t>
+                      </a:r>
+                      <a:endParaRPr lang="en-US" dirty="0"/>
+                    </a:p>
+                  </a:txBody>
+                  <a:tcPr/>
+                </a:tc>
+                <a:tc>
+                  <a:txBody>
+                    <a:bodyPr/>
+                    <a:lstStyle/>
+                    <a:p>
+                      <a:pPr algn="ctr"/>
+                      <a:r>
+                        <a:rPr lang="en-US" dirty="0" smtClean="0"/>
+                        <a:t>18756</a:t>
+                      </a:r>
+                      <a:endParaRPr lang="en-US" dirty="0"/>
+                    </a:p>
+                  </a:txBody>
+                  <a:tcPr/>
+                </a:tc>
+                <a:tc>
+                  <a:txBody>
+                    <a:bodyPr/>
+                    <a:lstStyle/>
+                    <a:p>
+                      <a:pPr algn="ctr"/>
+                      <a:r>
+                        <a:rPr lang="en-US" dirty="0" smtClean="0"/>
+                        <a:t>0.576989</a:t>
+                      </a:r>
+                      <a:endParaRPr lang="en-US" dirty="0"/>
+                    </a:p>
+                  </a:txBody>
+                  <a:tcPr/>
+                </a:tc>
+                <a:tc>
+                  <a:txBody>
+                    <a:bodyPr/>
+                    <a:lstStyle/>
+                    <a:p>
+                      <a:pPr algn="ctr"/>
+                      <a:r>
+                        <a:rPr lang="en-US" dirty="0" smtClean="0"/>
+                        <a:t>0.801663</a:t>
+                      </a:r>
+                      <a:endParaRPr lang="en-US" dirty="0"/>
+                    </a:p>
+                  </a:txBody>
+                  <a:tcPr/>
+                </a:tc>
+              </a:tr>
+              <a:tr h="370840">
+                <a:tc>
+                  <a:txBody>
+                    <a:bodyPr/>
+                    <a:lstStyle/>
+                    <a:p>
+                      <a:pPr algn="ctr"/>
+                      <a:r>
+                        <a:rPr lang="en-US" dirty="0" smtClean="0"/>
+                        <a:t>4</a:t>
+                      </a:r>
+                      <a:endParaRPr lang="en-US" dirty="0"/>
+                    </a:p>
+                  </a:txBody>
+                  <a:tcPr/>
+                </a:tc>
+                <a:tc>
+                  <a:txBody>
+                    <a:bodyPr/>
+                    <a:lstStyle/>
+                    <a:p>
+                      <a:pPr algn="ctr"/>
+                      <a:r>
+                        <a:rPr lang="en-US" dirty="0" smtClean="0"/>
+                        <a:t>29944</a:t>
+                      </a:r>
+                      <a:endParaRPr lang="en-US" dirty="0"/>
+                    </a:p>
+                  </a:txBody>
+                  <a:tcPr/>
+                </a:tc>
+                <a:tc>
+                  <a:txBody>
+                    <a:bodyPr/>
+                    <a:lstStyle/>
+                    <a:p>
+                      <a:pPr algn="ctr"/>
+                      <a:r>
+                        <a:rPr lang="en-US" dirty="0" smtClean="0"/>
+                        <a:t>0.339701</a:t>
+                      </a:r>
+                      <a:endParaRPr lang="en-US" dirty="0"/>
+                    </a:p>
+                  </a:txBody>
+                  <a:tcPr/>
+                </a:tc>
+                <a:tc>
+                  <a:txBody>
+                    <a:bodyPr/>
+                    <a:lstStyle/>
+                    <a:p>
+                      <a:pPr algn="ctr"/>
+                      <a:r>
+                        <a:rPr lang="en-US" dirty="0" smtClean="0"/>
+                        <a:t>0.411234</a:t>
+                      </a:r>
+                      <a:endParaRPr lang="en-US" dirty="0"/>
+                    </a:p>
+                  </a:txBody>
+                  <a:tcPr/>
+                </a:tc>
+              </a:tr>
+              <a:tr h="370840">
+                <a:tc>
+                  <a:txBody>
+                    <a:bodyPr/>
+                    <a:lstStyle/>
+                    <a:p>
+                      <a:pPr algn="ctr"/>
+                      <a:r>
+                        <a:rPr lang="en-US" dirty="0" smtClean="0"/>
+                        <a:t>5</a:t>
+                      </a:r>
+                      <a:endParaRPr lang="en-US" dirty="0"/>
+                    </a:p>
+                  </a:txBody>
+                  <a:tcPr/>
+                </a:tc>
+                <a:tc>
+                  <a:txBody>
+                    <a:bodyPr/>
+                    <a:lstStyle/>
+                    <a:p>
+                      <a:pPr algn="ctr"/>
+                      <a:r>
+                        <a:rPr lang="en-US" dirty="0" smtClean="0"/>
+                        <a:t>19182</a:t>
+                      </a:r>
+                      <a:endParaRPr lang="en-US" dirty="0"/>
+                    </a:p>
+                  </a:txBody>
+                  <a:tcPr/>
+                </a:tc>
+                <a:tc>
+                  <a:txBody>
+                    <a:bodyPr/>
+                    <a:lstStyle/>
+                    <a:p>
+                      <a:pPr algn="ctr"/>
+                      <a:r>
+                        <a:rPr lang="en-US" dirty="0" smtClean="0"/>
+                        <a:t>0.823115</a:t>
+                      </a:r>
+                      <a:endParaRPr lang="en-US" dirty="0"/>
+                    </a:p>
+                  </a:txBody>
+                  <a:tcPr/>
+                </a:tc>
+                <a:tc>
+                  <a:txBody>
+                    <a:bodyPr/>
+                    <a:lstStyle/>
+                    <a:p>
+                      <a:pPr algn="ctr"/>
+                      <a:r>
+                        <a:rPr lang="en-US" dirty="0" smtClean="0"/>
+                        <a:t>1.371546</a:t>
+                      </a:r>
+                      <a:endParaRPr lang="en-US" dirty="0"/>
+                    </a:p>
+                  </a:txBody>
+                  <a:tcPr/>
+                </a:tc>
+              </a:tr>
+            </a:tbl>
+          </a:graphicData>
+        </a:graphic>
+      </p:graphicFrame>
+      <p:sp>
+        <p:nvSpPr>
+          <p:cNvPr id="3" name="TextBox 2"/>
+          <p:cNvSpPr txBox="1"/>
+          <p:nvPr/>
+        </p:nvSpPr>
+        <p:spPr>
+          <a:xfrm>
+            <a:off x="2081214" y="650983"/>
+            <a:ext cx="3942105" cy="369332"/>
+          </a:xfrm>
+          <a:prstGeom prst="rect">
+            <a:avLst/>
+          </a:prstGeom>
+          <a:noFill/>
+        </p:spPr>
+        <p:txBody>
+          <a:bodyPr wrap="none" rtlCol="0">
+            <a:spAutoFit/>
+          </a:bodyPr>
+          <a:lstStyle/>
+          <a:p>
+            <a:r>
+              <a:rPr lang="en-US" b="1" dirty="0" smtClean="0"/>
+              <a:t>Mean Distance and RSS for each Rating</a:t>
+            </a:r>
+            <a:endParaRPr lang="en-US" b="1" dirty="0"/>
+          </a:p>
+        </p:txBody>
+      </p:sp>
+      <p:sp>
+        <p:nvSpPr>
+          <p:cNvPr id="7" name="TextBox 6"/>
+          <p:cNvSpPr txBox="1"/>
+          <p:nvPr/>
+        </p:nvSpPr>
+        <p:spPr>
+          <a:xfrm>
+            <a:off x="1524000" y="5581379"/>
+            <a:ext cx="4486738" cy="923330"/>
+          </a:xfrm>
+          <a:prstGeom prst="rect">
+            <a:avLst/>
+          </a:prstGeom>
+          <a:noFill/>
+        </p:spPr>
+        <p:txBody>
+          <a:bodyPr wrap="none" rtlCol="0">
+            <a:spAutoFit/>
+          </a:bodyPr>
+          <a:lstStyle/>
+          <a:p>
+            <a:r>
+              <a:rPr lang="en-US" dirty="0" smtClean="0"/>
+              <a:t>k = 30 (best detected in terms of average RSS)</a:t>
+            </a:r>
+          </a:p>
+          <a:p>
+            <a:r>
+              <a:rPr lang="en-US" dirty="0" smtClean="0"/>
+              <a:t>Thresholds = 25</a:t>
+            </a:r>
+          </a:p>
+          <a:p>
+            <a:r>
+              <a:rPr lang="en-US" dirty="0" smtClean="0"/>
+              <a:t># steps = 1000</a:t>
+            </a:r>
+            <a:endParaRPr lang="en-US" dirty="0"/>
+          </a:p>
+        </p:txBody>
+      </p:sp>
+    </p:spTree>
+    <p:extLst>
+      <p:ext uri="{BB962C8B-B14F-4D97-AF65-F5344CB8AC3E}">
+        <p14:creationId xmlns:p14="http://schemas.microsoft.com/office/powerpoint/2010/main" val="2987307593"/>
+      </p:ext>
+    </p:extLst>
+  </p:cSld>
+  <p:clrMapOvr>
+    <a:masterClrMapping/>
+  </p:clrMapOvr>
+</p:sld>
+</file>
+
+<file path=ppt/slides/slide14.xml><?xml version="1.0" encoding="utf-8"?>
+<p:sld xmlns:a="http://schemas.openxmlformats.org/drawingml/2006/main" xmlns:r="http://schemas.openxmlformats.org/officeDocument/2006/relationships" xmlns:p="http://schemas.openxmlformats.org/presentationml/2006/main">
+  <p:cSld>
+    <p:spTree>
+      <p:nvGrpSpPr>
+        <p:cNvPr id="1" name=""/>
+        <p:cNvGrpSpPr/>
+        <p:nvPr/>
+      </p:nvGrpSpPr>
+      <p:grpSpPr>
+        <a:xfrm>
+          <a:off x="0" y="0"/>
+          <a:ext cx="0" cy="0"/>
+          <a:chOff x="0" y="0"/>
+          <a:chExt cx="0" cy="0"/>
+        </a:xfrm>
+      </p:grpSpPr>
+      <p:graphicFrame>
+        <p:nvGraphicFramePr>
+          <p:cNvPr id="4" name="Table 3"/>
+          <p:cNvGraphicFramePr>
+            <a:graphicFrameLocks noGrp="1"/>
+          </p:cNvGraphicFramePr>
+          <p:nvPr>
+            <p:extLst>
+              <p:ext uri="{D42A27DB-BD31-4B8C-83A1-F6EECF244321}">
+                <p14:modId xmlns:p14="http://schemas.microsoft.com/office/powerpoint/2010/main" val="3249580607"/>
+              </p:ext>
+            </p:extLst>
+          </p:nvPr>
+        </p:nvGraphicFramePr>
+        <p:xfrm>
+          <a:off x="1524000" y="1397000"/>
+          <a:ext cx="6096000" cy="2225040"/>
+        </p:xfrm>
+        <a:graphic>
+          <a:graphicData uri="http://schemas.openxmlformats.org/drawingml/2006/table">
+            <a:tbl>
+              <a:tblPr firstRow="1" bandRow="1">
+                <a:tableStyleId>{3B4B98B0-60AC-42C2-AFA5-B58CD77FA1E5}</a:tableStyleId>
+              </a:tblPr>
+              <a:tblGrid>
+                <a:gridCol w="1524000"/>
+                <a:gridCol w="1524000"/>
+                <a:gridCol w="1524000"/>
+                <a:gridCol w="1524000"/>
+              </a:tblGrid>
+              <a:tr h="370840">
+                <a:tc>
+                  <a:txBody>
+                    <a:bodyPr/>
+                    <a:lstStyle/>
+                    <a:p>
+                      <a:pPr algn="ctr"/>
+                      <a:r>
+                        <a:rPr lang="en-US" dirty="0" smtClean="0"/>
+                        <a:t>Actual Rating</a:t>
+                      </a:r>
+                      <a:endParaRPr lang="en-US" dirty="0"/>
+                    </a:p>
+                  </a:txBody>
+                  <a:tcPr/>
+                </a:tc>
+                <a:tc>
+                  <a:txBody>
+                    <a:bodyPr/>
+                    <a:lstStyle/>
+                    <a:p>
+                      <a:pPr algn="ctr"/>
+                      <a:r>
+                        <a:rPr lang="en-US" dirty="0" smtClean="0"/>
+                        <a:t># Samples</a:t>
+                      </a:r>
+                      <a:endParaRPr lang="en-US" dirty="0"/>
+                    </a:p>
+                  </a:txBody>
+                  <a:tcPr/>
+                </a:tc>
+                <a:tc>
+                  <a:txBody>
+                    <a:bodyPr/>
+                    <a:lstStyle/>
+                    <a:p>
+                      <a:pPr algn="ctr"/>
+                      <a:r>
+                        <a:rPr lang="en-US" dirty="0" smtClean="0"/>
+                        <a:t># Correct</a:t>
+                      </a:r>
+                      <a:endParaRPr lang="en-US" dirty="0"/>
+                    </a:p>
+                  </a:txBody>
+                  <a:tcPr/>
+                </a:tc>
+                <a:tc>
+                  <a:txBody>
+                    <a:bodyPr/>
+                    <a:lstStyle/>
+                    <a:p>
+                      <a:pPr algn="ctr"/>
+                      <a:r>
+                        <a:rPr lang="en-US" dirty="0" smtClean="0"/>
+                        <a:t>% Correct</a:t>
+                      </a:r>
+                      <a:endParaRPr lang="en-US" dirty="0"/>
+                    </a:p>
+                  </a:txBody>
+                  <a:tcPr/>
+                </a:tc>
+              </a:tr>
+              <a:tr h="370840">
+                <a:tc>
+                  <a:txBody>
+                    <a:bodyPr/>
+                    <a:lstStyle/>
+                    <a:p>
+                      <a:pPr algn="ctr"/>
+                      <a:r>
+                        <a:rPr lang="en-US" dirty="0" smtClean="0"/>
+                        <a:t>1</a:t>
+                      </a:r>
+                      <a:endParaRPr lang="en-US" b="1" dirty="0"/>
+                    </a:p>
+                  </a:txBody>
+                  <a:tcPr/>
+                </a:tc>
+                <a:tc>
+                  <a:txBody>
+                    <a:bodyPr/>
+                    <a:lstStyle/>
+                    <a:p>
+                      <a:pPr algn="ctr"/>
+                      <a:r>
+                        <a:rPr lang="en-US" dirty="0" smtClean="0"/>
+                        <a:t>3870</a:t>
+                      </a:r>
+                      <a:endParaRPr lang="en-US" dirty="0"/>
+                    </a:p>
+                  </a:txBody>
+                  <a:tcPr/>
+                </a:tc>
+                <a:tc>
+                  <a:txBody>
+                    <a:bodyPr/>
+                    <a:lstStyle/>
+                    <a:p>
+                      <a:pPr algn="ctr"/>
+                      <a:r>
+                        <a:rPr lang="en-US" dirty="0" smtClean="0"/>
+                        <a:t>40</a:t>
+                      </a:r>
+                      <a:endParaRPr lang="en-US" dirty="0"/>
+                    </a:p>
+                  </a:txBody>
+                  <a:tcPr/>
+                </a:tc>
+                <a:tc>
+                  <a:txBody>
+                    <a:bodyPr/>
+                    <a:lstStyle/>
+                    <a:p>
+                      <a:pPr algn="ctr"/>
+                      <a:r>
+                        <a:rPr lang="en-US" dirty="0" smtClean="0"/>
+                        <a:t>1.03</a:t>
+                      </a:r>
+                      <a:endParaRPr lang="en-US" dirty="0"/>
+                    </a:p>
+                  </a:txBody>
+                  <a:tcPr/>
+                </a:tc>
+              </a:tr>
+              <a:tr h="370840">
+                <a:tc>
+                  <a:txBody>
+                    <a:bodyPr/>
+                    <a:lstStyle/>
+                    <a:p>
+                      <a:pPr algn="ctr"/>
+                      <a:r>
+                        <a:rPr lang="en-US" dirty="0" smtClean="0"/>
+                        <a:t>2</a:t>
+                      </a:r>
+                      <a:endParaRPr lang="en-US" b="1" dirty="0"/>
+                    </a:p>
+                  </a:txBody>
+                  <a:tcPr/>
+                </a:tc>
+                <a:tc>
+                  <a:txBody>
+                    <a:bodyPr/>
+                    <a:lstStyle/>
+                    <a:p>
+                      <a:pPr algn="ctr"/>
+                      <a:r>
+                        <a:rPr lang="en-US" dirty="0" smtClean="0"/>
+                        <a:t>8322</a:t>
+                      </a:r>
+                      <a:endParaRPr lang="en-US" dirty="0"/>
+                    </a:p>
+                  </a:txBody>
+                  <a:tcPr/>
+                </a:tc>
+                <a:tc>
+                  <a:txBody>
+                    <a:bodyPr/>
+                    <a:lstStyle/>
+                    <a:p>
+                      <a:pPr algn="ctr"/>
+                      <a:r>
+                        <a:rPr lang="en-US" dirty="0" smtClean="0"/>
+                        <a:t>608</a:t>
+                      </a:r>
+                      <a:endParaRPr lang="en-US" dirty="0"/>
+                    </a:p>
+                  </a:txBody>
+                  <a:tcPr/>
+                </a:tc>
+                <a:tc>
+                  <a:txBody>
+                    <a:bodyPr/>
+                    <a:lstStyle/>
+                    <a:p>
+                      <a:pPr algn="ctr"/>
+                      <a:r>
+                        <a:rPr lang="en-US" dirty="0" smtClean="0"/>
+                        <a:t>7.31</a:t>
+                      </a:r>
+                      <a:endParaRPr lang="en-US" dirty="0"/>
+                    </a:p>
+                  </a:txBody>
+                  <a:tcPr/>
+                </a:tc>
+              </a:tr>
+              <a:tr h="370840">
+                <a:tc>
+                  <a:txBody>
+                    <a:bodyPr/>
+                    <a:lstStyle/>
+                    <a:p>
+                      <a:pPr algn="ctr"/>
+                      <a:r>
+                        <a:rPr lang="en-US" dirty="0" smtClean="0"/>
+                        <a:t>3</a:t>
+                      </a:r>
+                      <a:endParaRPr lang="en-US" b="1" dirty="0"/>
+                    </a:p>
+                  </a:txBody>
+                  <a:tcPr/>
+                </a:tc>
+                <a:tc>
+                  <a:txBody>
+                    <a:bodyPr/>
+                    <a:lstStyle/>
+                    <a:p>
+                      <a:pPr algn="ctr"/>
+                      <a:r>
+                        <a:rPr lang="en-US" dirty="0" smtClean="0"/>
+                        <a:t>18756</a:t>
+                      </a:r>
+                      <a:endParaRPr lang="en-US" dirty="0"/>
+                    </a:p>
+                  </a:txBody>
+                  <a:tcPr/>
+                </a:tc>
+                <a:tc>
+                  <a:txBody>
+                    <a:bodyPr/>
+                    <a:lstStyle/>
+                    <a:p>
+                      <a:pPr algn="ctr"/>
+                      <a:r>
+                        <a:rPr lang="en-US" dirty="0" smtClean="0"/>
+                        <a:t>5311</a:t>
+                      </a:r>
+                      <a:endParaRPr lang="en-US" dirty="0"/>
+                    </a:p>
+                  </a:txBody>
+                  <a:tcPr/>
+                </a:tc>
+                <a:tc>
+                  <a:txBody>
+                    <a:bodyPr/>
+                    <a:lstStyle/>
+                    <a:p>
+                      <a:pPr algn="ctr"/>
+                      <a:r>
+                        <a:rPr lang="en-US" dirty="0" smtClean="0"/>
+                        <a:t>28.32</a:t>
+                      </a:r>
+                      <a:endParaRPr lang="en-US" dirty="0"/>
+                    </a:p>
+                  </a:txBody>
+                  <a:tcPr/>
+                </a:tc>
+              </a:tr>
+              <a:tr h="370840">
+                <a:tc>
+                  <a:txBody>
+                    <a:bodyPr/>
+                    <a:lstStyle/>
+                    <a:p>
+                      <a:pPr algn="ctr"/>
+                      <a:r>
+                        <a:rPr lang="en-US" dirty="0" smtClean="0"/>
+                        <a:t>4</a:t>
+                      </a:r>
+                      <a:endParaRPr lang="en-US" b="1" dirty="0"/>
+                    </a:p>
+                  </a:txBody>
+                  <a:tcPr/>
+                </a:tc>
+                <a:tc>
+                  <a:txBody>
+                    <a:bodyPr/>
+                    <a:lstStyle/>
+                    <a:p>
+                      <a:pPr algn="ctr"/>
+                      <a:r>
+                        <a:rPr lang="en-US" dirty="0" smtClean="0"/>
+                        <a:t>29944</a:t>
+                      </a:r>
+                      <a:endParaRPr lang="en-US" dirty="0"/>
+                    </a:p>
+                  </a:txBody>
+                  <a:tcPr/>
+                </a:tc>
+                <a:tc>
+                  <a:txBody>
+                    <a:bodyPr/>
+                    <a:lstStyle/>
+                    <a:p>
+                      <a:pPr algn="ctr"/>
+                      <a:r>
+                        <a:rPr lang="en-US" dirty="0" smtClean="0"/>
+                        <a:t>11737</a:t>
+                      </a:r>
+                      <a:endParaRPr lang="en-US" dirty="0"/>
+                    </a:p>
+                  </a:txBody>
+                  <a:tcPr/>
+                </a:tc>
+                <a:tc>
+                  <a:txBody>
+                    <a:bodyPr/>
+                    <a:lstStyle/>
+                    <a:p>
+                      <a:pPr algn="ctr"/>
+                      <a:r>
+                        <a:rPr lang="en-US" dirty="0" smtClean="0"/>
+                        <a:t>39.20</a:t>
+                      </a:r>
+                      <a:endParaRPr lang="en-US" dirty="0"/>
+                    </a:p>
+                  </a:txBody>
+                  <a:tcPr/>
+                </a:tc>
+              </a:tr>
+              <a:tr h="370840">
+                <a:tc>
+                  <a:txBody>
+                    <a:bodyPr/>
+                    <a:lstStyle/>
+                    <a:p>
+                      <a:pPr algn="ctr"/>
+                      <a:r>
+                        <a:rPr lang="en-US" dirty="0" smtClean="0"/>
+                        <a:t>5</a:t>
+                      </a:r>
+                      <a:endParaRPr lang="en-US" b="1" dirty="0"/>
+                    </a:p>
+                  </a:txBody>
+                  <a:tcPr/>
+                </a:tc>
+                <a:tc>
+                  <a:txBody>
+                    <a:bodyPr/>
+                    <a:lstStyle/>
+                    <a:p>
+                      <a:pPr algn="ctr"/>
+                      <a:r>
+                        <a:rPr lang="en-US" dirty="0" smtClean="0"/>
+                        <a:t>19182</a:t>
+                      </a:r>
+                      <a:endParaRPr lang="en-US" dirty="0"/>
+                    </a:p>
+                  </a:txBody>
+                  <a:tcPr/>
+                </a:tc>
+                <a:tc>
+                  <a:txBody>
+                    <a:bodyPr/>
+                    <a:lstStyle/>
+                    <a:p>
+                      <a:pPr algn="ctr"/>
+                      <a:r>
+                        <a:rPr lang="en-US" dirty="0" smtClean="0"/>
+                        <a:t>4438</a:t>
+                      </a:r>
+                      <a:endParaRPr lang="en-US" dirty="0"/>
+                    </a:p>
+                  </a:txBody>
+                  <a:tcPr/>
+                </a:tc>
+                <a:tc>
+                  <a:txBody>
+                    <a:bodyPr/>
+                    <a:lstStyle/>
+                    <a:p>
+                      <a:pPr algn="ctr"/>
+                      <a:r>
+                        <a:rPr lang="en-US" dirty="0" smtClean="0"/>
+                        <a:t>23.14</a:t>
+                      </a:r>
+                      <a:endParaRPr lang="en-US" dirty="0"/>
+                    </a:p>
+                  </a:txBody>
+                  <a:tcPr/>
+                </a:tc>
+              </a:tr>
+            </a:tbl>
+          </a:graphicData>
+        </a:graphic>
+      </p:graphicFrame>
+      <p:sp>
+        <p:nvSpPr>
+          <p:cNvPr id="5" name="TextBox 4"/>
+          <p:cNvSpPr txBox="1"/>
+          <p:nvPr/>
+        </p:nvSpPr>
+        <p:spPr>
+          <a:xfrm>
+            <a:off x="2081214" y="650983"/>
+            <a:ext cx="5565496" cy="369332"/>
+          </a:xfrm>
+          <a:prstGeom prst="rect">
+            <a:avLst/>
+          </a:prstGeom>
+          <a:noFill/>
+        </p:spPr>
+        <p:txBody>
+          <a:bodyPr wrap="none" rtlCol="0">
+            <a:spAutoFit/>
+          </a:bodyPr>
+          <a:lstStyle/>
+          <a:p>
+            <a:r>
+              <a:rPr lang="en-US" b="1" dirty="0" smtClean="0"/>
+              <a:t>Percentage of Businesses with Correct Predicted Ratings</a:t>
+            </a:r>
+            <a:endParaRPr lang="en-US" b="1" dirty="0"/>
+          </a:p>
+        </p:txBody>
+      </p:sp>
+      <p:sp>
+        <p:nvSpPr>
+          <p:cNvPr id="6" name="TextBox 5"/>
+          <p:cNvSpPr txBox="1"/>
+          <p:nvPr/>
+        </p:nvSpPr>
+        <p:spPr>
+          <a:xfrm>
+            <a:off x="1524000" y="5581379"/>
+            <a:ext cx="4486738" cy="923330"/>
+          </a:xfrm>
+          <a:prstGeom prst="rect">
+            <a:avLst/>
+          </a:prstGeom>
+          <a:noFill/>
+        </p:spPr>
+        <p:txBody>
+          <a:bodyPr wrap="none" rtlCol="0">
+            <a:spAutoFit/>
+          </a:bodyPr>
+          <a:lstStyle/>
+          <a:p>
+            <a:r>
+              <a:rPr lang="en-US" dirty="0" smtClean="0"/>
+              <a:t>k = 30 (best detected in terms of average RSS)</a:t>
+            </a:r>
+          </a:p>
+          <a:p>
+            <a:r>
+              <a:rPr lang="en-US" dirty="0" smtClean="0"/>
+              <a:t>Thresholds = 25</a:t>
+            </a:r>
+          </a:p>
+          <a:p>
+            <a:r>
+              <a:rPr lang="en-US" dirty="0" smtClean="0"/>
+              <a:t># steps = 1000</a:t>
+            </a:r>
+            <a:endParaRPr lang="en-US" dirty="0"/>
+          </a:p>
+        </p:txBody>
+      </p:sp>
+    </p:spTree>
+    <p:extLst>
+      <p:ext uri="{BB962C8B-B14F-4D97-AF65-F5344CB8AC3E}">
+        <p14:creationId xmlns:p14="http://schemas.microsoft.com/office/powerpoint/2010/main" val="1884069279"/>
+      </p:ext>
+    </p:extLst>
+  </p:cSld>
+  <p:clrMapOvr>
+    <a:masterClrMapping/>
+  </p:clrMapOvr>
+</p:sld>
+</file>
+
+<file path=ppt/slides/slide15.xml><?xml version="1.0" encoding="utf-8"?>
+<p:sld xmlns:a="http://schemas.openxmlformats.org/drawingml/2006/main" xmlns:r="http://schemas.openxmlformats.org/officeDocument/2006/relationships" xmlns:p="http://schemas.openxmlformats.org/presentationml/2006/main">
+  <p:cSld>
+    <p:spTree>
+      <p:nvGrpSpPr>
+        <p:cNvPr id="1" name=""/>
+        <p:cNvGrpSpPr/>
+        <p:nvPr/>
+      </p:nvGrpSpPr>
+      <p:grpSpPr>
+        <a:xfrm>
+          <a:off x="0" y="0"/>
+          <a:ext cx="0" cy="0"/>
+          <a:chOff x="0" y="0"/>
+          <a:chExt cx="0" cy="0"/>
+        </a:xfrm>
+      </p:grpSpPr>
+      <p:sp>
+        <p:nvSpPr>
+          <p:cNvPr id="2" name="Title 1"/>
+          <p:cNvSpPr>
+            <a:spLocks noGrp="1"/>
+          </p:cNvSpPr>
+          <p:nvPr>
+            <p:ph type="title"/>
+          </p:nvPr>
+        </p:nvSpPr>
+        <p:spPr/>
+        <p:txBody>
+          <a:bodyPr/>
+          <a:lstStyle/>
+          <a:p>
+            <a:r>
+              <a:rPr lang="en-US" dirty="0" smtClean="0"/>
+              <a:t>Normalization of Global Effects</a:t>
+            </a:r>
+            <a:endParaRPr lang="en-US" dirty="0"/>
+          </a:p>
+        </p:txBody>
+      </p:sp>
+      <p:sp>
+        <p:nvSpPr>
+          <p:cNvPr id="3" name="Content Placeholder 2"/>
+          <p:cNvSpPr>
+            <a:spLocks noGrp="1"/>
+          </p:cNvSpPr>
+          <p:nvPr>
+            <p:ph idx="1"/>
+          </p:nvPr>
+        </p:nvSpPr>
+        <p:spPr/>
+        <p:txBody>
+          <a:bodyPr>
+            <a:normAutofit fontScale="85000" lnSpcReduction="10000"/>
+          </a:bodyPr>
+          <a:lstStyle/>
+          <a:p>
+            <a:r>
+              <a:rPr lang="en-US" dirty="0" smtClean="0"/>
+              <a:t>Users and businesses tend to develop a bias. By normalizing, you are able to find the true interaction between a user and a business.</a:t>
+            </a:r>
+          </a:p>
+          <a:p>
+            <a:r>
+              <a:rPr lang="en-US" dirty="0" smtClean="0"/>
+              <a:t>The idea is to break a rating into different effects</a:t>
+            </a:r>
+          </a:p>
+          <a:p>
+            <a:pPr lvl="1"/>
+            <a:r>
+              <a:rPr lang="en-US" dirty="0" smtClean="0"/>
+              <a:t>Global effect: This is the average of all ratings</a:t>
+            </a:r>
+          </a:p>
+          <a:p>
+            <a:pPr lvl="1"/>
+            <a:r>
+              <a:rPr lang="en-US" dirty="0" smtClean="0"/>
+              <a:t>Business effect: The bias in the businesses ratings</a:t>
+            </a:r>
+          </a:p>
+          <a:p>
+            <a:pPr lvl="1"/>
+            <a:r>
+              <a:rPr lang="en-US" dirty="0" smtClean="0"/>
+              <a:t>User effect: The bias in the user’s ratings</a:t>
+            </a:r>
+          </a:p>
+          <a:p>
+            <a:pPr lvl="1"/>
+            <a:r>
+              <a:rPr lang="en-US" dirty="0" smtClean="0"/>
+              <a:t>Interaction: The specific interaction between the user and the business.</a:t>
+            </a:r>
+          </a:p>
+          <a:p>
+            <a:pPr lvl="1"/>
+            <a:r>
+              <a:rPr lang="en-US" dirty="0" smtClean="0"/>
+              <a:t>Other effects could make the users rating depend upon the businesses average, time, number of ratings, </a:t>
+            </a:r>
+            <a:r>
+              <a:rPr lang="en-US" dirty="0" err="1" smtClean="0"/>
+              <a:t>etc</a:t>
+            </a:r>
+            <a:endParaRPr lang="en-US" dirty="0" smtClean="0"/>
+          </a:p>
+        </p:txBody>
+      </p:sp>
+    </p:spTree>
+    <p:extLst>
+      <p:ext uri="{BB962C8B-B14F-4D97-AF65-F5344CB8AC3E}">
+        <p14:creationId xmlns:p14="http://schemas.microsoft.com/office/powerpoint/2010/main" val="322045502"/>
+      </p:ext>
+    </p:extLst>
+  </p:cSld>
+  <p:clrMapOvr>
+    <a:masterClrMapping/>
+  </p:clrMapOvr>
+</p:sld>
+</file>
+
+<file path=ppt/slides/slide16.xml><?xml version="1.0" encoding="utf-8"?>
+<p:sld xmlns:a="http://schemas.openxmlformats.org/drawingml/2006/main" xmlns:r="http://schemas.openxmlformats.org/officeDocument/2006/relationships" xmlns:p="http://schemas.openxmlformats.org/presentationml/2006/main">
+  <p:cSld>
+    <p:spTree>
+      <p:nvGrpSpPr>
+        <p:cNvPr id="1" name=""/>
+        <p:cNvGrpSpPr/>
+        <p:nvPr/>
+      </p:nvGrpSpPr>
+      <p:grpSpPr>
+        <a:xfrm>
+          <a:off x="0" y="0"/>
+          <a:ext cx="0" cy="0"/>
+          <a:chOff x="0" y="0"/>
+          <a:chExt cx="0" cy="0"/>
+        </a:xfrm>
+      </p:grpSpPr>
+      <p:sp>
+        <p:nvSpPr>
+          <p:cNvPr id="2" name="Title 1"/>
+          <p:cNvSpPr>
+            <a:spLocks noGrp="1"/>
+          </p:cNvSpPr>
+          <p:nvPr>
+            <p:ph type="title"/>
+          </p:nvPr>
+        </p:nvSpPr>
+        <p:spPr/>
+        <p:txBody>
+          <a:bodyPr/>
+          <a:lstStyle/>
+          <a:p>
+            <a:r>
+              <a:rPr lang="en-US" dirty="0" smtClean="0"/>
+              <a:t>Example of Normalization</a:t>
+            </a:r>
+            <a:endParaRPr lang="en-US" dirty="0"/>
+          </a:p>
+        </p:txBody>
+      </p:sp>
+      <p:sp>
+        <p:nvSpPr>
+          <p:cNvPr id="3" name="Content Placeholder 2"/>
+          <p:cNvSpPr>
+            <a:spLocks noGrp="1"/>
+          </p:cNvSpPr>
+          <p:nvPr>
+            <p:ph idx="1"/>
+          </p:nvPr>
+        </p:nvSpPr>
+        <p:spPr>
+          <a:xfrm>
+            <a:off x="457200" y="1600200"/>
+            <a:ext cx="8229600" cy="5181600"/>
+          </a:xfrm>
+        </p:spPr>
+        <p:txBody>
+          <a:bodyPr>
+            <a:normAutofit fontScale="92500" lnSpcReduction="20000"/>
+          </a:bodyPr>
+          <a:lstStyle/>
+          <a:p>
+            <a:r>
+              <a:rPr lang="en-US" dirty="0" smtClean="0"/>
+              <a:t>For example, imagine user </a:t>
+            </a:r>
+            <a:r>
+              <a:rPr lang="en-US" dirty="0" err="1" smtClean="0"/>
+              <a:t>HarvardHippie</a:t>
+            </a:r>
+            <a:r>
+              <a:rPr lang="en-US" dirty="0" smtClean="0"/>
+              <a:t> rates Hoagie Haven 1 star</a:t>
+            </a:r>
+          </a:p>
+          <a:p>
+            <a:pPr lvl="1"/>
+            <a:r>
+              <a:rPr lang="en-US" dirty="0" smtClean="0"/>
+              <a:t>We break this up into four effects</a:t>
+            </a:r>
+          </a:p>
+          <a:p>
+            <a:pPr lvl="1"/>
+            <a:r>
+              <a:rPr lang="en-US" dirty="0" smtClean="0"/>
+              <a:t>Global: The sites average rating is 3.2 stars</a:t>
+            </a:r>
+          </a:p>
+          <a:p>
+            <a:pPr lvl="1"/>
+            <a:r>
+              <a:rPr lang="en-US" dirty="0" smtClean="0"/>
+              <a:t>Hoagie Haven: Average rating is 4.5 stars, thus Hoagie Haven has a +1.3 effect</a:t>
+            </a:r>
+          </a:p>
+          <a:p>
+            <a:pPr lvl="1"/>
+            <a:r>
+              <a:rPr lang="en-US" dirty="0" err="1" smtClean="0"/>
+              <a:t>HarvardHippie</a:t>
+            </a:r>
+            <a:r>
+              <a:rPr lang="en-US" dirty="0" smtClean="0"/>
+              <a:t>: Average rating is 2.1 stars, thus has a   -1.1 effect</a:t>
+            </a:r>
+          </a:p>
+          <a:p>
+            <a:pPr lvl="1"/>
+            <a:r>
+              <a:rPr lang="en-US" dirty="0" smtClean="0"/>
+              <a:t>Specific Interaction: This 1 star rating is thus broken into </a:t>
+            </a:r>
+          </a:p>
+          <a:p>
+            <a:pPr lvl="2"/>
+            <a:r>
+              <a:rPr lang="en-US" dirty="0" smtClean="0"/>
+              <a:t>1 = 3.2 (global) + 1.3 (Hoagie Haven) – 1.1 (</a:t>
+            </a:r>
+            <a:r>
+              <a:rPr lang="en-US" dirty="0" err="1" smtClean="0"/>
+              <a:t>HarvardHippie</a:t>
+            </a:r>
+            <a:r>
+              <a:rPr lang="en-US" dirty="0" smtClean="0"/>
+              <a:t>)	– 2.4 (Hoagie Haven to </a:t>
+            </a:r>
+            <a:r>
+              <a:rPr lang="en-US" dirty="0" err="1" smtClean="0"/>
+              <a:t>HarvardHippie</a:t>
+            </a:r>
+            <a:r>
+              <a:rPr lang="en-US" dirty="0" smtClean="0"/>
+              <a:t> specific)</a:t>
+            </a:r>
+          </a:p>
+          <a:p>
+            <a:pPr lvl="2"/>
+            <a:r>
+              <a:rPr lang="en-US" dirty="0" smtClean="0"/>
+              <a:t>Thus the specific interaction between Hoagie Haven and </a:t>
+            </a:r>
+            <a:r>
+              <a:rPr lang="en-US" dirty="0" err="1" smtClean="0"/>
+              <a:t>HarvardHippie</a:t>
+            </a:r>
+            <a:r>
+              <a:rPr lang="en-US" dirty="0" smtClean="0"/>
+              <a:t> is -2.4</a:t>
+            </a:r>
+          </a:p>
+        </p:txBody>
+      </p:sp>
+    </p:spTree>
+    <p:extLst>
+      <p:ext uri="{BB962C8B-B14F-4D97-AF65-F5344CB8AC3E}">
+        <p14:creationId xmlns:p14="http://schemas.microsoft.com/office/powerpoint/2010/main" val="279114198"/>
+      </p:ext>
+    </p:extLst>
+  </p:cSld>
+  <p:clrMapOvr>
+    <a:masterClrMapping/>
+  </p:clrMapOvr>
+</p:sld>
+</file>
+
+<file path=ppt/slides/slide17.xml><?xml version="1.0" encoding="utf-8"?>
+<p:sld xmlns:a="http://schemas.openxmlformats.org/drawingml/2006/main" xmlns:r="http://schemas.openxmlformats.org/officeDocument/2006/relationships" xmlns:p="http://schemas.openxmlformats.org/presentationml/2006/main">
+  <p:cSld>
+    <p:spTree>
+      <p:nvGrpSpPr>
+        <p:cNvPr id="1" name=""/>
+        <p:cNvGrpSpPr/>
+        <p:nvPr/>
+      </p:nvGrpSpPr>
+      <p:grpSpPr>
+        <a:xfrm>
+          <a:off x="0" y="0"/>
+          <a:ext cx="0" cy="0"/>
+          <a:chOff x="0" y="0"/>
+          <a:chExt cx="0" cy="0"/>
+        </a:xfrm>
+      </p:grpSpPr>
+      <p:sp>
+        <p:nvSpPr>
+          <p:cNvPr id="2" name="Title 1"/>
+          <p:cNvSpPr>
+            <a:spLocks noGrp="1"/>
+          </p:cNvSpPr>
+          <p:nvPr>
+            <p:ph type="title"/>
+          </p:nvPr>
+        </p:nvSpPr>
+        <p:spPr/>
+        <p:txBody>
+          <a:bodyPr/>
+          <a:lstStyle/>
+          <a:p>
+            <a:r>
+              <a:rPr lang="en-US" dirty="0" smtClean="0"/>
+              <a:t>Goal is Recommendation</a:t>
+            </a:r>
+            <a:endParaRPr lang="en-US" dirty="0"/>
+          </a:p>
+        </p:txBody>
+      </p:sp>
+      <p:sp>
+        <p:nvSpPr>
+          <p:cNvPr id="3" name="Content Placeholder 2"/>
+          <p:cNvSpPr>
+            <a:spLocks noGrp="1"/>
+          </p:cNvSpPr>
+          <p:nvPr>
+            <p:ph idx="1"/>
+          </p:nvPr>
+        </p:nvSpPr>
+        <p:spPr/>
+        <p:txBody>
+          <a:bodyPr/>
+          <a:lstStyle/>
+          <a:p>
+            <a:r>
+              <a:rPr lang="en-US" dirty="0" smtClean="0"/>
+              <a:t>Our end goal is to recommend businesses to users, not necessarily predict a users specific rating.</a:t>
+            </a:r>
+          </a:p>
+          <a:p>
+            <a:r>
+              <a:rPr lang="en-US" dirty="0" smtClean="0"/>
+              <a:t>Final evaluation will be to see if we can accurately guess what someone will really like</a:t>
+            </a:r>
+          </a:p>
+        </p:txBody>
+      </p:sp>
+    </p:spTree>
+    <p:extLst>
+      <p:ext uri="{BB962C8B-B14F-4D97-AF65-F5344CB8AC3E}">
+        <p14:creationId xmlns:p14="http://schemas.microsoft.com/office/powerpoint/2010/main" val="113166964"/>
       </p:ext>
     </p:extLst>
   </p:cSld>
@@ -3245,8 +6420,13 @@
           <a:p>
             <a:r>
               <a:rPr lang="en-US" dirty="0" smtClean="0"/>
-              <a:t>We will give ratings by NMF</a:t>
-            </a:r>
+              <a:t>We will give ratings </a:t>
+            </a:r>
+            <a:r>
+              <a:rPr lang="en-US" dirty="0" smtClean="0"/>
+              <a:t>by Nonnegative Matrix Factorization (NMF)</a:t>
+            </a:r>
+            <a:endParaRPr lang="en-US" dirty="0" smtClean="0"/>
           </a:p>
           <a:p>
             <a:r>
@@ -3257,7 +6437,17 @@
           <a:p>
             <a:r>
               <a:rPr lang="en-US" dirty="0" smtClean="0"/>
-              <a:t>If user </a:t>
+              <a:t>It relates both users and businesses to these factors</a:t>
+            </a:r>
+          </a:p>
+          <a:p>
+            <a:r>
+              <a:rPr lang="en-US" dirty="0" smtClean="0"/>
+              <a:t>If </a:t>
+            </a:r>
+            <a:r>
+              <a:rPr lang="en-US" dirty="0" smtClean="0"/>
+              <a:t>user </a:t>
             </a:r>
             <a:r>
               <a:rPr lang="en-US" i="1" dirty="0" smtClean="0"/>
@@ -3281,7 +6471,11 @@
             </a:r>
             <a:r>
               <a:rPr lang="en-US" dirty="0" smtClean="0"/>
-              <a:t> will like restaurant </a:t>
+              <a:t> will like </a:t>
+            </a:r>
+            <a:r>
+              <a:rPr lang="en-US" dirty="0" smtClean="0"/>
+              <a:t>  restaurant </a:t>
             </a:r>
             <a:r>
               <a:rPr lang="en-US" i="1" dirty="0" smtClean="0"/>
@@ -3320,6 +6514,110 @@
           <a:chExt cx="0" cy="0"/>
         </a:xfrm>
       </p:grpSpPr>
+      <p:sp>
+        <p:nvSpPr>
+          <p:cNvPr id="37" name="Rectangle 36"/>
+          <p:cNvSpPr/>
+          <p:nvPr/>
+        </p:nvSpPr>
+        <p:spPr>
+          <a:xfrm>
+            <a:off x="67270" y="4114800"/>
+            <a:ext cx="9000530" cy="2733020"/>
+          </a:xfrm>
+          <a:prstGeom prst="rect">
+            <a:avLst/>
+          </a:prstGeom>
+          <a:solidFill>
+            <a:schemeClr val="accent1">
+              <a:alpha val="11000"/>
+            </a:schemeClr>
+          </a:solidFill>
+          <a:ln>
+            <a:solidFill>
+              <a:schemeClr val="accent1">
+                <a:shade val="50000"/>
+              </a:schemeClr>
+            </a:solidFill>
+          </a:ln>
+        </p:spPr>
+        <p:style>
+          <a:lnRef idx="2">
+            <a:schemeClr val="accent1">
+              <a:shade val="50000"/>
+            </a:schemeClr>
+          </a:lnRef>
+          <a:fillRef idx="1">
+            <a:schemeClr val="accent1"/>
+          </a:fillRef>
+          <a:effectRef idx="0">
+            <a:schemeClr val="accent1"/>
+          </a:effectRef>
+          <a:fontRef idx="minor">
+            <a:schemeClr val="lt1"/>
+          </a:fontRef>
+        </p:style>
+        <p:txBody>
+          <a:bodyPr rtlCol="0" anchor="ctr"/>
+          <a:lstStyle/>
+          <a:p>
+            <a:pPr algn="ctr"/>
+            <a:endParaRPr lang="en-US" dirty="0"/>
+          </a:p>
+        </p:txBody>
+      </p:sp>
+      <p:sp>
+        <p:nvSpPr>
+          <p:cNvPr id="2" name="Rectangle 1"/>
+          <p:cNvSpPr/>
+          <p:nvPr/>
+        </p:nvSpPr>
+        <p:spPr>
+          <a:xfrm>
+            <a:off x="67270" y="152400"/>
+            <a:ext cx="9000530" cy="2733020"/>
+          </a:xfrm>
+          <a:prstGeom prst="rect">
+            <a:avLst/>
+          </a:prstGeom>
+          <a:solidFill>
+            <a:schemeClr val="accent1">
+              <a:alpha val="11000"/>
+            </a:schemeClr>
+          </a:solidFill>
+          <a:ln>
+            <a:solidFill>
+              <a:schemeClr val="accent1">
+                <a:shade val="50000"/>
+              </a:schemeClr>
+            </a:solidFill>
+          </a:ln>
+        </p:spPr>
+        <p:style>
+          <a:lnRef idx="2">
+            <a:schemeClr val="accent1">
+              <a:shade val="50000"/>
+            </a:schemeClr>
+          </a:lnRef>
+          <a:fillRef idx="1">
+            <a:schemeClr val="accent1"/>
+          </a:fillRef>
+          <a:effectRef idx="0">
+            <a:schemeClr val="accent1"/>
+          </a:effectRef>
+          <a:fontRef idx="minor">
+            <a:schemeClr val="lt1"/>
+          </a:fontRef>
+        </p:style>
+        <p:txBody>
+          <a:bodyPr rtlCol="0" anchor="ctr"/>
+          <a:lstStyle/>
+          <a:p>
+            <a:pPr algn="ctr"/>
+            <a:endParaRPr lang="en-US" dirty="0"/>
+          </a:p>
+        </p:txBody>
+      </p:sp>
       <p:graphicFrame>
         <p:nvGraphicFramePr>
           <p:cNvPr id="4" name="Table 3"/>
@@ -3916,7 +7214,7 @@
         <p:spPr>
           <a:xfrm>
             <a:off x="3060061" y="2362200"/>
-            <a:ext cx="2719078" cy="523220"/>
+            <a:ext cx="4474366" cy="523220"/>
           </a:xfrm>
           <a:prstGeom prst="rect">
             <a:avLst/>
@@ -3931,7 +7229,11 @@
           <a:p>
             <a:r>
               <a:rPr lang="en-US" sz="2800" dirty="0" smtClean="0"/>
-              <a:t>+ K latent factors </a:t>
+              <a:t>+ </a:t>
+            </a:r>
+            <a:r>
+              <a:rPr lang="en-US" sz="2800" dirty="0" smtClean="0"/>
+              <a:t>K (number of latent factors)</a:t>
             </a:r>
             <a:endParaRPr lang="en-US" sz="2800" dirty="0"/>
           </a:p>
@@ -3946,13 +7248,13 @@
           <p:nvPr>
             <p:extLst>
               <p:ext uri="{D42A27DB-BD31-4B8C-83A1-F6EECF244321}">
-                <p14:modId xmlns:p14="http://schemas.microsoft.com/office/powerpoint/2010/main" val="3761725101"/>
+                <p14:modId xmlns:p14="http://schemas.microsoft.com/office/powerpoint/2010/main" val="693061762"/>
               </p:ext>
             </p:extLst>
           </p:nvPr>
         </p:nvGraphicFramePr>
         <p:xfrm>
-          <a:off x="304800" y="4095750"/>
+          <a:off x="412945" y="4786748"/>
           <a:ext cx="3657600" cy="1112520"/>
         </p:xfrm>
         <a:graphic>
@@ -4122,7 +7424,7 @@
         </p:nvSpPr>
         <p:spPr>
           <a:xfrm>
-            <a:off x="4028209" y="4287138"/>
+            <a:off x="4136354" y="4978136"/>
             <a:ext cx="433132" cy="523220"/>
           </a:xfrm>
           <a:prstGeom prst="rect">
@@ -4152,7 +7454,7 @@
         </p:nvSpPr>
         <p:spPr>
           <a:xfrm>
-            <a:off x="4028209" y="3901259"/>
+            <a:off x="4136354" y="4592257"/>
             <a:ext cx="433132" cy="523220"/>
           </a:xfrm>
           <a:prstGeom prst="rect">
@@ -4182,7 +7484,7 @@
         </p:nvSpPr>
         <p:spPr>
           <a:xfrm>
-            <a:off x="4028209" y="4633991"/>
+            <a:off x="4136354" y="5324989"/>
             <a:ext cx="433132" cy="523220"/>
           </a:xfrm>
           <a:prstGeom prst="rect">
@@ -4212,7 +7514,7 @@
         </p:nvSpPr>
         <p:spPr>
           <a:xfrm>
-            <a:off x="1374576" y="5172609"/>
+            <a:off x="1482721" y="5863607"/>
             <a:ext cx="615553" cy="340799"/>
           </a:xfrm>
           <a:prstGeom prst="rect">
@@ -4242,7 +7544,7 @@
         </p:nvSpPr>
         <p:spPr>
           <a:xfrm>
-            <a:off x="3157199" y="5179889"/>
+            <a:off x="3265344" y="5870887"/>
             <a:ext cx="615553" cy="340799"/>
           </a:xfrm>
           <a:prstGeom prst="rect">
@@ -4272,7 +7574,7 @@
         </p:nvSpPr>
         <p:spPr>
           <a:xfrm>
-            <a:off x="261599" y="5179890"/>
+            <a:off x="369744" y="5870888"/>
             <a:ext cx="615553" cy="340799"/>
           </a:xfrm>
           <a:prstGeom prst="rect">
@@ -4303,13 +7605,13 @@
           <p:nvPr>
             <p:extLst>
               <p:ext uri="{D42A27DB-BD31-4B8C-83A1-F6EECF244321}">
-                <p14:modId xmlns:p14="http://schemas.microsoft.com/office/powerpoint/2010/main" val="69952500"/>
+                <p14:modId xmlns:p14="http://schemas.microsoft.com/office/powerpoint/2010/main" val="1466562823"/>
               </p:ext>
             </p:extLst>
           </p:nvPr>
         </p:nvGraphicFramePr>
         <p:xfrm>
-          <a:off x="4876800" y="5213143"/>
+          <a:off x="5029866" y="4768729"/>
           <a:ext cx="3492500" cy="1112520"/>
         </p:xfrm>
         <a:graphic>
@@ -4553,7 +7855,7 @@
         </p:nvSpPr>
         <p:spPr>
           <a:xfrm>
-            <a:off x="8382000" y="5467277"/>
+            <a:off x="8535066" y="5022863"/>
             <a:ext cx="433132" cy="523220"/>
           </a:xfrm>
           <a:prstGeom prst="rect">
@@ -4583,7 +7885,7 @@
         </p:nvSpPr>
         <p:spPr>
           <a:xfrm>
-            <a:off x="8382000" y="5081398"/>
+            <a:off x="8535066" y="4636984"/>
             <a:ext cx="433132" cy="523220"/>
           </a:xfrm>
           <a:prstGeom prst="rect">
@@ -4613,7 +7915,7 @@
         </p:nvSpPr>
         <p:spPr>
           <a:xfrm>
-            <a:off x="8382000" y="5814130"/>
+            <a:off x="8535066" y="5369716"/>
             <a:ext cx="433132" cy="523220"/>
           </a:xfrm>
           <a:prstGeom prst="rect">
@@ -4643,7 +7945,7 @@
         </p:nvSpPr>
         <p:spPr>
           <a:xfrm>
-            <a:off x="4876800" y="6337350"/>
+            <a:off x="5029866" y="5892936"/>
             <a:ext cx="615553" cy="340799"/>
           </a:xfrm>
           <a:prstGeom prst="rect">
@@ -4673,7 +7975,7 @@
         </p:nvSpPr>
         <p:spPr>
           <a:xfrm>
-            <a:off x="5517450" y="6337349"/>
+            <a:off x="5670516" y="5892935"/>
             <a:ext cx="615553" cy="340799"/>
           </a:xfrm>
           <a:prstGeom prst="rect">
@@ -4703,7 +8005,7 @@
         </p:nvSpPr>
         <p:spPr>
           <a:xfrm>
-            <a:off x="6248400" y="6337348"/>
+            <a:off x="6401466" y="5892934"/>
             <a:ext cx="615553" cy="340799"/>
           </a:xfrm>
           <a:prstGeom prst="rect">
@@ -4733,7 +8035,7 @@
         </p:nvSpPr>
         <p:spPr>
           <a:xfrm>
-            <a:off x="6973152" y="6337347"/>
+            <a:off x="7126218" y="5892933"/>
             <a:ext cx="615553" cy="340799"/>
           </a:xfrm>
           <a:prstGeom prst="rect">
@@ -4763,7 +8065,7 @@
         </p:nvSpPr>
         <p:spPr>
           <a:xfrm>
-            <a:off x="7651050" y="6337346"/>
+            <a:off x="7804116" y="5892932"/>
             <a:ext cx="615553" cy="340799"/>
           </a:xfrm>
           <a:prstGeom prst="rect">
@@ -4782,6 +8084,264 @@
               <a:t>…</a:t>
             </a:r>
             <a:endParaRPr lang="en-US" sz="2800" dirty="0"/>
+          </a:p>
+        </p:txBody>
+      </p:sp>
+      <p:sp>
+        <p:nvSpPr>
+          <p:cNvPr id="3" name="TextBox 2"/>
+          <p:cNvSpPr txBox="1"/>
+          <p:nvPr/>
+        </p:nvSpPr>
+        <p:spPr>
+          <a:xfrm>
+            <a:off x="183882" y="3122487"/>
+            <a:ext cx="1406154" cy="769441"/>
+          </a:xfrm>
+          <a:prstGeom prst="rect">
+            <a:avLst/>
+          </a:prstGeom>
+          <a:noFill/>
+        </p:spPr>
+        <p:txBody>
+          <a:bodyPr wrap="none" rtlCol="0">
+            <a:spAutoFit/>
+          </a:bodyPr>
+          <a:lstStyle/>
+          <a:p>
+            <a:r>
+              <a:rPr lang="en-US" sz="4400" dirty="0" smtClean="0"/>
+              <a:t>Input</a:t>
+            </a:r>
+            <a:endParaRPr lang="en-US" sz="4400" dirty="0"/>
+          </a:p>
+        </p:txBody>
+      </p:sp>
+      <p:sp>
+        <p:nvSpPr>
+          <p:cNvPr id="38" name="TextBox 37"/>
+          <p:cNvSpPr txBox="1"/>
+          <p:nvPr/>
+        </p:nvSpPr>
+        <p:spPr>
+          <a:xfrm>
+            <a:off x="6219799" y="3122487"/>
+            <a:ext cx="1826141" cy="769441"/>
+          </a:xfrm>
+          <a:prstGeom prst="rect">
+            <a:avLst/>
+          </a:prstGeom>
+          <a:noFill/>
+        </p:spPr>
+        <p:txBody>
+          <a:bodyPr wrap="none" rtlCol="0">
+            <a:spAutoFit/>
+          </a:bodyPr>
+          <a:lstStyle/>
+          <a:p>
+            <a:r>
+              <a:rPr lang="en-US" sz="4400" dirty="0" smtClean="0"/>
+              <a:t>Output</a:t>
+            </a:r>
+            <a:endParaRPr lang="en-US" sz="4400" dirty="0"/>
+          </a:p>
+        </p:txBody>
+      </p:sp>
+      <p:cxnSp>
+        <p:nvCxnSpPr>
+          <p:cNvPr id="39" name="Straight Arrow Connector 38"/>
+          <p:cNvCxnSpPr/>
+          <p:nvPr/>
+        </p:nvCxnSpPr>
+        <p:spPr>
+          <a:xfrm flipH="1" flipV="1">
+            <a:off x="877152" y="2885420"/>
+            <a:ext cx="9808" cy="467380"/>
+          </a:xfrm>
+          <a:prstGeom prst="straightConnector1">
+            <a:avLst/>
+          </a:prstGeom>
+          <a:ln w="25400">
+            <a:tailEnd type="arrow"/>
+          </a:ln>
+        </p:spPr>
+        <p:style>
+          <a:lnRef idx="1">
+            <a:schemeClr val="accent1"/>
+          </a:lnRef>
+          <a:fillRef idx="0">
+            <a:schemeClr val="accent1"/>
+          </a:fillRef>
+          <a:effectRef idx="0">
+            <a:schemeClr val="accent1"/>
+          </a:effectRef>
+          <a:fontRef idx="minor">
+            <a:schemeClr val="tx1"/>
+          </a:fontRef>
+        </p:style>
+      </p:cxnSp>
+      <p:cxnSp>
+        <p:nvCxnSpPr>
+          <p:cNvPr id="40" name="Straight Arrow Connector 39"/>
+          <p:cNvCxnSpPr/>
+          <p:nvPr/>
+        </p:nvCxnSpPr>
+        <p:spPr>
+          <a:xfrm>
+            <a:off x="7248808" y="3776990"/>
+            <a:ext cx="6688" cy="318760"/>
+          </a:xfrm>
+          <a:prstGeom prst="straightConnector1">
+            <a:avLst/>
+          </a:prstGeom>
+          <a:ln w="25400">
+            <a:tailEnd type="arrow"/>
+          </a:ln>
+        </p:spPr>
+        <p:style>
+          <a:lnRef idx="1">
+            <a:schemeClr val="accent1"/>
+          </a:lnRef>
+          <a:fillRef idx="0">
+            <a:schemeClr val="accent1"/>
+          </a:fillRef>
+          <a:effectRef idx="0">
+            <a:schemeClr val="accent1"/>
+          </a:effectRef>
+          <a:fontRef idx="minor">
+            <a:schemeClr val="tx1"/>
+          </a:fontRef>
+        </p:style>
+      </p:cxnSp>
+      <p:sp>
+        <p:nvSpPr>
+          <p:cNvPr id="43" name="TextBox 42"/>
+          <p:cNvSpPr txBox="1"/>
+          <p:nvPr/>
+        </p:nvSpPr>
+        <p:spPr>
+          <a:xfrm>
+            <a:off x="0" y="5067487"/>
+            <a:ext cx="615553" cy="867738"/>
+          </a:xfrm>
+          <a:prstGeom prst="rect">
+            <a:avLst/>
+          </a:prstGeom>
+          <a:noFill/>
+        </p:spPr>
+        <p:txBody>
+          <a:bodyPr vert="vert270" wrap="none" rtlCol="0">
+            <a:spAutoFit/>
+          </a:bodyPr>
+          <a:lstStyle/>
+          <a:p>
+            <a:r>
+              <a:rPr lang="en-US" sz="2400" dirty="0" smtClean="0"/>
+              <a:t>Users</a:t>
+            </a:r>
+            <a:r>
+              <a:rPr lang="en-US" sz="2800" dirty="0" smtClean="0"/>
+              <a:t> </a:t>
+            </a:r>
+            <a:endParaRPr lang="en-US" sz="2800" dirty="0"/>
+          </a:p>
+        </p:txBody>
+      </p:sp>
+      <p:sp>
+        <p:nvSpPr>
+          <p:cNvPr id="44" name="TextBox 43"/>
+          <p:cNvSpPr txBox="1"/>
+          <p:nvPr/>
+        </p:nvSpPr>
+        <p:spPr>
+          <a:xfrm>
+            <a:off x="1082996" y="4375374"/>
+            <a:ext cx="2018501" cy="523220"/>
+          </a:xfrm>
+          <a:prstGeom prst="rect">
+            <a:avLst/>
+          </a:prstGeom>
+          <a:noFill/>
+        </p:spPr>
+        <p:txBody>
+          <a:bodyPr vert="horz" wrap="none" rtlCol="0">
+            <a:spAutoFit/>
+          </a:bodyPr>
+          <a:lstStyle/>
+          <a:p>
+            <a:r>
+              <a:rPr lang="en-US" sz="2400" dirty="0" smtClean="0"/>
+              <a:t>Latent Factors</a:t>
+            </a:r>
+            <a:r>
+              <a:rPr lang="en-US" sz="2800" dirty="0" smtClean="0"/>
+              <a:t> </a:t>
+            </a:r>
+            <a:endParaRPr lang="en-US" sz="2800" dirty="0"/>
+          </a:p>
+        </p:txBody>
+      </p:sp>
+      <p:sp>
+        <p:nvSpPr>
+          <p:cNvPr id="45" name="TextBox 44"/>
+          <p:cNvSpPr txBox="1"/>
+          <p:nvPr/>
+        </p:nvSpPr>
+        <p:spPr>
+          <a:xfrm>
+            <a:off x="4553219" y="4623515"/>
+            <a:ext cx="615553" cy="1926168"/>
+          </a:xfrm>
+          <a:prstGeom prst="rect">
+            <a:avLst/>
+          </a:prstGeom>
+          <a:noFill/>
+        </p:spPr>
+        <p:txBody>
+          <a:bodyPr vert="vert270" wrap="none" rtlCol="0">
+            <a:spAutoFit/>
+          </a:bodyPr>
+          <a:lstStyle/>
+          <a:p>
+            <a:r>
+              <a:rPr lang="en-US" sz="2400" dirty="0" smtClean="0"/>
+              <a:t>Latent Factors</a:t>
+            </a:r>
+            <a:r>
+              <a:rPr lang="en-US" sz="2800" dirty="0" smtClean="0"/>
+              <a:t> </a:t>
+            </a:r>
+            <a:endParaRPr lang="en-US" sz="2800" dirty="0"/>
+          </a:p>
+        </p:txBody>
+      </p:sp>
+      <p:sp>
+        <p:nvSpPr>
+          <p:cNvPr id="46" name="TextBox 45"/>
+          <p:cNvSpPr txBox="1"/>
+          <p:nvPr/>
+        </p:nvSpPr>
+        <p:spPr>
+          <a:xfrm>
+            <a:off x="5774009" y="4375374"/>
+            <a:ext cx="1534394" cy="461665"/>
+          </a:xfrm>
+          <a:prstGeom prst="rect">
+            <a:avLst/>
+          </a:prstGeom>
+          <a:noFill/>
+        </p:spPr>
+        <p:txBody>
+          <a:bodyPr vert="horz" wrap="none" rtlCol="0">
+            <a:spAutoFit/>
+          </a:bodyPr>
+          <a:lstStyle/>
+          <a:p>
+            <a:r>
+              <a:rPr lang="en-US" sz="2400" dirty="0" smtClean="0"/>
+              <a:t>Businesses</a:t>
+            </a:r>
+            <a:endParaRPr lang="en-US" sz="2400" dirty="0"/>
           </a:p>
         </p:txBody>
       </p:sp>
@@ -5712,7 +9272,7 @@
         <p:spPr>
           <a:xfrm>
             <a:off x="4046091" y="3255720"/>
-            <a:ext cx="420409" cy="968514"/>
+            <a:ext cx="420409" cy="782880"/>
           </a:xfrm>
           <a:prstGeom prst="downArrow">
             <a:avLst/>
@@ -5752,14 +9312,14 @@
           <p:nvPr>
             <p:extLst>
               <p:ext uri="{D42A27DB-BD31-4B8C-83A1-F6EECF244321}">
-                <p14:modId xmlns:p14="http://schemas.microsoft.com/office/powerpoint/2010/main" val="1169790426"/>
+                <p14:modId xmlns:p14="http://schemas.microsoft.com/office/powerpoint/2010/main" val="2417376959"/>
               </p:ext>
             </p:extLst>
           </p:nvPr>
         </p:nvGraphicFramePr>
         <p:xfrm>
-          <a:off x="533483" y="5181600"/>
-          <a:ext cx="7543800" cy="1112520"/>
+          <a:off x="523204" y="4971721"/>
+          <a:ext cx="7543800" cy="1483360"/>
         </p:xfrm>
         <a:graphic>
           <a:graphicData uri="http://schemas.openxmlformats.org/drawingml/2006/table">
@@ -5768,11 +9328,15 @@
                 <a:tableStyleId>{5C22544A-7EE6-4342-B048-85BDC9FD1C3A}</a:tableStyleId>
               </a:tblPr>
               <a:tblGrid>
-                <a:gridCol w="1508760"/>
-                <a:gridCol w="1508760"/>
-                <a:gridCol w="1508760"/>
-                <a:gridCol w="1508760"/>
-                <a:gridCol w="1508760"/>
+                <a:gridCol w="990517"/>
+                <a:gridCol w="914400"/>
+                <a:gridCol w="1112603"/>
+                <a:gridCol w="754380"/>
+                <a:gridCol w="754380"/>
+                <a:gridCol w="754380"/>
+                <a:gridCol w="754380"/>
+                <a:gridCol w="754380"/>
+                <a:gridCol w="754380"/>
               </a:tblGrid>
               <a:tr h="370840">
                 <a:tc>
@@ -5785,7 +9349,7 @@
                   </a:txBody>
                   <a:tcPr/>
                 </a:tc>
-                <a:tc>
+                <a:tc gridSpan="2">
                   <a:txBody>
                     <a:bodyPr/>
                     <a:lstStyle/>
@@ -5799,7 +9363,17 @@
                   </a:txBody>
                   <a:tcPr/>
                 </a:tc>
-                <a:tc>
+                <a:tc hMerge="1">
+                  <a:txBody>
+                    <a:bodyPr/>
+                    <a:lstStyle/>
+                    <a:p>
+                      <a:endParaRPr lang="en-US"/>
+                    </a:p>
+                  </a:txBody>
+                  <a:tcPr/>
+                </a:tc>
+                <a:tc gridSpan="2">
                   <a:txBody>
                     <a:bodyPr/>
                     <a:lstStyle/>
@@ -5813,7 +9387,17 @@
                   </a:txBody>
                   <a:tcPr/>
                 </a:tc>
-                <a:tc>
+                <a:tc hMerge="1">
+                  <a:txBody>
+                    <a:bodyPr/>
+                    <a:lstStyle/>
+                    <a:p>
+                      <a:endParaRPr lang="en-US"/>
+                    </a:p>
+                  </a:txBody>
+                  <a:tcPr/>
+                </a:tc>
+                <a:tc gridSpan="2">
                   <a:txBody>
                     <a:bodyPr/>
                     <a:lstStyle/>
@@ -5827,7 +9411,17 @@
                   </a:txBody>
                   <a:tcPr/>
                 </a:tc>
-                <a:tc>
+                <a:tc hMerge="1">
+                  <a:txBody>
+                    <a:bodyPr/>
+                    <a:lstStyle/>
+                    <a:p>
+                      <a:endParaRPr lang="en-US"/>
+                    </a:p>
+                  </a:txBody>
+                  <a:tcPr/>
+                </a:tc>
+                <a:tc gridSpan="2">
                   <a:txBody>
                     <a:bodyPr/>
                     <a:lstStyle/>
@@ -5841,6 +9435,16 @@
                   </a:txBody>
                   <a:tcPr/>
                 </a:tc>
+                <a:tc hMerge="1">
+                  <a:txBody>
+                    <a:bodyPr/>
+                    <a:lstStyle/>
+                    <a:p>
+                      <a:endParaRPr lang="en-US"/>
+                    </a:p>
+                  </a:txBody>
+                  <a:tcPr/>
+                </a:tc>
               </a:tr>
               <a:tr h="370840">
                 <a:tc>
@@ -5848,6 +9452,194 @@
                     <a:bodyPr/>
                     <a:lstStyle/>
                     <a:p>
+                      <a:endParaRPr lang="en-US" dirty="0"/>
+                    </a:p>
+                  </a:txBody>
+                  <a:tcPr/>
+                </a:tc>
+                <a:tc>
+                  <a:txBody>
+                    <a:bodyPr/>
+                    <a:lstStyle/>
+                    <a:p>
+                      <a:r>
+                        <a:rPr lang="en-US" dirty="0" smtClean="0">
+                          <a:solidFill>
+                            <a:schemeClr val="tx1"/>
+                          </a:solidFill>
+                        </a:rPr>
+                        <a:t>Actual</a:t>
+                      </a:r>
+                      <a:endParaRPr lang="en-US" dirty="0">
+                        <a:solidFill>
+                          <a:schemeClr val="tx1"/>
+                        </a:solidFill>
+                      </a:endParaRPr>
+                    </a:p>
+                  </a:txBody>
+                  <a:tcPr/>
+                </a:tc>
+                <a:tc>
+                  <a:txBody>
+                    <a:bodyPr/>
+                    <a:lstStyle/>
+                    <a:p>
+                      <a:r>
+                        <a:rPr lang="en-US" dirty="0" smtClean="0">
+                          <a:solidFill>
+                            <a:schemeClr val="tx1"/>
+                          </a:solidFill>
+                        </a:rPr>
+                        <a:t>Predicted</a:t>
+                      </a:r>
+                      <a:endParaRPr lang="en-US" dirty="0">
+                        <a:solidFill>
+                          <a:schemeClr val="tx1"/>
+                        </a:solidFill>
+                      </a:endParaRPr>
+                    </a:p>
+                  </a:txBody>
+                  <a:tcPr/>
+                </a:tc>
+                <a:tc>
+                  <a:txBody>
+                    <a:bodyPr/>
+                    <a:lstStyle/>
+                    <a:p>
+                      <a:r>
+                        <a:rPr lang="en-US" dirty="0" smtClean="0">
+                          <a:solidFill>
+                            <a:schemeClr val="tx1"/>
+                          </a:solidFill>
+                        </a:rPr>
+                        <a:t>Act.</a:t>
+                      </a:r>
+                      <a:endParaRPr lang="en-US" dirty="0">
+                        <a:solidFill>
+                          <a:schemeClr val="tx1"/>
+                        </a:solidFill>
+                      </a:endParaRPr>
+                    </a:p>
+                  </a:txBody>
+                  <a:tcPr/>
+                </a:tc>
+                <a:tc>
+                  <a:txBody>
+                    <a:bodyPr/>
+                    <a:lstStyle/>
+                    <a:p>
+                      <a:r>
+                        <a:rPr lang="en-US" dirty="0" smtClean="0">
+                          <a:solidFill>
+                            <a:schemeClr val="tx1"/>
+                          </a:solidFill>
+                        </a:rPr>
+                        <a:t>Pred.</a:t>
+                      </a:r>
+                      <a:endParaRPr lang="en-US" dirty="0">
+                        <a:solidFill>
+                          <a:schemeClr val="tx1"/>
+                        </a:solidFill>
+                      </a:endParaRPr>
+                    </a:p>
+                  </a:txBody>
+                  <a:tcPr/>
+                </a:tc>
+                <a:tc>
+                  <a:txBody>
+                    <a:bodyPr/>
+                    <a:lstStyle/>
+                    <a:p>
+                      <a:r>
+                        <a:rPr lang="en-US" dirty="0" smtClean="0">
+                          <a:solidFill>
+                            <a:schemeClr val="tx1"/>
+                          </a:solidFill>
+                        </a:rPr>
+                        <a:t>Act.</a:t>
+                      </a:r>
+                      <a:endParaRPr lang="en-US" dirty="0">
+                        <a:solidFill>
+                          <a:schemeClr val="tx1"/>
+                        </a:solidFill>
+                      </a:endParaRPr>
+                    </a:p>
+                  </a:txBody>
+                  <a:tcPr/>
+                </a:tc>
+                <a:tc>
+                  <a:txBody>
+                    <a:bodyPr/>
+                    <a:lstStyle/>
+                    <a:p>
+                      <a:r>
+                        <a:rPr lang="en-US" dirty="0" smtClean="0">
+                          <a:solidFill>
+                            <a:schemeClr val="tx1"/>
+                          </a:solidFill>
+                        </a:rPr>
+                        <a:t>Pred.</a:t>
+                      </a:r>
+                      <a:endParaRPr lang="en-US" dirty="0">
+                        <a:solidFill>
+                          <a:schemeClr val="tx1"/>
+                        </a:solidFill>
+                      </a:endParaRPr>
+                    </a:p>
+                  </a:txBody>
+                  <a:tcPr/>
+                </a:tc>
+                <a:tc>
+                  <a:txBody>
+                    <a:bodyPr/>
+                    <a:lstStyle/>
+                    <a:p>
+                      <a:r>
+                        <a:rPr lang="en-US" dirty="0" smtClean="0">
+                          <a:solidFill>
+                            <a:schemeClr val="tx1"/>
+                          </a:solidFill>
+                        </a:rPr>
+                        <a:t>Act.</a:t>
+                      </a:r>
+                      <a:endParaRPr lang="en-US" dirty="0">
+                        <a:solidFill>
+                          <a:schemeClr val="tx1"/>
+                        </a:solidFill>
+                      </a:endParaRPr>
+                    </a:p>
+                  </a:txBody>
+                  <a:tcPr/>
+                </a:tc>
+                <a:tc>
+                  <a:txBody>
+                    <a:bodyPr/>
+                    <a:lstStyle/>
+                    <a:p>
+                      <a:r>
+                        <a:rPr lang="en-US" dirty="0" smtClean="0">
+                          <a:solidFill>
+                            <a:schemeClr val="tx1"/>
+                          </a:solidFill>
+                        </a:rPr>
+                        <a:t>Pred.</a:t>
+                      </a:r>
+                      <a:endParaRPr lang="en-US" dirty="0">
+                        <a:solidFill>
+                          <a:schemeClr val="tx1"/>
+                        </a:solidFill>
+                      </a:endParaRPr>
+                    </a:p>
+                  </a:txBody>
+                  <a:tcPr/>
+                </a:tc>
+              </a:tr>
+              <a:tr h="370840">
+                <a:tc>
+                  <a:txBody>
+                    <a:bodyPr/>
+                    <a:lstStyle/>
+                    <a:p>
                       <a:r>
                         <a:rPr lang="en-US" dirty="0" smtClean="0"/>
                         <a:t>Bob</a:t>
@@ -5865,30 +9657,70 @@
                       <a:r>
                         <a:rPr lang="en-US" dirty="0" smtClean="0">
                           <a:solidFill>
-                            <a:schemeClr val="bg1">
-                              <a:lumMod val="65000"/>
-                            </a:schemeClr>
+                            <a:schemeClr val="tx1"/>
                           </a:solidFill>
                         </a:rPr>
-                        <a:t>-- </a:t>
-                      </a:r>
+                        <a:t>--</a:t>
+                      </a:r>
+                      <a:endParaRPr lang="en-US" dirty="0">
+                        <a:solidFill>
+                          <a:schemeClr val="tx1"/>
+                        </a:solidFill>
+                      </a:endParaRPr>
+                    </a:p>
+                  </a:txBody>
+                  <a:tcPr/>
+                </a:tc>
+                <a:tc>
+                  <a:txBody>
+                    <a:bodyPr/>
+                    <a:lstStyle/>
+                    <a:p>
+                      <a:pPr marL="0" marR="0" indent="0" algn="l" defTabSz="914400" rtl="0" eaLnBrk="1" fontAlgn="auto" latinLnBrk="0" hangingPunct="1">
+                        <a:lnSpc>
+                          <a:spcPct val="100000"/>
+                        </a:lnSpc>
+                        <a:spcBef>
+                          <a:spcPts val="0"/>
+                        </a:spcBef>
+                        <a:spcAft>
+                          <a:spcPts val="0"/>
+                        </a:spcAft>
+                        <a:buClrTx/>
+                        <a:buSzTx/>
+                        <a:buFontTx/>
+                        <a:buNone/>
+                        <a:tabLst/>
+                        <a:defRPr/>
+                      </a:pPr>
                       <a:r>
                         <a:rPr lang="en-US" dirty="0" smtClean="0">
                           <a:solidFill>
-                            <a:schemeClr val="tx1">
-                              <a:lumMod val="95000"/>
-                              <a:lumOff val="5000"/>
-                            </a:schemeClr>
+                            <a:schemeClr val="tx1"/>
                           </a:solidFill>
                         </a:rPr>
                         <a:t>5</a:t>
                       </a:r>
+                    </a:p>
+                  </a:txBody>
+                  <a:tcPr/>
+                </a:tc>
+                <a:tc>
+                  <a:txBody>
+                    <a:bodyPr/>
+                    <a:lstStyle/>
+                    <a:p>
+                      <a:r>
+                        <a:rPr lang="en-US" dirty="0" smtClean="0">
+                          <a:solidFill>
+                            <a:schemeClr val="tx1"/>
+                          </a:solidFill>
+                        </a:rPr>
+                        <a:t>--</a:t>
+                      </a:r>
                       <a:endParaRPr lang="en-US" dirty="0">
                         <a:solidFill>
-                          <a:schemeClr val="tx1">
-                            <a:lumMod val="95000"/>
-                            <a:lumOff val="5000"/>
-                          </a:schemeClr>
+                          <a:schemeClr val="tx1"/>
                         </a:solidFill>
                       </a:endParaRPr>
                     </a:p>
@@ -5903,29 +9735,14 @@
                       <a:r>
                         <a:rPr lang="en-US" dirty="0" smtClean="0">
                           <a:solidFill>
-                            <a:schemeClr val="bg1">
-                              <a:lumMod val="65000"/>
-                            </a:schemeClr>
-                          </a:solidFill>
-                        </a:rPr>
-                        <a:t>-- </a:t>
-                      </a:r>
-                      <a:r>
-                        <a:rPr lang="en-US" dirty="0" smtClean="0">
-                          <a:solidFill>
-                            <a:schemeClr val="tx1">
-                              <a:lumMod val="95000"/>
-                              <a:lumOff val="5000"/>
-                            </a:schemeClr>
+                            <a:schemeClr val="tx1"/>
                           </a:solidFill>
                         </a:rPr>
                         <a:t>4</a:t>
                       </a:r>
                       <a:endParaRPr lang="en-US" dirty="0">
                         <a:solidFill>
-                          <a:schemeClr val="bg1">
-                            <a:lumMod val="65000"/>
-                          </a:schemeClr>
+                          <a:schemeClr val="tx1"/>
                         </a:solidFill>
                       </a:endParaRPr>
                     </a:p>
@@ -5940,29 +9757,36 @@
                       <a:r>
                         <a:rPr lang="en-US" dirty="0" smtClean="0">
                           <a:solidFill>
-                            <a:schemeClr val="bg1">
-                              <a:lumMod val="65000"/>
-                            </a:schemeClr>
+                            <a:schemeClr val="tx1"/>
                           </a:solidFill>
                         </a:rPr>
-                        <a:t>5 </a:t>
-                      </a:r>
+                        <a:t>5</a:t>
+                      </a:r>
+                      <a:endParaRPr lang="en-US" dirty="0">
+                        <a:solidFill>
+                          <a:schemeClr val="tx1"/>
+                        </a:solidFill>
+                      </a:endParaRPr>
+                    </a:p>
+                  </a:txBody>
+                  <a:tcPr/>
+                </a:tc>
+                <a:tc>
+                  <a:txBody>
+                    <a:bodyPr/>
+                    <a:lstStyle/>
+                    <a:p>
                       <a:r>
                         <a:rPr lang="en-US" dirty="0" smtClean="0">
                           <a:solidFill>
-                            <a:schemeClr val="tx1">
-                              <a:lumMod val="95000"/>
-                              <a:lumOff val="5000"/>
-                            </a:schemeClr>
+                            <a:schemeClr val="tx1"/>
                           </a:solidFill>
                         </a:rPr>
                         <a:t>4</a:t>
                       </a:r>
                       <a:endParaRPr lang="en-US" dirty="0">
                         <a:solidFill>
-                          <a:schemeClr val="bg1">
-                            <a:lumMod val="65000"/>
-                          </a:schemeClr>
+                          <a:schemeClr val="tx1"/>
                         </a:solidFill>
                       </a:endParaRPr>
                     </a:p>
@@ -5977,29 +9801,36 @@
                       <a:r>
                         <a:rPr lang="en-US" dirty="0" smtClean="0">
                           <a:solidFill>
-                            <a:schemeClr val="bg1">
-                              <a:lumMod val="65000"/>
-                            </a:schemeClr>
+                            <a:schemeClr val="tx1"/>
                           </a:solidFill>
                         </a:rPr>
-                        <a:t>-- </a:t>
-                      </a:r>
+                        <a:t>--</a:t>
+                      </a:r>
+                      <a:endParaRPr lang="en-US" dirty="0">
+                        <a:solidFill>
+                          <a:schemeClr val="tx1"/>
+                        </a:solidFill>
+                      </a:endParaRPr>
+                    </a:p>
+                  </a:txBody>
+                  <a:tcPr/>
+                </a:tc>
+                <a:tc>
+                  <a:txBody>
+                    <a:bodyPr/>
+                    <a:lstStyle/>
+                    <a:p>
                       <a:r>
                         <a:rPr lang="en-US" dirty="0" smtClean="0">
                           <a:solidFill>
-                            <a:schemeClr val="tx1">
-                              <a:lumMod val="95000"/>
-                              <a:lumOff val="5000"/>
-                            </a:schemeClr>
+                            <a:schemeClr val="tx1"/>
                           </a:solidFill>
                         </a:rPr>
                         <a:t>2</a:t>
                       </a:r>
                       <a:endParaRPr lang="en-US" dirty="0">
                         <a:solidFill>
-                          <a:schemeClr val="bg1">
-                            <a:lumMod val="65000"/>
-                          </a:schemeClr>
+                          <a:schemeClr val="tx1"/>
                         </a:solidFill>
                       </a:endParaRPr>
                     </a:p>
@@ -6030,29 +9861,36 @@
                       <a:r>
                         <a:rPr lang="en-US" dirty="0" smtClean="0">
                           <a:solidFill>
-                            <a:schemeClr val="bg1">
-                              <a:lumMod val="65000"/>
-                            </a:schemeClr>
+                            <a:schemeClr val="tx1"/>
                           </a:solidFill>
                         </a:rPr>
-                        <a:t>2 </a:t>
-                      </a:r>
+                        <a:t>2</a:t>
+                      </a:r>
+                      <a:endParaRPr lang="en-US" dirty="0">
+                        <a:solidFill>
+                          <a:schemeClr val="tx1"/>
+                        </a:solidFill>
+                      </a:endParaRPr>
+                    </a:p>
+                  </a:txBody>
+                  <a:tcPr/>
+                </a:tc>
+                <a:tc>
+                  <a:txBody>
+                    <a:bodyPr/>
+                    <a:lstStyle/>
+                    <a:p>
                       <a:r>
                         <a:rPr lang="en-US" dirty="0" smtClean="0">
                           <a:solidFill>
-                            <a:schemeClr val="tx1">
-                              <a:lumMod val="95000"/>
-                              <a:lumOff val="5000"/>
-                            </a:schemeClr>
+                            <a:schemeClr val="tx1"/>
                           </a:solidFill>
                         </a:rPr>
                         <a:t>1</a:t>
                       </a:r>
                       <a:endParaRPr lang="en-US" dirty="0">
                         <a:solidFill>
-                          <a:schemeClr val="bg1">
-                            <a:lumMod val="65000"/>
-                          </a:schemeClr>
+                          <a:schemeClr val="tx1"/>
                         </a:solidFill>
                       </a:endParaRPr>
                     </a:p>
@@ -6067,29 +9905,70 @@
                       <a:r>
                         <a:rPr lang="en-US" dirty="0" smtClean="0">
                           <a:solidFill>
-                            <a:schemeClr val="bg1">
-                              <a:lumMod val="65000"/>
-                            </a:schemeClr>
+                            <a:schemeClr val="tx1"/>
                           </a:solidFill>
                         </a:rPr>
-                        <a:t>5 </a:t>
-                      </a:r>
+                        <a:t>5</a:t>
+                      </a:r>
+                      <a:endParaRPr lang="en-US" dirty="0">
+                        <a:solidFill>
+                          <a:schemeClr val="tx1"/>
+                        </a:solidFill>
+                      </a:endParaRPr>
+                    </a:p>
+                  </a:txBody>
+                  <a:tcPr/>
+                </a:tc>
+                <a:tc>
+                  <a:txBody>
+                    <a:bodyPr/>
+                    <a:lstStyle/>
+                    <a:p>
+                      <a:pPr marL="0" marR="0" indent="0" algn="l" defTabSz="914400" rtl="0" eaLnBrk="1" fontAlgn="auto" latinLnBrk="0" hangingPunct="1">
+                        <a:lnSpc>
+                          <a:spcPct val="100000"/>
+                        </a:lnSpc>
+                        <a:spcBef>
+                          <a:spcPts val="0"/>
+                        </a:spcBef>
+                        <a:spcAft>
+                          <a:spcPts val="0"/>
+                        </a:spcAft>
+                        <a:buClrTx/>
+                        <a:buSzTx/>
+                        <a:buFontTx/>
+                        <a:buNone/>
+                        <a:tabLst/>
+                        <a:defRPr/>
+                      </a:pPr>
                       <a:r>
                         <a:rPr lang="en-US" dirty="0" smtClean="0">
                           <a:solidFill>
-                            <a:schemeClr val="tx1">
-                              <a:lumMod val="95000"/>
-                              <a:lumOff val="5000"/>
-                            </a:schemeClr>
+                            <a:schemeClr val="tx1"/>
                           </a:solidFill>
                         </a:rPr>
                         <a:t>4</a:t>
                       </a:r>
+                    </a:p>
+                  </a:txBody>
+                  <a:tcPr/>
+                </a:tc>
+                <a:tc>
+                  <a:txBody>
+                    <a:bodyPr/>
+                    <a:lstStyle/>
+                    <a:p>
+                      <a:r>
+                        <a:rPr lang="en-US" dirty="0" smtClean="0">
+                          <a:solidFill>
+                            <a:schemeClr val="tx1"/>
+                          </a:solidFill>
+                        </a:rPr>
+                        <a:t>--</a:t>
+                      </a:r>
                       <a:endParaRPr lang="en-US" dirty="0">
                         <a:solidFill>
-                          <a:schemeClr val="bg1">
-                            <a:lumMod val="65000"/>
-                          </a:schemeClr>
+                          <a:schemeClr val="tx1"/>
                         </a:solidFill>
                       </a:endParaRPr>
                     </a:p>
@@ -6101,32 +9980,34 @@
                     <a:bodyPr/>
                     <a:lstStyle/>
                     <a:p>
+                      <a:pPr marL="0" marR="0" indent="0" algn="l" defTabSz="914400" rtl="0" eaLnBrk="1" fontAlgn="auto" latinLnBrk="0" hangingPunct="1">
+                        <a:lnSpc>
+                          <a:spcPct val="100000"/>
+                        </a:lnSpc>
+                        <a:spcBef>
+                          <a:spcPts val="0"/>
+                        </a:spcBef>
+                        <a:spcAft>
+                          <a:spcPts val="0"/>
+                        </a:spcAft>
+                        <a:buClrTx/>
+                        <a:buSzTx/>
+                        <a:buFontTx/>
+                        <a:buNone/>
+                        <a:tabLst/>
+                        <a:defRPr/>
+                      </a:pPr>
                       <a:r>
                         <a:rPr lang="en-US" dirty="0" smtClean="0">
                           <a:solidFill>
-                            <a:schemeClr val="bg1">
-                              <a:lumMod val="65000"/>
-                            </a:schemeClr>
-                          </a:solidFill>
-                        </a:rPr>
-                        <a:t>-- </a:t>
-                      </a:r>
-                      <a:r>
-                        <a:rPr lang="en-US" dirty="0" smtClean="0">
-                          <a:solidFill>
-                            <a:schemeClr val="tx1">
-                              <a:lumMod val="95000"/>
-                              <a:lumOff val="5000"/>
-                            </a:schemeClr>
+                            <a:schemeClr val="tx1"/>
                           </a:solidFill>
                         </a:rPr>
                         <a:t>5</a:t>
                       </a:r>
                       <a:endParaRPr lang="en-US" dirty="0">
                         <a:solidFill>
-                          <a:schemeClr val="bg1">
-                            <a:lumMod val="65000"/>
-                          </a:schemeClr>
+                          <a:schemeClr val="tx1"/>
                         </a:solidFill>
                       </a:endParaRPr>
                     </a:p>
@@ -6141,29 +10022,36 @@
                       <a:r>
                         <a:rPr lang="en-US" dirty="0" smtClean="0">
                           <a:solidFill>
-                            <a:schemeClr val="bg1">
-                              <a:lumMod val="65000"/>
-                            </a:schemeClr>
+                            <a:schemeClr val="tx1"/>
                           </a:solidFill>
                         </a:rPr>
-                        <a:t>3 </a:t>
-                      </a:r>
+                        <a:t>3</a:t>
+                      </a:r>
+                      <a:endParaRPr lang="en-US" dirty="0">
+                        <a:solidFill>
+                          <a:schemeClr val="tx1"/>
+                        </a:solidFill>
+                      </a:endParaRPr>
+                    </a:p>
+                  </a:txBody>
+                  <a:tcPr/>
+                </a:tc>
+                <a:tc>
+                  <a:txBody>
+                    <a:bodyPr/>
+                    <a:lstStyle/>
+                    <a:p>
                       <a:r>
                         <a:rPr lang="en-US" dirty="0" smtClean="0">
                           <a:solidFill>
-                            <a:schemeClr val="tx1">
-                              <a:lumMod val="95000"/>
-                              <a:lumOff val="5000"/>
-                            </a:schemeClr>
+                            <a:schemeClr val="tx1"/>
                           </a:solidFill>
                         </a:rPr>
                         <a:t>2</a:t>
                       </a:r>
                       <a:endParaRPr lang="en-US" dirty="0">
                         <a:solidFill>
-                          <a:schemeClr val="bg1">
-                            <a:lumMod val="65000"/>
-                          </a:schemeClr>
+                          <a:schemeClr val="tx1"/>
                         </a:solidFill>
                       </a:endParaRPr>
                     </a:p>
@@ -6183,7 +10071,7 @@
         </p:nvSpPr>
         <p:spPr>
           <a:xfrm>
-            <a:off x="533483" y="4648200"/>
+            <a:off x="523204" y="4438321"/>
             <a:ext cx="1760418" cy="523220"/>
           </a:xfrm>
           <a:prstGeom prst="rect">
@@ -6213,7 +10101,7 @@
         </p:nvSpPr>
         <p:spPr>
           <a:xfrm>
-            <a:off x="8156460" y="5323820"/>
+            <a:off x="8146181" y="5113941"/>
             <a:ext cx="433132" cy="523220"/>
           </a:xfrm>
           <a:prstGeom prst="rect">
@@ -6243,7 +10131,7 @@
         </p:nvSpPr>
         <p:spPr>
           <a:xfrm>
-            <a:off x="8156460" y="4937941"/>
+            <a:off x="8146181" y="4728062"/>
             <a:ext cx="433132" cy="523220"/>
           </a:xfrm>
           <a:prstGeom prst="rect">
@@ -6273,7 +10161,7 @@
         </p:nvSpPr>
         <p:spPr>
           <a:xfrm>
-            <a:off x="8156460" y="5670673"/>
+            <a:off x="8146181" y="5460794"/>
             <a:ext cx="433132" cy="523220"/>
           </a:xfrm>
           <a:prstGeom prst="rect">
@@ -6303,7 +10191,7 @@
         </p:nvSpPr>
         <p:spPr>
           <a:xfrm>
-            <a:off x="2030437" y="6339787"/>
+            <a:off x="2116239" y="6465674"/>
             <a:ext cx="615553" cy="340799"/>
           </a:xfrm>
           <a:prstGeom prst="rect">
@@ -6333,7 +10221,7 @@
         </p:nvSpPr>
         <p:spPr>
           <a:xfrm>
-            <a:off x="3813060" y="6347067"/>
+            <a:off x="3793527" y="6465677"/>
             <a:ext cx="615553" cy="340799"/>
           </a:xfrm>
           <a:prstGeom prst="rect">
@@ -6363,7 +10251,7 @@
         </p:nvSpPr>
         <p:spPr>
           <a:xfrm>
-            <a:off x="5413260" y="6334757"/>
+            <a:off x="5525724" y="6465676"/>
             <a:ext cx="615553" cy="340799"/>
           </a:xfrm>
           <a:prstGeom prst="rect">
@@ -6393,7 +10281,7 @@
         </p:nvSpPr>
         <p:spPr>
           <a:xfrm>
-            <a:off x="917460" y="6347068"/>
+            <a:off x="907180" y="6477988"/>
             <a:ext cx="615553" cy="340799"/>
           </a:xfrm>
           <a:prstGeom prst="rect">
@@ -6423,7 +10311,7 @@
         </p:nvSpPr>
         <p:spPr>
           <a:xfrm>
-            <a:off x="6861060" y="6347066"/>
+            <a:off x="7010400" y="6465675"/>
             <a:ext cx="615553" cy="340799"/>
           </a:xfrm>
           <a:prstGeom prst="rect">
@@ -6453,7 +10341,7 @@
         </p:nvSpPr>
         <p:spPr>
           <a:xfrm>
-            <a:off x="2534958" y="4248479"/>
+            <a:off x="2524679" y="4038600"/>
             <a:ext cx="3442674" cy="646331"/>
           </a:xfrm>
           <a:prstGeom prst="rect">
@@ -6523,7 +10411,7 @@
         </p:nvSpPr>
         <p:spPr>
           <a:xfrm>
-            <a:off x="4046090" y="4800599"/>
+            <a:off x="4035811" y="4590720"/>
             <a:ext cx="420409" cy="331857"/>
           </a:xfrm>
           <a:prstGeom prst="downArrow">
@@ -6699,8 +10587,8 @@
                   <a:t> scales the regularization factor to avoid </a:t>
                 </a:r>
                 <a:r>
-                  <a:rPr lang="en-US" dirty="0" err="1" smtClean="0"/>
-                  <a:t>overfitting</a:t>
+                  <a:rPr lang="en-US" dirty="0" smtClean="0"/>
+                  <a:t>over-fitting</a:t>
                 </a:r>
                 <a:endParaRPr lang="en-US" dirty="0"/>
               </a:p>
@@ -6788,78 +10676,652 @@
           <a:p>
             <a:r>
               <a:rPr lang="en-US" dirty="0" smtClean="0"/>
-              <a:t>Dataset</a:t>
+              <a:t>The Algorithm</a:t>
             </a:r>
             <a:endParaRPr lang="en-US" dirty="0"/>
           </a:p>
         </p:txBody>
       </p:sp>
-      <p:sp>
-        <p:nvSpPr>
-          <p:cNvPr id="3" name="Content Placeholder 2"/>
-          <p:cNvSpPr>
-            <a:spLocks noGrp="1"/>
-          </p:cNvSpPr>
-          <p:nvPr>
-            <p:ph idx="1"/>
-          </p:nvPr>
-        </p:nvSpPr>
-        <p:spPr>
-          <a:xfrm>
-            <a:off x="457200" y="1600200"/>
-            <a:ext cx="8229600" cy="4953000"/>
-          </a:xfrm>
-        </p:spPr>
-        <p:txBody>
-          <a:bodyPr>
-            <a:normAutofit lnSpcReduction="10000"/>
-          </a:bodyPr>
-          <a:lstStyle/>
-          <a:p>
-            <a:r>
-              <a:rPr lang="en-US" dirty="0" smtClean="0"/>
-              <a:t>Yelp academic datasets</a:t>
-            </a:r>
-          </a:p>
-          <a:p>
-            <a:r>
-              <a:rPr lang="en-US" dirty="0" smtClean="0"/>
-              <a:t>&lt;INSERT COUNTS HERE&gt;</a:t>
-            </a:r>
-          </a:p>
-          <a:p>
-            <a:r>
-              <a:rPr lang="en-US" dirty="0" smtClean="0"/>
-              <a:t>Some users and business have only single ratings</a:t>
-            </a:r>
-          </a:p>
-          <a:p>
-            <a:r>
-              <a:rPr lang="en-US" dirty="0" smtClean="0"/>
-              <a:t>We got 2 datasets</a:t>
-            </a:r>
-          </a:p>
-          <a:p>
-            <a:pPr lvl="1"/>
-            <a:r>
-              <a:rPr lang="en-US" dirty="0" smtClean="0"/>
-              <a:t>Michigan dataset: For testing and building our model</a:t>
-            </a:r>
-          </a:p>
-          <a:p>
-            <a:pPr lvl="1"/>
-            <a:r>
-              <a:rPr lang="en-US" dirty="0" smtClean="0"/>
-              <a:t>Princeton dataset: Unused for now, we will test the quality of our model on this when it is complete</a:t>
-            </a:r>
-            <a:endParaRPr lang="en-US" dirty="0"/>
-          </a:p>
-        </p:txBody>
-      </p:sp>
+      <mc:AlternateContent xmlns:mc="http://schemas.openxmlformats.org/markup-compatibility/2006">
+        <mc:Choice xmlns:a14="http://schemas.microsoft.com/office/drawing/2010/main" Requires="a14">
+          <p:sp>
+            <p:nvSpPr>
+              <p:cNvPr id="3" name="Content Placeholder 2"/>
+              <p:cNvSpPr>
+                <a:spLocks noGrp="1"/>
+              </p:cNvSpPr>
+              <p:nvPr>
+                <p:ph idx="1"/>
+              </p:nvPr>
+            </p:nvSpPr>
+            <p:spPr/>
+            <p:txBody>
+              <a:bodyPr>
+                <a:normAutofit/>
+              </a:bodyPr>
+              <a:lstStyle/>
+              <a:p>
+                <a:pPr marL="0" indent="0">
+                  <a:buNone/>
+                </a:pPr>
+                <a:r>
+                  <a:rPr lang="en-US" dirty="0" smtClean="0"/>
+                  <a:t>We calculate the new Latent Factor Matrices </a:t>
+                </a:r>
+                <a14:m>
+                  <m:oMath xmlns:m="http://schemas.openxmlformats.org/officeDocument/2006/math">
+                    <m:r>
+                      <a:rPr lang="en-US" i="1" dirty="0" smtClean="0">
+                        <a:latin typeface="Cambria Math"/>
+                      </a:rPr>
+                      <m:t>𝑃</m:t>
+                    </m:r>
+                  </m:oMath>
+                </a14:m>
+                <a:r>
+                  <a:rPr lang="en-US" dirty="0" smtClean="0"/>
+                  <a:t> and </a:t>
+                </a:r>
+                <a14:m>
+                  <m:oMath xmlns:m="http://schemas.openxmlformats.org/officeDocument/2006/math">
+                    <m:r>
+                      <a:rPr lang="en-US" i="1" dirty="0" smtClean="0">
+                        <a:latin typeface="Cambria Math"/>
+                      </a:rPr>
+                      <m:t>𝑄</m:t>
+                    </m:r>
+                  </m:oMath>
+                </a14:m>
+                <a:r>
+                  <a:rPr lang="en-US" dirty="0" smtClean="0"/>
+                  <a:t> by</a:t>
+                </a:r>
+              </a:p>
+              <a:p>
+                <a:pPr marL="0" indent="0">
+                  <a:buNone/>
+                </a:pPr>
+                <a14:m>
+                  <m:oMathPara xmlns:m="http://schemas.openxmlformats.org/officeDocument/2006/math">
+                    <m:oMathParaPr>
+                      <m:jc m:val="centerGroup"/>
+                    </m:oMathParaPr>
+                    <m:oMath xmlns:m="http://schemas.openxmlformats.org/officeDocument/2006/math">
+                      <m:sSubSup>
+                        <m:sSubSupPr>
+                          <m:ctrlPr>
+                            <a:rPr lang="en-US" b="0" i="1" smtClean="0">
+                              <a:latin typeface="Cambria Math"/>
+                            </a:rPr>
+                          </m:ctrlPr>
+                        </m:sSubSupPr>
+                        <m:e>
+                          <m:r>
+                            <a:rPr lang="en-US" b="0" i="1" smtClean="0">
+                              <a:latin typeface="Cambria Math"/>
+                            </a:rPr>
+                            <m:t>𝑝</m:t>
+                          </m:r>
+                        </m:e>
+                        <m:sub>
+                          <m:r>
+                            <a:rPr lang="en-US" b="0" i="1" smtClean="0">
+                              <a:latin typeface="Cambria Math"/>
+                            </a:rPr>
+                            <m:t>𝑖𝑘</m:t>
+                          </m:r>
+                        </m:sub>
+                        <m:sup>
+                          <m:r>
+                            <a:rPr lang="en-US" b="0" i="1" smtClean="0">
+                              <a:latin typeface="Cambria Math"/>
+                            </a:rPr>
+                            <m:t>′</m:t>
+                          </m:r>
+                        </m:sup>
+                      </m:sSubSup>
+                      <m:r>
+                        <a:rPr lang="en-US" b="0" i="1" smtClean="0">
+                          <a:latin typeface="Cambria Math"/>
+                        </a:rPr>
+                        <m:t>=</m:t>
+                      </m:r>
+                      <m:sSub>
+                        <m:sSubPr>
+                          <m:ctrlPr>
+                            <a:rPr lang="en-US" b="0" i="1" smtClean="0">
+                              <a:latin typeface="Cambria Math"/>
+                            </a:rPr>
+                          </m:ctrlPr>
+                        </m:sSubPr>
+                        <m:e>
+                          <m:r>
+                            <a:rPr lang="en-US" b="0" i="1" smtClean="0">
+                              <a:latin typeface="Cambria Math"/>
+                            </a:rPr>
+                            <m:t>𝑝</m:t>
+                          </m:r>
+                        </m:e>
+                        <m:sub>
+                          <m:r>
+                            <a:rPr lang="en-US" b="0" i="1" smtClean="0">
+                              <a:latin typeface="Cambria Math"/>
+                            </a:rPr>
+                            <m:t>𝑖𝑘</m:t>
+                          </m:r>
+                        </m:sub>
+                      </m:sSub>
+                      <m:r>
+                        <a:rPr lang="en-US" b="0" i="1" smtClean="0">
+                          <a:latin typeface="Cambria Math"/>
+                        </a:rPr>
+                        <m:t>+</m:t>
+                      </m:r>
+                      <m:r>
+                        <a:rPr lang="en-US" b="0" i="1" smtClean="0">
+                          <a:latin typeface="Cambria Math"/>
+                        </a:rPr>
+                        <m:t>𝛼</m:t>
+                      </m:r>
+                      <m:d>
+                        <m:dPr>
+                          <m:ctrlPr>
+                            <a:rPr lang="en-US" b="0" i="1" smtClean="0">
+                              <a:latin typeface="Cambria Math"/>
+                            </a:rPr>
+                          </m:ctrlPr>
+                        </m:dPr>
+                        <m:e>
+                          <m:r>
+                            <a:rPr lang="en-US" b="0" i="1" smtClean="0">
+                              <a:latin typeface="Cambria Math"/>
+                            </a:rPr>
+                            <m:t>2</m:t>
+                          </m:r>
+                          <m:sSub>
+                            <m:sSubPr>
+                              <m:ctrlPr>
+                                <a:rPr lang="en-US" b="0" i="1" smtClean="0">
+                                  <a:latin typeface="Cambria Math"/>
+                                </a:rPr>
+                              </m:ctrlPr>
+                            </m:sSubPr>
+                            <m:e>
+                              <m:r>
+                                <a:rPr lang="en-US" b="0" i="1" smtClean="0">
+                                  <a:latin typeface="Cambria Math"/>
+                                </a:rPr>
+                                <m:t>𝑒</m:t>
+                              </m:r>
+                            </m:e>
+                            <m:sub>
+                              <m:r>
+                                <a:rPr lang="en-US" b="0" i="1" smtClean="0">
+                                  <a:latin typeface="Cambria Math"/>
+                                </a:rPr>
+                                <m:t>𝑖𝑗</m:t>
+                              </m:r>
+                            </m:sub>
+                          </m:sSub>
+                          <m:sSub>
+                            <m:sSubPr>
+                              <m:ctrlPr>
+                                <a:rPr lang="en-US" b="0" i="1" smtClean="0">
+                                  <a:latin typeface="Cambria Math"/>
+                                </a:rPr>
+                              </m:ctrlPr>
+                            </m:sSubPr>
+                            <m:e>
+                              <m:r>
+                                <a:rPr lang="en-US" b="0" i="1" smtClean="0">
+                                  <a:latin typeface="Cambria Math"/>
+                                </a:rPr>
+                                <m:t>𝑞</m:t>
+                              </m:r>
+                            </m:e>
+                            <m:sub>
+                              <m:r>
+                                <a:rPr lang="en-US" b="0" i="1" smtClean="0">
+                                  <a:latin typeface="Cambria Math"/>
+                                </a:rPr>
+                                <m:t>𝑘𝑗</m:t>
+                              </m:r>
+                            </m:sub>
+                          </m:sSub>
+                          <m:r>
+                            <a:rPr lang="en-US" b="0" i="1" smtClean="0">
+                              <a:latin typeface="Cambria Math"/>
+                            </a:rPr>
+                            <m:t> −</m:t>
+                          </m:r>
+                          <m:r>
+                            <a:rPr lang="en-US" b="0" i="1" smtClean="0">
+                              <a:latin typeface="Cambria Math"/>
+                            </a:rPr>
+                            <m:t>𝛽</m:t>
+                          </m:r>
+                          <m:sSub>
+                            <m:sSubPr>
+                              <m:ctrlPr>
+                                <a:rPr lang="en-US" b="0" i="1" smtClean="0">
+                                  <a:latin typeface="Cambria Math"/>
+                                </a:rPr>
+                              </m:ctrlPr>
+                            </m:sSubPr>
+                            <m:e>
+                              <m:r>
+                                <a:rPr lang="en-US" b="0" i="1" smtClean="0">
+                                  <a:latin typeface="Cambria Math"/>
+                                </a:rPr>
+                                <m:t>𝑝</m:t>
+                              </m:r>
+                            </m:e>
+                            <m:sub>
+                              <m:r>
+                                <a:rPr lang="en-US" b="0" i="1" smtClean="0">
+                                  <a:latin typeface="Cambria Math"/>
+                                </a:rPr>
+                                <m:t>𝑖𝑘</m:t>
+                              </m:r>
+                            </m:sub>
+                          </m:sSub>
+                        </m:e>
+                      </m:d>
+                    </m:oMath>
+                  </m:oMathPara>
+                </a14:m>
+                <a:endParaRPr lang="en-US" b="0" dirty="0" smtClean="0"/>
+              </a:p>
+              <a:p>
+                <a:pPr marL="0" indent="0">
+                  <a:buNone/>
+                </a:pPr>
+                <a14:m>
+                  <m:oMathPara xmlns:m="http://schemas.openxmlformats.org/officeDocument/2006/math">
+                    <m:oMathParaPr>
+                      <m:jc m:val="centerGroup"/>
+                    </m:oMathParaPr>
+                    <m:oMath xmlns:m="http://schemas.openxmlformats.org/officeDocument/2006/math">
+                      <m:sSubSup>
+                        <m:sSubSupPr>
+                          <m:ctrlPr>
+                            <a:rPr lang="en-US" b="0" i="1" smtClean="0">
+                              <a:latin typeface="Cambria Math"/>
+                            </a:rPr>
+                          </m:ctrlPr>
+                        </m:sSubSupPr>
+                        <m:e>
+                          <m:r>
+                            <a:rPr lang="en-US" b="0" i="1" smtClean="0">
+                              <a:latin typeface="Cambria Math"/>
+                            </a:rPr>
+                            <m:t>𝑞</m:t>
+                          </m:r>
+                        </m:e>
+                        <m:sub>
+                          <m:r>
+                            <a:rPr lang="en-US" b="0" i="1" smtClean="0">
+                              <a:latin typeface="Cambria Math"/>
+                            </a:rPr>
+                            <m:t>𝑖𝑘</m:t>
+                          </m:r>
+                        </m:sub>
+                        <m:sup>
+                          <m:r>
+                            <a:rPr lang="en-US" b="0" i="1" smtClean="0">
+                              <a:latin typeface="Cambria Math"/>
+                            </a:rPr>
+                            <m:t>′</m:t>
+                          </m:r>
+                        </m:sup>
+                      </m:sSubSup>
+                      <m:r>
+                        <a:rPr lang="en-US" b="0" i="1" smtClean="0">
+                          <a:latin typeface="Cambria Math"/>
+                        </a:rPr>
+                        <m:t>=</m:t>
+                      </m:r>
+                      <m:sSub>
+                        <m:sSubPr>
+                          <m:ctrlPr>
+                            <a:rPr lang="en-US" b="0" i="1" smtClean="0">
+                              <a:latin typeface="Cambria Math"/>
+                            </a:rPr>
+                          </m:ctrlPr>
+                        </m:sSubPr>
+                        <m:e>
+                          <m:r>
+                            <a:rPr lang="en-US" b="0" i="1" smtClean="0">
+                              <a:latin typeface="Cambria Math"/>
+                            </a:rPr>
+                            <m:t>𝑞</m:t>
+                          </m:r>
+                        </m:e>
+                        <m:sub>
+                          <m:r>
+                            <a:rPr lang="en-US" b="0" i="1" smtClean="0">
+                              <a:latin typeface="Cambria Math"/>
+                            </a:rPr>
+                            <m:t>𝑘𝑗</m:t>
+                          </m:r>
+                        </m:sub>
+                      </m:sSub>
+                      <m:r>
+                        <a:rPr lang="en-US" b="0" i="1" smtClean="0">
+                          <a:latin typeface="Cambria Math"/>
+                        </a:rPr>
+                        <m:t>+</m:t>
+                      </m:r>
+                      <m:r>
+                        <a:rPr lang="en-US" b="0" i="1" smtClean="0">
+                          <a:latin typeface="Cambria Math"/>
+                        </a:rPr>
+                        <m:t>𝛼</m:t>
+                      </m:r>
+                      <m:r>
+                        <a:rPr lang="en-US" b="0" i="1" smtClean="0">
+                          <a:latin typeface="Cambria Math"/>
+                        </a:rPr>
+                        <m:t>(2</m:t>
+                      </m:r>
+                      <m:sSub>
+                        <m:sSubPr>
+                          <m:ctrlPr>
+                            <a:rPr lang="en-US" b="0" i="1" smtClean="0">
+                              <a:latin typeface="Cambria Math"/>
+                            </a:rPr>
+                          </m:ctrlPr>
+                        </m:sSubPr>
+                        <m:e>
+                          <m:r>
+                            <a:rPr lang="en-US" b="0" i="1" smtClean="0">
+                              <a:latin typeface="Cambria Math"/>
+                            </a:rPr>
+                            <m:t>𝑒</m:t>
+                          </m:r>
+                        </m:e>
+                        <m:sub>
+                          <m:r>
+                            <a:rPr lang="en-US" b="0" i="1" smtClean="0">
+                              <a:latin typeface="Cambria Math"/>
+                            </a:rPr>
+                            <m:t>𝑖𝑗</m:t>
+                          </m:r>
+                        </m:sub>
+                      </m:sSub>
+                      <m:sSub>
+                        <m:sSubPr>
+                          <m:ctrlPr>
+                            <a:rPr lang="en-US" b="0" i="1" smtClean="0">
+                              <a:latin typeface="Cambria Math"/>
+                            </a:rPr>
+                          </m:ctrlPr>
+                        </m:sSubPr>
+                        <m:e>
+                          <m:r>
+                            <a:rPr lang="en-US" b="0" i="1" smtClean="0">
+                              <a:latin typeface="Cambria Math"/>
+                            </a:rPr>
+                            <m:t>𝑝</m:t>
+                          </m:r>
+                        </m:e>
+                        <m:sub>
+                          <m:r>
+                            <a:rPr lang="en-US" b="0" i="1" smtClean="0">
+                              <a:latin typeface="Cambria Math"/>
+                            </a:rPr>
+                            <m:t>𝑖𝑘</m:t>
+                          </m:r>
+                        </m:sub>
+                      </m:sSub>
+                      <m:r>
+                        <a:rPr lang="en-US" b="0" i="1" smtClean="0">
+                          <a:latin typeface="Cambria Math"/>
+                        </a:rPr>
+                        <m:t> −</m:t>
+                      </m:r>
+                      <m:r>
+                        <a:rPr lang="en-US" b="0" i="1" smtClean="0">
+                          <a:latin typeface="Cambria Math"/>
+                        </a:rPr>
+                        <m:t>𝛽</m:t>
+                      </m:r>
+                      <m:sSub>
+                        <m:sSubPr>
+                          <m:ctrlPr>
+                            <a:rPr lang="en-US" b="0" i="1" smtClean="0">
+                              <a:latin typeface="Cambria Math"/>
+                            </a:rPr>
+                          </m:ctrlPr>
+                        </m:sSubPr>
+                        <m:e>
+                          <m:r>
+                            <a:rPr lang="en-US" b="0" i="1" smtClean="0">
+                              <a:latin typeface="Cambria Math"/>
+                            </a:rPr>
+                            <m:t>𝑞</m:t>
+                          </m:r>
+                        </m:e>
+                        <m:sub>
+                          <m:r>
+                            <a:rPr lang="en-US" b="0" i="1" smtClean="0">
+                              <a:latin typeface="Cambria Math"/>
+                            </a:rPr>
+                            <m:t>𝑘𝑗</m:t>
+                          </m:r>
+                        </m:sub>
+                      </m:sSub>
+                      <m:r>
+                        <a:rPr lang="en-US" b="0" i="1" smtClean="0">
+                          <a:latin typeface="Cambria Math"/>
+                        </a:rPr>
+                        <m:t>)</m:t>
+                      </m:r>
+                    </m:oMath>
+                  </m:oMathPara>
+                </a14:m>
+                <a:endParaRPr lang="en-US" dirty="0" smtClean="0"/>
+              </a:p>
+              <a:p>
+                <a:pPr marL="0" indent="0">
+                  <a:buNone/>
+                </a:pPr>
+                <a:r>
+                  <a:rPr lang="en-US" dirty="0" smtClean="0"/>
+                  <a:t>Where </a:t>
+                </a:r>
+                <a14:m>
+                  <m:oMath xmlns:m="http://schemas.openxmlformats.org/officeDocument/2006/math">
+                    <m:r>
+                      <a:rPr lang="en-US" b="0" i="1" smtClean="0">
+                        <a:latin typeface="Cambria Math"/>
+                      </a:rPr>
+                      <m:t>𝑒</m:t>
+                    </m:r>
+                  </m:oMath>
+                </a14:m>
+                <a:r>
+                  <a:rPr lang="en-US" dirty="0" smtClean="0"/>
+                  <a:t> is predicted by </a:t>
+                </a:r>
+                <a14:m>
+                  <m:oMath xmlns:m="http://schemas.openxmlformats.org/officeDocument/2006/math">
+                    <m:r>
+                      <a:rPr lang="en-US" b="0" i="1" smtClean="0">
+                        <a:latin typeface="Cambria Math"/>
+                      </a:rPr>
+                      <m:t>𝑃</m:t>
+                    </m:r>
+                  </m:oMath>
+                </a14:m>
+                <a:r>
+                  <a:rPr lang="en-US" dirty="0" smtClean="0"/>
+                  <a:t> and </a:t>
+                </a:r>
+                <a14:m>
+                  <m:oMath xmlns:m="http://schemas.openxmlformats.org/officeDocument/2006/math">
+                    <m:r>
+                      <a:rPr lang="en-US" b="0" i="1" smtClean="0">
+                        <a:latin typeface="Cambria Math"/>
+                      </a:rPr>
+                      <m:t>𝑄</m:t>
+                    </m:r>
+                  </m:oMath>
+                </a14:m>
+                <a:endParaRPr lang="en-US" dirty="0"/>
+              </a:p>
+              <a:p>
+                <a:pPr marL="0" indent="0">
+                  <a:buNone/>
+                </a:pPr>
+                <a:r>
+                  <a:rPr lang="en-US" dirty="0" smtClean="0"/>
+                  <a:t>Then we get predicted ratings:</a:t>
+                </a:r>
+              </a:p>
+              <a:p>
+                <a:pPr marL="0" indent="0">
+                  <a:buNone/>
+                </a:pPr>
+                <a:endParaRPr lang="en-US" dirty="0"/>
+              </a:p>
+              <a:p>
+                <a:pPr marL="0" indent="0">
+                  <a:buNone/>
+                </a:pPr>
+                <a14:m>
+                  <m:oMathPara xmlns:m="http://schemas.openxmlformats.org/officeDocument/2006/math">
+                    <m:oMathParaPr>
+                      <m:jc m:val="centerGroup"/>
+                    </m:oMathParaPr>
+                    <m:oMath xmlns:m="http://schemas.openxmlformats.org/officeDocument/2006/math">
+                      <m:r>
+                        <a:rPr lang="en-US" b="0" i="1" smtClean="0">
+                          <a:latin typeface="Cambria Math"/>
+                        </a:rPr>
+                        <m:t>𝑅</m:t>
+                      </m:r>
+                      <m:r>
+                        <a:rPr lang="en-US" b="0" i="1" smtClean="0">
+                          <a:latin typeface="Cambria Math"/>
+                        </a:rPr>
+                        <m:t> ≈</m:t>
+                      </m:r>
+                      <m:r>
+                        <a:rPr lang="en-US" b="0" i="1" smtClean="0">
+                          <a:latin typeface="Cambria Math"/>
+                          <a:ea typeface="Cambria Math"/>
+                        </a:rPr>
+                        <m:t>𝑃</m:t>
+                      </m:r>
+                      <m:r>
+                        <a:rPr lang="en-US" b="0" i="1" smtClean="0">
+                          <a:latin typeface="Cambria Math"/>
+                          <a:ea typeface="Cambria Math"/>
+                        </a:rPr>
+                        <m:t>×</m:t>
+                      </m:r>
+                      <m:sSup>
+                        <m:sSupPr>
+                          <m:ctrlPr>
+                            <a:rPr lang="en-US" b="0" i="1" smtClean="0">
+                              <a:latin typeface="Cambria Math"/>
+                              <a:ea typeface="Cambria Math"/>
+                            </a:rPr>
+                          </m:ctrlPr>
+                        </m:sSupPr>
+                        <m:e>
+                          <m:r>
+                            <a:rPr lang="en-US" b="0" i="1" smtClean="0">
+                              <a:latin typeface="Cambria Math"/>
+                              <a:ea typeface="Cambria Math"/>
+                            </a:rPr>
+                            <m:t>𝑄</m:t>
+                          </m:r>
+                        </m:e>
+                        <m:sup>
+                          <m:r>
+                            <a:rPr lang="en-US" b="0" i="1" smtClean="0">
+                              <a:latin typeface="Cambria Math"/>
+                              <a:ea typeface="Cambria Math"/>
+                            </a:rPr>
+                            <m:t>𝑇</m:t>
+                          </m:r>
+                        </m:sup>
+                      </m:sSup>
+                      <m:r>
+                        <a:rPr lang="en-US" b="0" i="1" smtClean="0">
+                          <a:latin typeface="Cambria Math"/>
+                          <a:ea typeface="Cambria Math"/>
+                        </a:rPr>
+                        <m:t>=</m:t>
+                      </m:r>
+                      <m:acc>
+                        <m:accPr>
+                          <m:chr m:val="̂"/>
+                          <m:ctrlPr>
+                            <a:rPr lang="en-US" b="0" i="1" smtClean="0">
+                              <a:latin typeface="Cambria Math"/>
+                              <a:ea typeface="Cambria Math"/>
+                            </a:rPr>
+                          </m:ctrlPr>
+                        </m:accPr>
+                        <m:e>
+                          <m:r>
+                            <a:rPr lang="en-US" b="0" i="1" smtClean="0">
+                              <a:latin typeface="Cambria Math"/>
+                              <a:ea typeface="Cambria Math"/>
+                            </a:rPr>
+                            <m:t>𝑅</m:t>
+                          </m:r>
+                        </m:e>
+                      </m:acc>
+                    </m:oMath>
+                  </m:oMathPara>
+                </a14:m>
+                <a:endParaRPr lang="en-US" dirty="0" smtClean="0"/>
+              </a:p>
+            </p:txBody>
+          </p:sp>
+        </mc:Choice>
+        <mc:Fallback>
+          <p:sp>
+            <p:nvSpPr>
+              <p:cNvPr id="3" name="Content Placeholder 2"/>
+              <p:cNvSpPr>
+                <a:spLocks noGrp="1" noRot="1" noChangeAspect="1" noMove="1" noResize="1" noEditPoints="1" noAdjustHandles="1" noChangeArrowheads="1" noChangeShapeType="1" noTextEdit="1"/>
+              </p:cNvSpPr>
+              <p:nvPr>
+                <p:ph idx="1"/>
+              </p:nvPr>
+            </p:nvSpPr>
+            <p:spPr>
+              <a:blipFill rotWithShape="1">
+                <a:blip r:embed="rId2"/>
+                <a:stretch>
+                  <a:fillRect l="-1852" t="-1617"/>
+                </a:stretch>
+              </a:blipFill>
+            </p:spPr>
+            <p:txBody>
+              <a:bodyPr/>
+              <a:lstStyle/>
+              <a:p>
+                <a:r>
+                  <a:rPr lang="en-US">
+                    <a:noFill/>
+                  </a:rPr>
+                  <a:t> </a:t>
+                </a:r>
+              </a:p>
+            </p:txBody>
+          </p:sp>
+        </mc:Fallback>
+      </mc:AlternateContent>
     </p:spTree>
     <p:extLst>
       <p:ext uri="{BB962C8B-B14F-4D97-AF65-F5344CB8AC3E}">
-        <p14:creationId xmlns:p14="http://schemas.microsoft.com/office/powerpoint/2010/main" val="115330673"/>
+        <p14:creationId xmlns:p14="http://schemas.microsoft.com/office/powerpoint/2010/main" val="813598379"/>
       </p:ext>
     </p:extLst>
   </p:cSld>
@@ -6903,6 +11365,145 @@
           <a:p>
             <a:r>
               <a:rPr lang="en-US" dirty="0" smtClean="0"/>
+              <a:t>Dataset</a:t>
+            </a:r>
+            <a:endParaRPr lang="en-US" dirty="0"/>
+          </a:p>
+        </p:txBody>
+      </p:sp>
+      <p:sp>
+        <p:nvSpPr>
+          <p:cNvPr id="3" name="Content Placeholder 2"/>
+          <p:cNvSpPr>
+            <a:spLocks noGrp="1"/>
+          </p:cNvSpPr>
+          <p:nvPr>
+            <p:ph idx="1"/>
+          </p:nvPr>
+        </p:nvSpPr>
+        <p:spPr>
+          <a:xfrm>
+            <a:off x="457200" y="1600200"/>
+            <a:ext cx="8229600" cy="4953000"/>
+          </a:xfrm>
+        </p:spPr>
+        <p:txBody>
+          <a:bodyPr>
+            <a:normAutofit fontScale="92500"/>
+          </a:bodyPr>
+          <a:lstStyle/>
+          <a:p>
+            <a:r>
+              <a:rPr lang="en-US" dirty="0" smtClean="0"/>
+              <a:t>Yelp academic datasets</a:t>
+            </a:r>
+          </a:p>
+          <a:p>
+            <a:r>
+              <a:rPr lang="en-US" dirty="0" smtClean="0"/>
+              <a:t>30k Users with 25 ratings or more each</a:t>
+            </a:r>
+          </a:p>
+          <a:p>
+            <a:r>
+              <a:rPr lang="en-US" dirty="0" smtClean="0"/>
+              <a:t>1400 Businesses with 25 ratings or more each</a:t>
+            </a:r>
+            <a:endParaRPr lang="en-US" dirty="0" smtClean="0"/>
+          </a:p>
+          <a:p>
+            <a:r>
+              <a:rPr lang="en-US" dirty="0" smtClean="0"/>
+              <a:t>Many other </a:t>
+            </a:r>
+            <a:r>
+              <a:rPr lang="en-US" dirty="0" smtClean="0"/>
+              <a:t>users and business have </a:t>
+            </a:r>
+            <a:r>
+              <a:rPr lang="en-US" dirty="0" smtClean="0"/>
+              <a:t>fewer ratings</a:t>
+            </a:r>
+            <a:endParaRPr lang="en-US" dirty="0" smtClean="0"/>
+          </a:p>
+          <a:p>
+            <a:r>
+              <a:rPr lang="en-US" dirty="0" smtClean="0"/>
+              <a:t>We </a:t>
+            </a:r>
+            <a:r>
+              <a:rPr lang="en-US" dirty="0" smtClean="0"/>
+              <a:t>are using </a:t>
+            </a:r>
+            <a:r>
+              <a:rPr lang="en-US" dirty="0" smtClean="0"/>
+              <a:t>2 datasets</a:t>
+            </a:r>
+          </a:p>
+          <a:p>
+            <a:pPr lvl="1"/>
+            <a:r>
+              <a:rPr lang="en-US" dirty="0" smtClean="0"/>
+              <a:t>Michigan dataset: For testing and building our model</a:t>
+            </a:r>
+          </a:p>
+          <a:p>
+            <a:pPr lvl="1"/>
+            <a:r>
+              <a:rPr lang="en-US" dirty="0" smtClean="0"/>
+              <a:t>Princeton dataset: Unused for now, we will test the quality of our model on this when it is complete</a:t>
+            </a:r>
+            <a:endParaRPr lang="en-US" dirty="0"/>
+          </a:p>
+        </p:txBody>
+      </p:sp>
+    </p:spTree>
+    <p:extLst>
+      <p:ext uri="{BB962C8B-B14F-4D97-AF65-F5344CB8AC3E}">
+        <p14:creationId xmlns:p14="http://schemas.microsoft.com/office/powerpoint/2010/main" val="115330673"/>
+      </p:ext>
+    </p:extLst>
+  </p:cSld>
+  <p:clrMapOvr>
+    <a:masterClrMapping/>
+  </p:clrMapOvr>
+</p:sld>
+</file>
+
+<file path=ppt/slides/slide8.xml><?xml version="1.0" encoding="utf-8"?>
+<p:sld xmlns:a="http://schemas.openxmlformats.org/drawingml/2006/main" xmlns:r="http://schemas.openxmlformats.org/officeDocument/2006/relationships" xmlns:p="http://schemas.openxmlformats.org/presentationml/2006/main">
+  <p:cSld>
+    <p:spTree>
+      <p:nvGrpSpPr>
+        <p:cNvPr id="1" name=""/>
+        <p:cNvGrpSpPr/>
+        <p:nvPr/>
+      </p:nvGrpSpPr>
+      <p:grpSpPr>
+        <a:xfrm>
+          <a:off x="0" y="0"/>
+          <a:ext cx="0" cy="0"/>
+          <a:chOff x="0" y="0"/>
+          <a:chExt cx="0" cy="0"/>
+        </a:xfrm>
+      </p:grpSpPr>
+      <p:sp>
+        <p:nvSpPr>
+          <p:cNvPr id="2" name="Title 1"/>
+          <p:cNvSpPr>
+            <a:spLocks noGrp="1"/>
+          </p:cNvSpPr>
+          <p:nvPr>
+            <p:ph type="title"/>
+          </p:nvPr>
+        </p:nvSpPr>
+        <p:spPr/>
+        <p:txBody>
+          <a:bodyPr/>
+          <a:lstStyle/>
+          <a:p>
+            <a:r>
+              <a:rPr lang="en-US" dirty="0" smtClean="0"/>
               <a:t>Challenges</a:t>
             </a:r>
             <a:endParaRPr lang="en-US" dirty="0"/>
@@ -6928,7 +11529,19 @@
               <a:p>
                 <a:r>
                   <a:rPr lang="en-US" dirty="0" smtClean="0"/>
-                  <a:t>The MF algorithm takes a while to run on large datasets</a:t>
+                  <a:t>The </a:t>
+                </a:r>
+                <a:r>
+                  <a:rPr lang="en-US" dirty="0"/>
+                  <a:t>N</a:t>
+                </a:r>
+                <a:r>
+                  <a:rPr lang="en-US" dirty="0" smtClean="0"/>
+                  <a:t>MF </a:t>
+                </a:r>
+                <a:r>
+                  <a:rPr lang="en-US" dirty="0" smtClean="0"/>
+                  <a:t>algorithm takes a while to run on large datasets</a:t>
                 </a:r>
               </a:p>
               <a:p>
@@ -6940,8 +11553,13 @@
               <a:p>
                 <a:r>
                   <a:rPr lang="en-US" dirty="0" smtClean="0"/>
-                  <a:t>Ported python code to C and parallelized</a:t>
+                  <a:t>Ported python code to </a:t>
                 </a:r>
+                <a:r>
+                  <a:rPr lang="en-US" dirty="0" smtClean="0"/>
+                  <a:t>C and parallelized</a:t>
+                </a:r>
+                <a:endParaRPr lang="en-US" dirty="0" smtClean="0"/>
               </a:p>
               <a:p>
                 <a:r>
@@ -6987,7 +11605,7 @@
               <a:blipFill rotWithShape="1">
                 <a:blip r:embed="rId2"/>
                 <a:stretch>
-                  <a:fillRect l="-1630" t="-1752" r="-2741" b="-1213"/>
+                  <a:fillRect l="-1630" t="-1752" b="-1213"/>
                 </a:stretch>
               </a:blipFill>
             </p:spPr>
@@ -7010,6 +11628,116 @@
     <p:extLst>
       <p:ext uri="{BB962C8B-B14F-4D97-AF65-F5344CB8AC3E}">
         <p14:creationId xmlns:p14="http://schemas.microsoft.com/office/powerpoint/2010/main" val="3106750341"/>
+      </p:ext>
+    </p:extLst>
+  </p:cSld>
+  <p:clrMapOvr>
+    <a:masterClrMapping/>
+  </p:clrMapOvr>
+</p:sld>
+</file>
+
+<file path=ppt/slides/slide9.xml><?xml version="1.0" encoding="utf-8"?>
+<p:sld xmlns:a="http://schemas.openxmlformats.org/drawingml/2006/main" xmlns:r="http://schemas.openxmlformats.org/officeDocument/2006/relationships" xmlns:p="http://schemas.openxmlformats.org/presentationml/2006/main">
+  <p:cSld>
+    <p:spTree>
+      <p:nvGrpSpPr>
+        <p:cNvPr id="1" name=""/>
+        <p:cNvGrpSpPr/>
+        <p:nvPr/>
+      </p:nvGrpSpPr>
+      <p:grpSpPr>
+        <a:xfrm>
+          <a:off x="0" y="0"/>
+          <a:ext cx="0" cy="0"/>
+          <a:chOff x="0" y="0"/>
+          <a:chExt cx="0" cy="0"/>
+        </a:xfrm>
+      </p:grpSpPr>
+      <p:sp>
+        <p:nvSpPr>
+          <p:cNvPr id="2" name="Title 1"/>
+          <p:cNvSpPr>
+            <a:spLocks noGrp="1"/>
+          </p:cNvSpPr>
+          <p:nvPr>
+            <p:ph type="title"/>
+          </p:nvPr>
+        </p:nvSpPr>
+        <p:spPr/>
+        <p:txBody>
+          <a:bodyPr/>
+          <a:lstStyle/>
+          <a:p>
+            <a:r>
+              <a:rPr lang="en-US" dirty="0" smtClean="0"/>
+              <a:t>Distance Vs. K</a:t>
+            </a:r>
+            <a:endParaRPr lang="en-US" dirty="0"/>
+          </a:p>
+        </p:txBody>
+      </p:sp>
+      <p:sp>
+        <p:nvSpPr>
+          <p:cNvPr id="3" name="Content Placeholder 2"/>
+          <p:cNvSpPr>
+            <a:spLocks noGrp="1"/>
+          </p:cNvSpPr>
+          <p:nvPr>
+            <p:ph idx="1"/>
+          </p:nvPr>
+        </p:nvSpPr>
+        <p:spPr>
+          <a:xfrm>
+            <a:off x="457200" y="1600200"/>
+            <a:ext cx="8229600" cy="5105400"/>
+          </a:xfrm>
+        </p:spPr>
+        <p:txBody>
+          <a:bodyPr>
+            <a:normAutofit fontScale="92500" lnSpcReduction="10000"/>
+          </a:bodyPr>
+          <a:lstStyle/>
+          <a:p>
+            <a:r>
+              <a:rPr lang="en-US" dirty="0" smtClean="0"/>
+              <a:t>Graphs “Mean RSS Vs. K” and “Distance Vs. K” show results of cross-validation on the Michigan data</a:t>
+            </a:r>
+          </a:p>
+          <a:p>
+            <a:r>
+              <a:rPr lang="en-US" dirty="0" smtClean="0"/>
+              <a:t>Around 30 seems like the best value for K</a:t>
+            </a:r>
+          </a:p>
+          <a:p>
+            <a:r>
+              <a:rPr lang="en-US" dirty="0" smtClean="0"/>
+              <a:t>We hope to find a relationship so we can discover an approximate good K from the data</a:t>
+            </a:r>
+          </a:p>
+          <a:p>
+            <a:r>
+              <a:rPr lang="en-US" dirty="0" smtClean="0"/>
+              <a:t>We would expect a good value of K to be related to the number of “Tags” that are often applied to businesses</a:t>
+            </a:r>
+          </a:p>
+          <a:p>
+            <a:pPr lvl="1"/>
+            <a:r>
+              <a:rPr lang="en-US" dirty="0" smtClean="0"/>
+              <a:t>We might want to modify tags to include things like pricing and quality of service</a:t>
+            </a:r>
+          </a:p>
+          <a:p>
+            <a:endParaRPr lang="en-US" dirty="0"/>
+          </a:p>
+        </p:txBody>
+      </p:sp>
+    </p:spTree>
+    <p:extLst>
+      <p:ext uri="{BB962C8B-B14F-4D97-AF65-F5344CB8AC3E}">
+        <p14:creationId xmlns:p14="http://schemas.microsoft.com/office/powerpoint/2010/main" val="2511669756"/>
       </p:ext>
     </p:extLst>
   </p:cSld>
@@ -7302,4 +12030,289 @@
   <a:objectDefaults/>
   <a:extraClrSchemeLst/>
 </a:theme>
+</file>
+
+<file path=ppt/theme/theme2.xml><?xml version="1.0" encoding="utf-8"?>
+<a:theme xmlns:a="http://schemas.openxmlformats.org/drawingml/2006/main" name="Office Theme">
+  <a:themeElements>
+    <a:clrScheme name="Office">
+      <a:dk1>
+        <a:sysClr val="windowText" lastClr="000000"/>
+      </a:dk1>
+      <a:lt1>
+        <a:sysClr val="window" lastClr="FFFFFF"/>
+      </a:lt1>
+      <a:dk2>
+        <a:srgbClr val="1F497D"/>
+      </a:dk2>
+      <a:lt2>
+        <a:srgbClr val="EEECE1"/>
+      </a:lt2>
+      <a:accent1>
+        <a:srgbClr val="4F81BD"/>
+      </a:accent1>
+      <a:accent2>
+        <a:srgbClr val="C0504D"/>
+      </a:accent2>
+      <a:accent3>
+        <a:srgbClr val="9BBB59"/>
+      </a:accent3>
+      <a:accent4>
+        <a:srgbClr val="8064A2"/>
+      </a:accent4>
+      <a:accent5>
+        <a:srgbClr val="4BACC6"/>
+      </a:accent5>
+      <a:accent6>
+        <a:srgbClr val="F79646"/>
+      </a:accent6>
+      <a:hlink>
+        <a:srgbClr val="0000FF"/>
+      </a:hlink>
+      <a:folHlink>
+        <a:srgbClr val="800080"/>
+      </a:folHlink>
+    </a:clrScheme>
+    <a:fontScheme name="Office">
+      <a:majorFont>
+        <a:latin typeface="Calibri"/>
+        <a:ea typeface=""/>
+        <a:cs typeface=""/>
+        <a:font script="Jpan" typeface="ＭＳ Ｐゴシック"/>
+        <a:font script="Hang" typeface="맑은 고딕"/>
+        <a:font script="Hans" typeface="宋体"/>
+        <a:font script="Hant" typeface="新細明體"/>
+        <a:font script="Arab" typeface="Times New Roman"/>
+        <a:font script="Hebr" typeface="Times New Roman"/>
+        <a:font script="Thai" typeface="Angsana New"/>
+        <a:font script="Ethi" typeface="Nyala"/>
+        <a:font script="Beng" typeface="Vrinda"/>
+        <a:font script="Gujr" typeface="Shruti"/>
+        <a:font script="Khmr" typeface="MoolBoran"/>
+        <a:font script="Knda" typeface="Tunga"/>
+        <a:font script="Guru" typeface="Raavi"/>
+        <a:font script="Cans" typeface="Euphemia"/>
+        <a:font script="Cher" typeface="Plantagenet Cherokee"/>
+        <a:font script="Yiii" typeface="Microsoft Yi Baiti"/>
+        <a:font script="Tibt" typeface="Microsoft Himalaya"/>
+        <a:font script="Thaa" typeface="MV Boli"/>
+        <a:font script="Deva" typeface="Mangal"/>
+        <a:font script="Telu" typeface="Gautami"/>
+        <a:font script="Taml" typeface="Latha"/>
+        <a:font script="Syrc" typeface="Estrangelo Edessa"/>
+        <a:font script="Orya" typeface="Kalinga"/>
+        <a:font script="Mlym" typeface="Kartika"/>
+        <a:font script="Laoo" typeface="DokChampa"/>
+        <a:font script="Sinh" typeface="Iskoola Pota"/>
+        <a:font script="Mong" typeface="Mongolian Baiti"/>
+        <a:font script="Viet" typeface="Times New Roman"/>
+        <a:font script="Uigh" typeface="Microsoft Uighur"/>
+        <a:font script="Geor" typeface="Sylfaen"/>
+      </a:majorFont>
+      <a:minorFont>
+        <a:latin typeface="Calibri"/>
+        <a:ea typeface=""/>
+        <a:cs typeface=""/>
+        <a:font script="Jpan" typeface="ＭＳ Ｐゴシック"/>
+        <a:font script="Hang" typeface="맑은 고딕"/>
+        <a:font script="Hans" typeface="宋体"/>
+        <a:font script="Hant" typeface="新細明體"/>
+        <a:font script="Arab" typeface="Arial"/>
+        <a:font script="Hebr" typeface="Arial"/>
+        <a:font script="Thai" typeface="Cordia New"/>
+        <a:font script="Ethi" typeface="Nyala"/>
+        <a:font script="Beng" typeface="Vrinda"/>
+        <a:font script="Gujr" typeface="Shruti"/>
+        <a:font script="Khmr" typeface="DaunPenh"/>
+        <a:font script="Knda" typeface="Tunga"/>
+        <a:font script="Guru" typeface="Raavi"/>
+        <a:font script="Cans" typeface="Euphemia"/>
+        <a:font script="Cher" typeface="Plantagenet Cherokee"/>
+        <a:font script="Yiii" typeface="Microsoft Yi Baiti"/>
+        <a:font script="Tibt" typeface="Microsoft Himalaya"/>
+        <a:font script="Thaa" typeface="MV Boli"/>
+        <a:font script="Deva" typeface="Mangal"/>
+        <a:font script="Telu" typeface="Gautami"/>
+        <a:font script="Taml" typeface="Latha"/>
+        <a:font script="Syrc" typeface="Estrangelo Edessa"/>
+        <a:font script="Orya" typeface="Kalinga"/>
+        <a:font script="Mlym" typeface="Kartika"/>
+        <a:font script="Laoo" typeface="DokChampa"/>
+        <a:font script="Sinh" typeface="Iskoola Pota"/>
+        <a:font script="Mong" typeface="Mongolian Baiti"/>
+        <a:font script="Viet" typeface="Arial"/>
+        <a:font script="Uigh" typeface="Microsoft Uighur"/>
+        <a:font script="Geor" typeface="Sylfaen"/>
+      </a:minorFont>
+    </a:fontScheme>
+    <a:fmtScheme name="Office">
+      <a:fillStyleLst>
+        <a:solidFill>
+          <a:schemeClr val="phClr"/>
+        </a:solidFill>
+        <a:gradFill rotWithShape="1">
+          <a:gsLst>
+            <a:gs pos="0">
+              <a:schemeClr val="phClr">
+                <a:tint val="50000"/>
+                <a:satMod val="300000"/>
+              </a:schemeClr>
+            </a:gs>
+            <a:gs pos="35000">
+              <a:schemeClr val="phClr">
+                <a:tint val="37000"/>
+                <a:satMod val="300000"/>
+              </a:schemeClr>
+            </a:gs>
+            <a:gs pos="100000">
+              <a:schemeClr val="phClr">
+                <a:tint val="15000"/>
+                <a:satMod val="350000"/>
+              </a:schemeClr>
+            </a:gs>
+          </a:gsLst>
+          <a:lin ang="16200000" scaled="1"/>
+        </a:gradFill>
+        <a:gradFill rotWithShape="1">
+          <a:gsLst>
+            <a:gs pos="0">
+              <a:schemeClr val="phClr">
+                <a:shade val="51000"/>
+                <a:satMod val="130000"/>
+              </a:schemeClr>
+            </a:gs>
+            <a:gs pos="80000">
+              <a:schemeClr val="phClr">
+                <a:shade val="93000"/>
+                <a:satMod val="130000"/>
+              </a:schemeClr>
+            </a:gs>
+            <a:gs pos="100000">
+              <a:schemeClr val="phClr">
+                <a:shade val="94000"/>
+                <a:satMod val="135000"/>
+              </a:schemeClr>
+            </a:gs>
+          </a:gsLst>
+          <a:lin ang="16200000" scaled="0"/>
+        </a:gradFill>
+      </a:fillStyleLst>
+      <a:lnStyleLst>
+        <a:ln w="9525" cap="flat" cmpd="sng" algn="ctr">
+          <a:solidFill>
+            <a:schemeClr val="phClr">
+              <a:shade val="95000"/>
+              <a:satMod val="105000"/>
+            </a:schemeClr>
+          </a:solidFill>
+          <a:prstDash val="solid"/>
+        </a:ln>
+        <a:ln w="25400" cap="flat" cmpd="sng" algn="ctr">
+          <a:solidFill>
+            <a:schemeClr val="phClr"/>
+          </a:solidFill>
+          <a:prstDash val="solid"/>
+        </a:ln>
+        <a:ln w="38100" cap="flat" cmpd="sng" algn="ctr">
+          <a:solidFill>
+            <a:schemeClr val="phClr"/>
+          </a:solidFill>
+          <a:prstDash val="solid"/>
+        </a:ln>
+      </a:lnStyleLst>
+      <a:effectStyleLst>
+        <a:effectStyle>
+          <a:effectLst>
+            <a:outerShdw blurRad="40000" dist="20000" dir="5400000" rotWithShape="0">
+              <a:srgbClr val="000000">
+                <a:alpha val="38000"/>
+              </a:srgbClr>
+            </a:outerShdw>
+          </a:effectLst>
+        </a:effectStyle>
+        <a:effectStyle>
+          <a:effectLst>
+            <a:outerShdw blurRad="40000" dist="23000" dir="5400000" rotWithShape="0">
+              <a:srgbClr val="000000">
+                <a:alpha val="35000"/>
+              </a:srgbClr>
+            </a:outerShdw>
+          </a:effectLst>
+        </a:effectStyle>
+        <a:effectStyle>
+          <a:effectLst>
+            <a:outerShdw blurRad="40000" dist="23000" dir="5400000" rotWithShape="0">
+              <a:srgbClr val="000000">
+                <a:alpha val="35000"/>
+              </a:srgbClr>
+            </a:outerShdw>
+          </a:effectLst>
+          <a:scene3d>
+            <a:camera prst="orthographicFront">
+              <a:rot lat="0" lon="0" rev="0"/>
+            </a:camera>
+            <a:lightRig rig="threePt" dir="t">
+              <a:rot lat="0" lon="0" rev="1200000"/>
+            </a:lightRig>
+          </a:scene3d>
+          <a:sp3d>
+            <a:bevelT w="63500" h="25400"/>
+          </a:sp3d>
+        </a:effectStyle>
+      </a:effectStyleLst>
+      <a:bgFillStyleLst>
+        <a:solidFill>
+          <a:schemeClr val="phClr"/>
+        </a:solidFill>
+        <a:gradFill rotWithShape="1">
+          <a:gsLst>
+            <a:gs pos="0">
+              <a:schemeClr val="phClr">
+                <a:tint val="40000"/>
+                <a:satMod val="350000"/>
+              </a:schemeClr>
+            </a:gs>
+            <a:gs pos="40000">
+              <a:schemeClr val="phClr">
+                <a:tint val="45000"/>
+                <a:shade val="99000"/>
+                <a:satMod val="350000"/>
+              </a:schemeClr>
+            </a:gs>
+            <a:gs pos="100000">
+              <a:schemeClr val="phClr">
+                <a:shade val="20000"/>
+                <a:satMod val="255000"/>
+              </a:schemeClr>
+            </a:gs>
+          </a:gsLst>
+          <a:path path="circle">
+            <a:fillToRect l="50000" t="-80000" r="50000" b="180000"/>
+          </a:path>
+        </a:gradFill>
+        <a:gradFill rotWithShape="1">
+          <a:gsLst>
+            <a:gs pos="0">
+              <a:schemeClr val="phClr">
+                <a:tint val="80000"/>
+                <a:satMod val="300000"/>
+              </a:schemeClr>
+            </a:gs>
+            <a:gs pos="100000">
+              <a:schemeClr val="phClr">
+                <a:shade val="30000"/>
+                <a:satMod val="200000"/>
+              </a:schemeClr>
+            </a:gs>
+          </a:gsLst>
+          <a:path path="circle">
+            <a:fillToRect l="50000" t="50000" r="50000" b="50000"/>
+          </a:path>
+        </a:gradFill>
+      </a:bgFillStyleLst>
+    </a:fmtScheme>
+  </a:themeElements>
+  <a:objectDefaults/>
+  <a:extraClrSchemeLst/>
+</a:theme>
 </file>
--- a/docs/slides.pptx
+++ b/docs/slides.pptx
@@ -5,26 +5,27 @@
     <p:sldMasterId id="2147483648" r:id="rId1"/>
   </p:sldMasterIdLst>
   <p:notesMasterIdLst>
-    <p:notesMasterId r:id="rId19"/>
+    <p:notesMasterId r:id="rId20"/>
   </p:notesMasterIdLst>
   <p:sldIdLst>
-    <p:sldId id="256" r:id="rId2"/>
-    <p:sldId id="257" r:id="rId3"/>
-    <p:sldId id="258" r:id="rId4"/>
-    <p:sldId id="259" r:id="rId5"/>
-    <p:sldId id="260" r:id="rId6"/>
-    <p:sldId id="272" r:id="rId7"/>
-    <p:sldId id="261" r:id="rId8"/>
-    <p:sldId id="262" r:id="rId9"/>
-    <p:sldId id="267" r:id="rId10"/>
-    <p:sldId id="263" r:id="rId11"/>
-    <p:sldId id="264" r:id="rId12"/>
-    <p:sldId id="268" r:id="rId13"/>
-    <p:sldId id="265" r:id="rId14"/>
-    <p:sldId id="266" r:id="rId15"/>
-    <p:sldId id="269" r:id="rId16"/>
-    <p:sldId id="271" r:id="rId17"/>
-    <p:sldId id="270" r:id="rId18"/>
+    <p:sldId id="273" r:id="rId2"/>
+    <p:sldId id="256" r:id="rId3"/>
+    <p:sldId id="257" r:id="rId4"/>
+    <p:sldId id="258" r:id="rId5"/>
+    <p:sldId id="259" r:id="rId6"/>
+    <p:sldId id="260" r:id="rId7"/>
+    <p:sldId id="272" r:id="rId8"/>
+    <p:sldId id="261" r:id="rId9"/>
+    <p:sldId id="262" r:id="rId10"/>
+    <p:sldId id="267" r:id="rId11"/>
+    <p:sldId id="263" r:id="rId12"/>
+    <p:sldId id="264" r:id="rId13"/>
+    <p:sldId id="268" r:id="rId14"/>
+    <p:sldId id="265" r:id="rId15"/>
+    <p:sldId id="266" r:id="rId16"/>
+    <p:sldId id="269" r:id="rId17"/>
+    <p:sldId id="271" r:id="rId18"/>
+    <p:sldId id="270" r:id="rId19"/>
   </p:sldIdLst>
   <p:sldSz cx="9144000" cy="6858000" type="screen4x3"/>
   <p:notesSz cx="6858000" cy="9144000"/>
@@ -1322,7 +1323,7 @@
           <a:p>
             <a:fld id="{56E4BE4B-6907-9044-9DE2-0CF38CADFAA6}" type="slidenum">
               <a:rPr lang="en-US" smtClean="0"/>
-              <a:t>10</a:t>
+              <a:t>11</a:t>
             </a:fld>
             <a:endParaRPr lang="en-US"/>
           </a:p>
@@ -1458,7 +1459,7 @@
           <a:p>
             <a:fld id="{56E4BE4B-6907-9044-9DE2-0CF38CADFAA6}" type="slidenum">
               <a:rPr lang="en-US" smtClean="0"/>
-              <a:t>11</a:t>
+              <a:t>12</a:t>
             </a:fld>
             <a:endParaRPr lang="en-US"/>
           </a:p>
@@ -1542,7 +1543,7 @@
           <a:p>
             <a:fld id="{56E4BE4B-6907-9044-9DE2-0CF38CADFAA6}" type="slidenum">
               <a:rPr lang="en-US" smtClean="0"/>
-              <a:t>13</a:t>
+              <a:t>14</a:t>
             </a:fld>
             <a:endParaRPr lang="en-US"/>
           </a:p>
@@ -4556,19 +4557,17 @@
             <a:spLocks noGrp="1"/>
           </p:cNvSpPr>
           <p:nvPr>
-            <p:ph type="title"/>
+            <p:ph type="ctrTitle"/>
           </p:nvPr>
         </p:nvSpPr>
         <p:spPr/>
         <p:txBody>
-          <a:bodyPr>
-            <a:normAutofit/>
-          </a:bodyPr>
-          <a:lstStyle/>
-          <a:p>
-            <a:r>
-              <a:rPr lang="en-US" dirty="0" smtClean="0"/>
-              <a:t>The Problem</a:t>
+          <a:bodyPr/>
+          <a:lstStyle/>
+          <a:p>
+            <a:r>
+              <a:rPr lang="en-US" dirty="0" err="1" smtClean="0"/>
+              <a:t>Nightout</a:t>
             </a:r>
             <a:endParaRPr lang="en-US" dirty="0"/>
           </a:p>
@@ -4576,12 +4575,12 @@
       </p:sp>
       <p:sp>
         <p:nvSpPr>
-          <p:cNvPr id="5" name="Content Placeholder 4"/>
+          <p:cNvPr id="5" name="Subtitle 4"/>
           <p:cNvSpPr>
             <a:spLocks noGrp="1"/>
           </p:cNvSpPr>
           <p:nvPr>
-            <p:ph idx="1"/>
+            <p:ph type="subTitle" idx="1"/>
           </p:nvPr>
         </p:nvSpPr>
         <p:spPr/>
@@ -4591,44 +4590,28 @@
           <a:p>
             <a:r>
               <a:rPr lang="en-US" dirty="0" smtClean="0"/>
-              <a:t>“What do I do when I’m bored?”</a:t>
-            </a:r>
-          </a:p>
-          <a:p>
+              <a:t>Matt </a:t>
+            </a:r>
+            <a:r>
+              <a:rPr lang="en-US" dirty="0" err="1" smtClean="0"/>
+              <a:t>Zoufaly</a:t>
+            </a:r>
             <a:r>
               <a:rPr lang="en-US" dirty="0" smtClean="0"/>
-              <a:t>We want to recommend things to do from previous user ratings</a:t>
-            </a:r>
-          </a:p>
-          <a:p>
+              <a:t>, Stephen Beard, Deep </a:t>
+            </a:r>
+            <a:r>
+              <a:rPr lang="en-US" dirty="0" err="1" smtClean="0"/>
+              <a:t>Ghosh</a:t>
+            </a:r>
             <a:r>
               <a:rPr lang="en-US" dirty="0" smtClean="0"/>
-              <a:t>We will provide </a:t>
-            </a:r>
-            <a:r>
-              <a:rPr lang="en-US" dirty="0" smtClean="0"/>
-              <a:t>useful recommendations for a user with only a few ratings</a:t>
-            </a:r>
-          </a:p>
-          <a:p>
-            <a:r>
-              <a:rPr lang="en-US" dirty="0" smtClean="0"/>
-              <a:t>Tell users why they will like a </a:t>
-            </a:r>
-            <a:r>
-              <a:rPr lang="en-US" dirty="0" smtClean="0"/>
-              <a:t>business</a:t>
-            </a:r>
-          </a:p>
-          <a:p>
-            <a:pPr lvl="1"/>
-            <a:r>
-              <a:rPr lang="en-US" dirty="0" smtClean="0"/>
-              <a:t>“We recommend Hoagie Haven because you liked George’s”</a:t>
-            </a:r>
-            <a:endParaRPr lang="en-US" dirty="0" smtClean="0"/>
-          </a:p>
-          <a:p>
+              <a:t>, Joey </a:t>
+            </a:r>
+            <a:r>
+              <a:rPr lang="en-US" dirty="0" err="1" smtClean="0"/>
+              <a:t>Dodds</a:t>
+            </a:r>
             <a:endParaRPr lang="en-US" dirty="0"/>
           </a:p>
         </p:txBody>
@@ -4636,7 +4619,7 @@
     </p:spTree>
     <p:extLst>
       <p:ext uri="{BB962C8B-B14F-4D97-AF65-F5344CB8AC3E}">
-        <p14:creationId xmlns:p14="http://schemas.microsoft.com/office/powerpoint/2010/main" val="377992702"/>
+        <p14:creationId xmlns:p14="http://schemas.microsoft.com/office/powerpoint/2010/main" val="4201308175"/>
       </p:ext>
     </p:extLst>
   </p:cSld>
@@ -4647,6 +4630,116 @@
 </file>
 
 <file path=ppt/slides/slide10.xml><?xml version="1.0" encoding="utf-8"?>
+<p:sld xmlns:a="http://schemas.openxmlformats.org/drawingml/2006/main" xmlns:r="http://schemas.openxmlformats.org/officeDocument/2006/relationships" xmlns:p="http://schemas.openxmlformats.org/presentationml/2006/main">
+  <p:cSld>
+    <p:spTree>
+      <p:nvGrpSpPr>
+        <p:cNvPr id="1" name=""/>
+        <p:cNvGrpSpPr/>
+        <p:nvPr/>
+      </p:nvGrpSpPr>
+      <p:grpSpPr>
+        <a:xfrm>
+          <a:off x="0" y="0"/>
+          <a:ext cx="0" cy="0"/>
+          <a:chOff x="0" y="0"/>
+          <a:chExt cx="0" cy="0"/>
+        </a:xfrm>
+      </p:grpSpPr>
+      <p:sp>
+        <p:nvSpPr>
+          <p:cNvPr id="2" name="Title 1"/>
+          <p:cNvSpPr>
+            <a:spLocks noGrp="1"/>
+          </p:cNvSpPr>
+          <p:nvPr>
+            <p:ph type="title"/>
+          </p:nvPr>
+        </p:nvSpPr>
+        <p:spPr/>
+        <p:txBody>
+          <a:bodyPr/>
+          <a:lstStyle/>
+          <a:p>
+            <a:r>
+              <a:rPr lang="en-US" dirty="0" smtClean="0"/>
+              <a:t>Distance Vs. K</a:t>
+            </a:r>
+            <a:endParaRPr lang="en-US" dirty="0"/>
+          </a:p>
+        </p:txBody>
+      </p:sp>
+      <p:sp>
+        <p:nvSpPr>
+          <p:cNvPr id="3" name="Content Placeholder 2"/>
+          <p:cNvSpPr>
+            <a:spLocks noGrp="1"/>
+          </p:cNvSpPr>
+          <p:nvPr>
+            <p:ph idx="1"/>
+          </p:nvPr>
+        </p:nvSpPr>
+        <p:spPr>
+          <a:xfrm>
+            <a:off x="457200" y="1600200"/>
+            <a:ext cx="8229600" cy="5105400"/>
+          </a:xfrm>
+        </p:spPr>
+        <p:txBody>
+          <a:bodyPr>
+            <a:normAutofit fontScale="92500" lnSpcReduction="10000"/>
+          </a:bodyPr>
+          <a:lstStyle/>
+          <a:p>
+            <a:r>
+              <a:rPr lang="en-US" dirty="0" smtClean="0"/>
+              <a:t>Graphs “Mean RSS Vs. K” and “Distance Vs. K” show results of cross-validation on the Michigan data</a:t>
+            </a:r>
+          </a:p>
+          <a:p>
+            <a:r>
+              <a:rPr lang="en-US" dirty="0" smtClean="0"/>
+              <a:t>Around 30 seems like the best value for K</a:t>
+            </a:r>
+          </a:p>
+          <a:p>
+            <a:r>
+              <a:rPr lang="en-US" dirty="0" smtClean="0"/>
+              <a:t>We hope to find a relationship so we can discover an approximate good K from the data</a:t>
+            </a:r>
+          </a:p>
+          <a:p>
+            <a:r>
+              <a:rPr lang="en-US" dirty="0" smtClean="0"/>
+              <a:t>We would expect a good value of K to be related to the number of “Tags” that are often applied to businesses</a:t>
+            </a:r>
+          </a:p>
+          <a:p>
+            <a:pPr lvl="1"/>
+            <a:r>
+              <a:rPr lang="en-US" dirty="0" smtClean="0"/>
+              <a:t>We might want to modify tags to include things like pricing and quality of service</a:t>
+            </a:r>
+          </a:p>
+          <a:p>
+            <a:endParaRPr lang="en-US" dirty="0"/>
+          </a:p>
+        </p:txBody>
+      </p:sp>
+    </p:spTree>
+    <p:extLst>
+      <p:ext uri="{BB962C8B-B14F-4D97-AF65-F5344CB8AC3E}">
+        <p14:creationId xmlns:p14="http://schemas.microsoft.com/office/powerpoint/2010/main" val="2511669756"/>
+      </p:ext>
+    </p:extLst>
+  </p:cSld>
+  <p:clrMapOvr>
+    <a:masterClrMapping/>
+  </p:clrMapOvr>
+</p:sld>
+</file>
+
+<file path=ppt/slides/slide11.xml><?xml version="1.0" encoding="utf-8"?>
 <p:sld xmlns:a="http://schemas.openxmlformats.org/drawingml/2006/main" xmlns:r="http://schemas.openxmlformats.org/officeDocument/2006/relationships" xmlns:p="http://schemas.openxmlformats.org/presentationml/2006/main">
   <p:cSld>
     <p:spTree>
@@ -4760,7 +4853,7 @@
 </p:sld>
 </file>
 
-<file path=ppt/slides/slide11.xml><?xml version="1.0" encoding="utf-8"?>
+<file path=ppt/slides/slide12.xml><?xml version="1.0" encoding="utf-8"?>
 <p:sld xmlns:a="http://schemas.openxmlformats.org/drawingml/2006/main" xmlns:r="http://schemas.openxmlformats.org/officeDocument/2006/relationships" xmlns:p="http://schemas.openxmlformats.org/presentationml/2006/main">
   <p:cSld>
     <p:spTree>
@@ -4874,7 +4967,7 @@
 </p:sld>
 </file>
 
-<file path=ppt/slides/slide12.xml><?xml version="1.0" encoding="utf-8"?>
+<file path=ppt/slides/slide13.xml><?xml version="1.0" encoding="utf-8"?>
 <p:sld xmlns:a="http://schemas.openxmlformats.org/drawingml/2006/main" xmlns:r="http://schemas.openxmlformats.org/officeDocument/2006/relationships" xmlns:p="http://schemas.openxmlformats.org/presentationml/2006/main">
   <p:cSld>
     <p:spTree>
@@ -4972,7 +5065,7 @@
 </p:sld>
 </file>
 
-<file path=ppt/slides/slide13.xml><?xml version="1.0" encoding="utf-8"?>
+<file path=ppt/slides/slide14.xml><?xml version="1.0" encoding="utf-8"?>
 <p:sld xmlns:a="http://schemas.openxmlformats.org/drawingml/2006/main" xmlns:r="http://schemas.openxmlformats.org/officeDocument/2006/relationships" xmlns:p="http://schemas.openxmlformats.org/presentationml/2006/main">
   <p:cSld>
     <p:spTree>
@@ -5484,7 +5577,7 @@
 </p:sld>
 </file>
 
-<file path=ppt/slides/slide14.xml><?xml version="1.0" encoding="utf-8"?>
+<file path=ppt/slides/slide15.xml><?xml version="1.0" encoding="utf-8"?>
 <p:sld xmlns:a="http://schemas.openxmlformats.org/drawingml/2006/main" xmlns:r="http://schemas.openxmlformats.org/officeDocument/2006/relationships" xmlns:p="http://schemas.openxmlformats.org/presentationml/2006/main">
   <p:cSld>
     <p:spTree>
@@ -5992,129 +6085,6 @@
 </p:sld>
 </file>
 
-<file path=ppt/slides/slide15.xml><?xml version="1.0" encoding="utf-8"?>
-<p:sld xmlns:a="http://schemas.openxmlformats.org/drawingml/2006/main" xmlns:r="http://schemas.openxmlformats.org/officeDocument/2006/relationships" xmlns:p="http://schemas.openxmlformats.org/presentationml/2006/main">
-  <p:cSld>
-    <p:spTree>
-      <p:nvGrpSpPr>
-        <p:cNvPr id="1" name=""/>
-        <p:cNvGrpSpPr/>
-        <p:nvPr/>
-      </p:nvGrpSpPr>
-      <p:grpSpPr>
-        <a:xfrm>
-          <a:off x="0" y="0"/>
-          <a:ext cx="0" cy="0"/>
-          <a:chOff x="0" y="0"/>
-          <a:chExt cx="0" cy="0"/>
-        </a:xfrm>
-      </p:grpSpPr>
-      <p:sp>
-        <p:nvSpPr>
-          <p:cNvPr id="2" name="Title 1"/>
-          <p:cNvSpPr>
-            <a:spLocks noGrp="1"/>
-          </p:cNvSpPr>
-          <p:nvPr>
-            <p:ph type="title"/>
-          </p:nvPr>
-        </p:nvSpPr>
-        <p:spPr/>
-        <p:txBody>
-          <a:bodyPr/>
-          <a:lstStyle/>
-          <a:p>
-            <a:r>
-              <a:rPr lang="en-US" dirty="0" smtClean="0"/>
-              <a:t>Normalization of Global Effects</a:t>
-            </a:r>
-            <a:endParaRPr lang="en-US" dirty="0"/>
-          </a:p>
-        </p:txBody>
-      </p:sp>
-      <p:sp>
-        <p:nvSpPr>
-          <p:cNvPr id="3" name="Content Placeholder 2"/>
-          <p:cNvSpPr>
-            <a:spLocks noGrp="1"/>
-          </p:cNvSpPr>
-          <p:nvPr>
-            <p:ph idx="1"/>
-          </p:nvPr>
-        </p:nvSpPr>
-        <p:spPr/>
-        <p:txBody>
-          <a:bodyPr>
-            <a:normAutofit fontScale="85000" lnSpcReduction="10000"/>
-          </a:bodyPr>
-          <a:lstStyle/>
-          <a:p>
-            <a:r>
-              <a:rPr lang="en-US" dirty="0" smtClean="0"/>
-              <a:t>Users and businesses tend to develop a bias. By normalizing, you are able to find the true interaction between a user and a business.</a:t>
-            </a:r>
-          </a:p>
-          <a:p>
-            <a:r>
-              <a:rPr lang="en-US" dirty="0" smtClean="0"/>
-              <a:t>The idea is to break a rating into different effects</a:t>
-            </a:r>
-          </a:p>
-          <a:p>
-            <a:pPr lvl="1"/>
-            <a:r>
-              <a:rPr lang="en-US" dirty="0" smtClean="0"/>
-              <a:t>Global effect: This is the average of all ratings</a:t>
-            </a:r>
-          </a:p>
-          <a:p>
-            <a:pPr lvl="1"/>
-            <a:r>
-              <a:rPr lang="en-US" dirty="0" smtClean="0"/>
-              <a:t>Business effect: The bias in the businesses ratings</a:t>
-            </a:r>
-          </a:p>
-          <a:p>
-            <a:pPr lvl="1"/>
-            <a:r>
-              <a:rPr lang="en-US" dirty="0" smtClean="0"/>
-              <a:t>User effect: The bias in the user’s ratings</a:t>
-            </a:r>
-          </a:p>
-          <a:p>
-            <a:pPr lvl="1"/>
-            <a:r>
-              <a:rPr lang="en-US" dirty="0" smtClean="0"/>
-              <a:t>Interaction: The specific interaction between the user and the business.</a:t>
-            </a:r>
-          </a:p>
-          <a:p>
-            <a:pPr lvl="1"/>
-            <a:r>
-              <a:rPr lang="en-US" dirty="0" smtClean="0"/>
-              <a:t>Other effects could make the users rating depend upon the businesses average, time, number of ratings, </a:t>
-            </a:r>
-            <a:r>
-              <a:rPr lang="en-US" dirty="0" err="1" smtClean="0"/>
-              <a:t>etc</a:t>
-            </a:r>
-            <a:endParaRPr lang="en-US" dirty="0" smtClean="0"/>
-          </a:p>
-        </p:txBody>
-      </p:sp>
-    </p:spTree>
-    <p:extLst>
-      <p:ext uri="{BB962C8B-B14F-4D97-AF65-F5344CB8AC3E}">
-        <p14:creationId xmlns:p14="http://schemas.microsoft.com/office/powerpoint/2010/main" val="322045502"/>
-      </p:ext>
-    </p:extLst>
-  </p:cSld>
-  <p:clrMapOvr>
-    <a:masterClrMapping/>
-  </p:clrMapOvr>
-</p:sld>
-</file>
-
 <file path=ppt/slides/slide16.xml><?xml version="1.0" encoding="utf-8"?>
 <p:sld xmlns:a="http://schemas.openxmlformats.org/drawingml/2006/main" xmlns:r="http://schemas.openxmlformats.org/officeDocument/2006/relationships" xmlns:p="http://schemas.openxmlformats.org/presentationml/2006/main">
   <p:cSld>
@@ -6149,6 +6119,129 @@
           <a:p>
             <a:r>
               <a:rPr lang="en-US" dirty="0" smtClean="0"/>
+              <a:t>Normalization of Global Effects</a:t>
+            </a:r>
+            <a:endParaRPr lang="en-US" dirty="0"/>
+          </a:p>
+        </p:txBody>
+      </p:sp>
+      <p:sp>
+        <p:nvSpPr>
+          <p:cNvPr id="3" name="Content Placeholder 2"/>
+          <p:cNvSpPr>
+            <a:spLocks noGrp="1"/>
+          </p:cNvSpPr>
+          <p:nvPr>
+            <p:ph idx="1"/>
+          </p:nvPr>
+        </p:nvSpPr>
+        <p:spPr/>
+        <p:txBody>
+          <a:bodyPr>
+            <a:normAutofit fontScale="85000" lnSpcReduction="10000"/>
+          </a:bodyPr>
+          <a:lstStyle/>
+          <a:p>
+            <a:r>
+              <a:rPr lang="en-US" dirty="0" smtClean="0"/>
+              <a:t>Users and businesses tend to develop a bias. By normalizing, you are able to find the true interaction between a user and a business.</a:t>
+            </a:r>
+          </a:p>
+          <a:p>
+            <a:r>
+              <a:rPr lang="en-US" dirty="0" smtClean="0"/>
+              <a:t>The idea is to break a rating into different effects</a:t>
+            </a:r>
+          </a:p>
+          <a:p>
+            <a:pPr lvl="1"/>
+            <a:r>
+              <a:rPr lang="en-US" dirty="0" smtClean="0"/>
+              <a:t>Global effect: This is the average of all ratings</a:t>
+            </a:r>
+          </a:p>
+          <a:p>
+            <a:pPr lvl="1"/>
+            <a:r>
+              <a:rPr lang="en-US" dirty="0" smtClean="0"/>
+              <a:t>Business effect: The bias in the businesses ratings</a:t>
+            </a:r>
+          </a:p>
+          <a:p>
+            <a:pPr lvl="1"/>
+            <a:r>
+              <a:rPr lang="en-US" dirty="0" smtClean="0"/>
+              <a:t>User effect: The bias in the user’s ratings</a:t>
+            </a:r>
+          </a:p>
+          <a:p>
+            <a:pPr lvl="1"/>
+            <a:r>
+              <a:rPr lang="en-US" dirty="0" smtClean="0"/>
+              <a:t>Interaction: The specific interaction between the user and the business.</a:t>
+            </a:r>
+          </a:p>
+          <a:p>
+            <a:pPr lvl="1"/>
+            <a:r>
+              <a:rPr lang="en-US" dirty="0" smtClean="0"/>
+              <a:t>Other effects could make the users rating depend upon the businesses average, time, number of ratings, </a:t>
+            </a:r>
+            <a:r>
+              <a:rPr lang="en-US" dirty="0" err="1" smtClean="0"/>
+              <a:t>etc</a:t>
+            </a:r>
+            <a:endParaRPr lang="en-US" dirty="0" smtClean="0"/>
+          </a:p>
+        </p:txBody>
+      </p:sp>
+    </p:spTree>
+    <p:extLst>
+      <p:ext uri="{BB962C8B-B14F-4D97-AF65-F5344CB8AC3E}">
+        <p14:creationId xmlns:p14="http://schemas.microsoft.com/office/powerpoint/2010/main" val="322045502"/>
+      </p:ext>
+    </p:extLst>
+  </p:cSld>
+  <p:clrMapOvr>
+    <a:masterClrMapping/>
+  </p:clrMapOvr>
+</p:sld>
+</file>
+
+<file path=ppt/slides/slide17.xml><?xml version="1.0" encoding="utf-8"?>
+<p:sld xmlns:a="http://schemas.openxmlformats.org/drawingml/2006/main" xmlns:r="http://schemas.openxmlformats.org/officeDocument/2006/relationships" xmlns:p="http://schemas.openxmlformats.org/presentationml/2006/main">
+  <p:cSld>
+    <p:spTree>
+      <p:nvGrpSpPr>
+        <p:cNvPr id="1" name=""/>
+        <p:cNvGrpSpPr/>
+        <p:nvPr/>
+      </p:nvGrpSpPr>
+      <p:grpSpPr>
+        <a:xfrm>
+          <a:off x="0" y="0"/>
+          <a:ext cx="0" cy="0"/>
+          <a:chOff x="0" y="0"/>
+          <a:chExt cx="0" cy="0"/>
+        </a:xfrm>
+      </p:grpSpPr>
+      <p:sp>
+        <p:nvSpPr>
+          <p:cNvPr id="2" name="Title 1"/>
+          <p:cNvSpPr>
+            <a:spLocks noGrp="1"/>
+          </p:cNvSpPr>
+          <p:nvPr>
+            <p:ph type="title"/>
+          </p:nvPr>
+        </p:nvSpPr>
+        <p:spPr/>
+        <p:txBody>
+          <a:bodyPr/>
+          <a:lstStyle/>
+          <a:p>
+            <a:r>
+              <a:rPr lang="en-US" dirty="0" smtClean="0"/>
               <a:t>Example of Normalization</a:t>
             </a:r>
             <a:endParaRPr lang="en-US" dirty="0"/>
@@ -6282,7 +6375,7 @@
 </p:sld>
 </file>
 
-<file path=ppt/slides/slide17.xml><?xml version="1.0" encoding="utf-8"?>
+<file path=ppt/slides/slide18.xml><?xml version="1.0" encoding="utf-8"?>
 <p:sld xmlns:a="http://schemas.openxmlformats.org/drawingml/2006/main" xmlns:r="http://schemas.openxmlformats.org/officeDocument/2006/relationships" xmlns:p="http://schemas.openxmlformats.org/presentationml/2006/main">
   <p:cSld>
     <p:spTree>
@@ -6382,6 +6475,120 @@
       </p:grpSpPr>
       <p:sp>
         <p:nvSpPr>
+          <p:cNvPr id="4" name="Title 3"/>
+          <p:cNvSpPr>
+            <a:spLocks noGrp="1"/>
+          </p:cNvSpPr>
+          <p:nvPr>
+            <p:ph type="title"/>
+          </p:nvPr>
+        </p:nvSpPr>
+        <p:spPr/>
+        <p:txBody>
+          <a:bodyPr>
+            <a:normAutofit/>
+          </a:bodyPr>
+          <a:lstStyle/>
+          <a:p>
+            <a:r>
+              <a:rPr lang="en-US" dirty="0" smtClean="0"/>
+              <a:t>The Problem</a:t>
+            </a:r>
+            <a:endParaRPr lang="en-US" dirty="0"/>
+          </a:p>
+        </p:txBody>
+      </p:sp>
+      <p:sp>
+        <p:nvSpPr>
+          <p:cNvPr id="5" name="Content Placeholder 4"/>
+          <p:cNvSpPr>
+            <a:spLocks noGrp="1"/>
+          </p:cNvSpPr>
+          <p:nvPr>
+            <p:ph idx="1"/>
+          </p:nvPr>
+        </p:nvSpPr>
+        <p:spPr/>
+        <p:txBody>
+          <a:bodyPr/>
+          <a:lstStyle/>
+          <a:p>
+            <a:r>
+              <a:rPr lang="en-US" dirty="0" smtClean="0"/>
+              <a:t>“What do I do when I’m bored?”</a:t>
+            </a:r>
+          </a:p>
+          <a:p>
+            <a:r>
+              <a:rPr lang="en-US" dirty="0" smtClean="0"/>
+              <a:t>We want to recommend things to do from previous user ratings</a:t>
+            </a:r>
+          </a:p>
+          <a:p>
+            <a:r>
+              <a:rPr lang="en-US" dirty="0" smtClean="0"/>
+              <a:t>We will provide </a:t>
+            </a:r>
+            <a:r>
+              <a:rPr lang="en-US" dirty="0" smtClean="0"/>
+              <a:t>useful recommendations for a user with only a few ratings</a:t>
+            </a:r>
+          </a:p>
+          <a:p>
+            <a:r>
+              <a:rPr lang="en-US" dirty="0" smtClean="0"/>
+              <a:t>Tell users why they will like a </a:t>
+            </a:r>
+            <a:r>
+              <a:rPr lang="en-US" dirty="0" smtClean="0"/>
+              <a:t>business</a:t>
+            </a:r>
+          </a:p>
+          <a:p>
+            <a:pPr lvl="1"/>
+            <a:r>
+              <a:rPr lang="en-US" dirty="0" smtClean="0"/>
+              <a:t>“We recommend Hoagie Haven because you liked George’s”</a:t>
+            </a:r>
+            <a:endParaRPr lang="en-US" dirty="0" smtClean="0"/>
+          </a:p>
+          <a:p>
+            <a:endParaRPr lang="en-US" dirty="0"/>
+          </a:p>
+        </p:txBody>
+      </p:sp>
+    </p:spTree>
+    <p:extLst>
+      <p:ext uri="{BB962C8B-B14F-4D97-AF65-F5344CB8AC3E}">
+        <p14:creationId xmlns:p14="http://schemas.microsoft.com/office/powerpoint/2010/main" val="377992702"/>
+      </p:ext>
+    </p:extLst>
+  </p:cSld>
+  <p:clrMapOvr>
+    <a:masterClrMapping/>
+  </p:clrMapOvr>
+</p:sld>
+</file>
+
+<file path=ppt/slides/slide3.xml><?xml version="1.0" encoding="utf-8"?>
+<p:sld xmlns:a="http://schemas.openxmlformats.org/drawingml/2006/main" xmlns:r="http://schemas.openxmlformats.org/officeDocument/2006/relationships" xmlns:p="http://schemas.openxmlformats.org/presentationml/2006/main">
+  <p:cSld>
+    <p:spTree>
+      <p:nvGrpSpPr>
+        <p:cNvPr id="1" name=""/>
+        <p:cNvGrpSpPr/>
+        <p:nvPr/>
+      </p:nvGrpSpPr>
+      <p:grpSpPr>
+        <a:xfrm>
+          <a:off x="0" y="0"/>
+          <a:ext cx="0" cy="0"/>
+          <a:chOff x="0" y="0"/>
+          <a:chExt cx="0" cy="0"/>
+        </a:xfrm>
+      </p:grpSpPr>
+      <p:sp>
+        <p:nvSpPr>
           <p:cNvPr id="2" name="Title 1"/>
           <p:cNvSpPr>
             <a:spLocks noGrp="1"/>
@@ -6497,7 +6704,7 @@
 </p:sld>
 </file>
 
-<file path=ppt/slides/slide3.xml><?xml version="1.0" encoding="utf-8"?>
+<file path=ppt/slides/slide4.xml><?xml version="1.0" encoding="utf-8"?>
 <p:sld xmlns:a="http://schemas.openxmlformats.org/drawingml/2006/main" xmlns:r="http://schemas.openxmlformats.org/officeDocument/2006/relationships" xmlns:p="http://schemas.openxmlformats.org/presentationml/2006/main">
   <p:cSld>
     <p:spTree>
@@ -8358,7 +8565,7 @@
 </p:sld>
 </file>
 
-<file path=ppt/slides/slide4.xml><?xml version="1.0" encoding="utf-8"?>
+<file path=ppt/slides/slide5.xml><?xml version="1.0" encoding="utf-8"?>
 <p:sld xmlns:a="http://schemas.openxmlformats.org/drawingml/2006/main" xmlns:r="http://schemas.openxmlformats.org/officeDocument/2006/relationships" xmlns:p="http://schemas.openxmlformats.org/presentationml/2006/main">
   <p:cSld>
     <p:spTree>
@@ -10456,7 +10663,7 @@
 </p:sld>
 </file>
 
-<file path=ppt/slides/slide5.xml><?xml version="1.0" encoding="utf-8"?>
+<file path=ppt/slides/slide6.xml><?xml version="1.0" encoding="utf-8"?>
 <p:sld xmlns:a="http://schemas.openxmlformats.org/drawingml/2006/main" xmlns:r="http://schemas.openxmlformats.org/officeDocument/2006/relationships" xmlns:p="http://schemas.openxmlformats.org/presentationml/2006/main">
   <p:cSld>
     <p:spTree>
@@ -10642,7 +10849,7 @@
 </p:sld>
 </file>
 
-<file path=ppt/slides/slide6.xml><?xml version="1.0" encoding="utf-8"?>
+<file path=ppt/slides/slide7.xml><?xml version="1.0" encoding="utf-8"?>
 <p:sld xmlns:a="http://schemas.openxmlformats.org/drawingml/2006/main" xmlns:r="http://schemas.openxmlformats.org/officeDocument/2006/relationships" xmlns:p="http://schemas.openxmlformats.org/presentationml/2006/main">
   <p:cSld>
     <p:spTree>
@@ -11331,7 +11538,7 @@
 </p:sld>
 </file>
 
-<file path=ppt/slides/slide7.xml><?xml version="1.0" encoding="utf-8"?>
+<file path=ppt/slides/slide8.xml><?xml version="1.0" encoding="utf-8"?>
 <p:sld xmlns:a="http://schemas.openxmlformats.org/drawingml/2006/main" xmlns:r="http://schemas.openxmlformats.org/officeDocument/2006/relationships" xmlns:p="http://schemas.openxmlformats.org/presentationml/2006/main">
   <p:cSld>
     <p:spTree>
@@ -11470,7 +11677,7 @@
 </p:sld>
 </file>
 
-<file path=ppt/slides/slide8.xml><?xml version="1.0" encoding="utf-8"?>
+<file path=ppt/slides/slide9.xml><?xml version="1.0" encoding="utf-8"?>
 <p:sld xmlns:a="http://schemas.openxmlformats.org/drawingml/2006/main" xmlns:r="http://schemas.openxmlformats.org/officeDocument/2006/relationships" xmlns:p="http://schemas.openxmlformats.org/presentationml/2006/main">
   <p:cSld>
     <p:spTree>
@@ -11628,116 +11835,6 @@
     <p:extLst>
       <p:ext uri="{BB962C8B-B14F-4D97-AF65-F5344CB8AC3E}">
         <p14:creationId xmlns:p14="http://schemas.microsoft.com/office/powerpoint/2010/main" val="3106750341"/>
-      </p:ext>
-    </p:extLst>
-  </p:cSld>
-  <p:clrMapOvr>
-    <a:masterClrMapping/>
-  </p:clrMapOvr>
-</p:sld>
-</file>
-
-<file path=ppt/slides/slide9.xml><?xml version="1.0" encoding="utf-8"?>
-<p:sld xmlns:a="http://schemas.openxmlformats.org/drawingml/2006/main" xmlns:r="http://schemas.openxmlformats.org/officeDocument/2006/relationships" xmlns:p="http://schemas.openxmlformats.org/presentationml/2006/main">
-  <p:cSld>
-    <p:spTree>
-      <p:nvGrpSpPr>
-        <p:cNvPr id="1" name=""/>
-        <p:cNvGrpSpPr/>
-        <p:nvPr/>
-      </p:nvGrpSpPr>
-      <p:grpSpPr>
-        <a:xfrm>
-          <a:off x="0" y="0"/>
-          <a:ext cx="0" cy="0"/>
-          <a:chOff x="0" y="0"/>
-          <a:chExt cx="0" cy="0"/>
-        </a:xfrm>
-      </p:grpSpPr>
-      <p:sp>
-        <p:nvSpPr>
-          <p:cNvPr id="2" name="Title 1"/>
-          <p:cNvSpPr>
-            <a:spLocks noGrp="1"/>
-          </p:cNvSpPr>
-          <p:nvPr>
-            <p:ph type="title"/>
-          </p:nvPr>
-        </p:nvSpPr>
-        <p:spPr/>
-        <p:txBody>
-          <a:bodyPr/>
-          <a:lstStyle/>
-          <a:p>
-            <a:r>
-              <a:rPr lang="en-US" dirty="0" smtClean="0"/>
-              <a:t>Distance Vs. K</a:t>
-            </a:r>
-            <a:endParaRPr lang="en-US" dirty="0"/>
-          </a:p>
-        </p:txBody>
-      </p:sp>
-      <p:sp>
-        <p:nvSpPr>
-          <p:cNvPr id="3" name="Content Placeholder 2"/>
-          <p:cNvSpPr>
-            <a:spLocks noGrp="1"/>
-          </p:cNvSpPr>
-          <p:nvPr>
-            <p:ph idx="1"/>
-          </p:nvPr>
-        </p:nvSpPr>
-        <p:spPr>
-          <a:xfrm>
-            <a:off x="457200" y="1600200"/>
-            <a:ext cx="8229600" cy="5105400"/>
-          </a:xfrm>
-        </p:spPr>
-        <p:txBody>
-          <a:bodyPr>
-            <a:normAutofit fontScale="92500" lnSpcReduction="10000"/>
-          </a:bodyPr>
-          <a:lstStyle/>
-          <a:p>
-            <a:r>
-              <a:rPr lang="en-US" dirty="0" smtClean="0"/>
-              <a:t>Graphs “Mean RSS Vs. K” and “Distance Vs. K” show results of cross-validation on the Michigan data</a:t>
-            </a:r>
-          </a:p>
-          <a:p>
-            <a:r>
-              <a:rPr lang="en-US" dirty="0" smtClean="0"/>
-              <a:t>Around 30 seems like the best value for K</a:t>
-            </a:r>
-          </a:p>
-          <a:p>
-            <a:r>
-              <a:rPr lang="en-US" dirty="0" smtClean="0"/>
-              <a:t>We hope to find a relationship so we can discover an approximate good K from the data</a:t>
-            </a:r>
-          </a:p>
-          <a:p>
-            <a:r>
-              <a:rPr lang="en-US" dirty="0" smtClean="0"/>
-              <a:t>We would expect a good value of K to be related to the number of “Tags” that are often applied to businesses</a:t>
-            </a:r>
-          </a:p>
-          <a:p>
-            <a:pPr lvl="1"/>
-            <a:r>
-              <a:rPr lang="en-US" dirty="0" smtClean="0"/>
-              <a:t>We might want to modify tags to include things like pricing and quality of service</a:t>
-            </a:r>
-          </a:p>
-          <a:p>
-            <a:endParaRPr lang="en-US" dirty="0"/>
-          </a:p>
-        </p:txBody>
-      </p:sp>
-    </p:spTree>
-    <p:extLst>
-      <p:ext uri="{BB962C8B-B14F-4D97-AF65-F5344CB8AC3E}">
-        <p14:creationId xmlns:p14="http://schemas.microsoft.com/office/powerpoint/2010/main" val="2511669756"/>
       </p:ext>
     </p:extLst>
   </p:cSld>
